--- a/研一上/软件缺陷修复/补丁评估方向/Identifying Patch Correctness in Test-Based Program Repair.pptx
+++ b/研一上/软件缺陷修复/补丁评估方向/Identifying Patch Correctness in Test-Based Program Repair.pptx
@@ -6,39 +6,43 @@
     <p:sldMasterId id="2147483660" r:id="rId2"/>
   </p:sldMasterIdLst>
   <p:notesMasterIdLst>
-    <p:notesMasterId r:id="rId13"/>
+    <p:notesMasterId r:id="rId17"/>
   </p:notesMasterIdLst>
   <p:sldIdLst>
     <p:sldId id="292" r:id="rId3"/>
     <p:sldId id="328" r:id="rId4"/>
-    <p:sldId id="348" r:id="rId5"/>
-    <p:sldId id="349" r:id="rId6"/>
-    <p:sldId id="351" r:id="rId7"/>
-    <p:sldId id="353" r:id="rId8"/>
-    <p:sldId id="354" r:id="rId9"/>
-    <p:sldId id="345" r:id="rId10"/>
-    <p:sldId id="352" r:id="rId11"/>
-    <p:sldId id="290" r:id="rId12"/>
+    <p:sldId id="351" r:id="rId5"/>
+    <p:sldId id="353" r:id="rId6"/>
+    <p:sldId id="354" r:id="rId7"/>
+    <p:sldId id="355" r:id="rId8"/>
+    <p:sldId id="356" r:id="rId9"/>
+    <p:sldId id="357" r:id="rId10"/>
+    <p:sldId id="358" r:id="rId11"/>
+    <p:sldId id="359" r:id="rId12"/>
+    <p:sldId id="360" r:id="rId13"/>
+    <p:sldId id="345" r:id="rId14"/>
+    <p:sldId id="352" r:id="rId15"/>
+    <p:sldId id="290" r:id="rId16"/>
   </p:sldIdLst>
   <p:sldSz cx="9144000" cy="6858000" type="screen4x3"/>
   <p:notesSz cx="6858000" cy="9144000"/>
   <p:embeddedFontLst>
     <p:embeddedFont>
       <p:font typeface="微软雅黑" panose="020B0503020204020204" pitchFamily="34" charset="-122"/>
-      <p:regular r:id="rId14"/>
-      <p:bold r:id="rId15"/>
+      <p:regular r:id="rId18"/>
+      <p:bold r:id="rId19"/>
     </p:embeddedFont>
     <p:embeddedFont>
       <p:font typeface="Calibri" panose="020F0502020204030204" pitchFamily="34" charset="0"/>
-      <p:regular r:id="rId16"/>
-      <p:bold r:id="rId17"/>
-      <p:italic r:id="rId18"/>
-      <p:boldItalic r:id="rId19"/>
+      <p:regular r:id="rId20"/>
+      <p:bold r:id="rId21"/>
+      <p:italic r:id="rId22"/>
+      <p:boldItalic r:id="rId23"/>
     </p:embeddedFont>
     <p:embeddedFont>
       <p:font typeface="Calibri Light" panose="020F0302020204030204" pitchFamily="34" charset="0"/>
-      <p:regular r:id="rId20"/>
-      <p:italic r:id="rId21"/>
+      <p:regular r:id="rId24"/>
+      <p:italic r:id="rId25"/>
     </p:embeddedFont>
   </p:embeddedFontLst>
   <p:defaultTextStyle>
@@ -226,7 +230,7 @@
           <a:p>
             <a:fld id="{E9322016-10F6-433F-8A73-AEE06F02DA3F}" type="datetimeFigureOut">
               <a:rPr lang="zh-CN" altLang="en-US" smtClean="0"/>
-              <a:t>2021/10/29</a:t>
+              <a:t>2021/11/5</a:t>
             </a:fld>
             <a:endParaRPr lang="zh-CN" altLang="en-US"/>
           </a:p>
@@ -720,7 +724,7 @@
           <a:p>
             <a:fld id="{D997B5FA-0921-464F-AAE1-844C04324D75}" type="datetimeFigureOut">
               <a:rPr lang="zh-CN" altLang="en-US" smtClean="0"/>
-              <a:t>2021/10/29</a:t>
+              <a:t>2021/11/5</a:t>
             </a:fld>
             <a:endParaRPr lang="zh-CN" altLang="en-US"/>
           </a:p>
@@ -891,7 +895,7 @@
           <a:p>
             <a:fld id="{D997B5FA-0921-464F-AAE1-844C04324D75}" type="datetimeFigureOut">
               <a:rPr lang="zh-CN" altLang="en-US" smtClean="0"/>
-              <a:t>2021/10/29</a:t>
+              <a:t>2021/11/5</a:t>
             </a:fld>
             <a:endParaRPr lang="zh-CN" altLang="en-US"/>
           </a:p>
@@ -1072,7 +1076,7 @@
           <a:p>
             <a:fld id="{D997B5FA-0921-464F-AAE1-844C04324D75}" type="datetimeFigureOut">
               <a:rPr lang="zh-CN" altLang="en-US" smtClean="0"/>
-              <a:t>2021/10/29</a:t>
+              <a:t>2021/11/5</a:t>
             </a:fld>
             <a:endParaRPr lang="zh-CN" altLang="en-US"/>
           </a:p>
@@ -1272,7 +1276,7 @@
                 </a:solidFill>
               </a:rPr>
               <a:pPr/>
-              <a:t>2021/10/29</a:t>
+              <a:t>2021/11/5</a:t>
             </a:fld>
             <a:endParaRPr lang="zh-CN" altLang="en-US">
               <a:solidFill>
@@ -1475,7 +1479,7 @@
                 </a:solidFill>
               </a:rPr>
               <a:pPr/>
-              <a:t>2021/10/29</a:t>
+              <a:t>2021/11/5</a:t>
             </a:fld>
             <a:endParaRPr lang="zh-CN" altLang="en-US">
               <a:solidFill>
@@ -1671,7 +1675,7 @@
           <a:p>
             <a:fld id="{D997B5FA-0921-464F-AAE1-844C04324D75}" type="datetimeFigureOut">
               <a:rPr lang="zh-CN" altLang="en-US" smtClean="0"/>
-              <a:t>2021/10/29</a:t>
+              <a:t>2021/11/5</a:t>
             </a:fld>
             <a:endParaRPr lang="zh-CN" altLang="en-US"/>
           </a:p>
@@ -1919,7 +1923,7 @@
           <a:p>
             <a:fld id="{D997B5FA-0921-464F-AAE1-844C04324D75}" type="datetimeFigureOut">
               <a:rPr lang="zh-CN" altLang="en-US" smtClean="0"/>
-              <a:t>2021/10/29</a:t>
+              <a:t>2021/11/5</a:t>
             </a:fld>
             <a:endParaRPr lang="zh-CN" altLang="en-US"/>
           </a:p>
@@ -2151,7 +2155,7 @@
           <a:p>
             <a:fld id="{D997B5FA-0921-464F-AAE1-844C04324D75}" type="datetimeFigureOut">
               <a:rPr lang="zh-CN" altLang="en-US" smtClean="0"/>
-              <a:t>2021/10/29</a:t>
+              <a:t>2021/11/5</a:t>
             </a:fld>
             <a:endParaRPr lang="zh-CN" altLang="en-US"/>
           </a:p>
@@ -2518,7 +2522,7 @@
           <a:p>
             <a:fld id="{D997B5FA-0921-464F-AAE1-844C04324D75}" type="datetimeFigureOut">
               <a:rPr lang="zh-CN" altLang="en-US" smtClean="0"/>
-              <a:t>2021/10/29</a:t>
+              <a:t>2021/11/5</a:t>
             </a:fld>
             <a:endParaRPr lang="zh-CN" altLang="en-US"/>
           </a:p>
@@ -2638,7 +2642,7 @@
           <a:p>
             <a:fld id="{D997B5FA-0921-464F-AAE1-844C04324D75}" type="datetimeFigureOut">
               <a:rPr lang="zh-CN" altLang="en-US" smtClean="0"/>
-              <a:t>2021/10/29</a:t>
+              <a:t>2021/11/5</a:t>
             </a:fld>
             <a:endParaRPr lang="zh-CN" altLang="en-US"/>
           </a:p>
@@ -2736,7 +2740,7 @@
           <a:p>
             <a:fld id="{D997B5FA-0921-464F-AAE1-844C04324D75}" type="datetimeFigureOut">
               <a:rPr lang="zh-CN" altLang="en-US" smtClean="0"/>
-              <a:t>2021/10/29</a:t>
+              <a:t>2021/11/5</a:t>
             </a:fld>
             <a:endParaRPr lang="zh-CN" altLang="en-US"/>
           </a:p>
@@ -3014,7 +3018,7 @@
           <a:p>
             <a:fld id="{D997B5FA-0921-464F-AAE1-844C04324D75}" type="datetimeFigureOut">
               <a:rPr lang="zh-CN" altLang="en-US" smtClean="0"/>
-              <a:t>2021/10/29</a:t>
+              <a:t>2021/11/5</a:t>
             </a:fld>
             <a:endParaRPr lang="zh-CN" altLang="en-US"/>
           </a:p>
@@ -3269,7 +3273,7 @@
           <a:p>
             <a:fld id="{D997B5FA-0921-464F-AAE1-844C04324D75}" type="datetimeFigureOut">
               <a:rPr lang="zh-CN" altLang="en-US" smtClean="0"/>
-              <a:t>2021/10/29</a:t>
+              <a:t>2021/11/5</a:t>
             </a:fld>
             <a:endParaRPr lang="zh-CN" altLang="en-US"/>
           </a:p>
@@ -3483,7 +3487,7 @@
           <a:p>
             <a:fld id="{D997B5FA-0921-464F-AAE1-844C04324D75}" type="datetimeFigureOut">
               <a:rPr lang="zh-CN" altLang="en-US" smtClean="0"/>
-              <a:t>2021/10/29</a:t>
+              <a:t>2021/11/5</a:t>
             </a:fld>
             <a:endParaRPr lang="zh-CN" altLang="en-US"/>
           </a:p>
@@ -4041,7 +4045,7 @@
                 </a:solidFill>
               </a:rPr>
               <a:pPr/>
-              <a:t>2021/10/29</a:t>
+              <a:t>2021/11/5</a:t>
             </a:fld>
             <a:endParaRPr lang="zh-CN" altLang="en-US" dirty="0">
               <a:solidFill>
@@ -4703,7 +4707,7 @@
         <p:spPr>
           <a:xfrm>
             <a:off x="331816" y="2598514"/>
-            <a:ext cx="4910743" cy="830997"/>
+            <a:ext cx="4910743" cy="1200329"/>
           </a:xfrm>
           <a:prstGeom prst="rect">
             <a:avLst/>
@@ -4723,6 +4727,11 @@
               </a:rPr>
               <a:t>International Conference on Software Engineering</a:t>
             </a:r>
+            <a:endParaRPr lang="zh-CN" altLang="en-US" sz="2400" b="1">
+              <a:latin typeface="+mn-ea"/>
+            </a:endParaRPr>
+          </a:p>
+          <a:p>
             <a:endParaRPr lang="zh-CN" altLang="en-US" sz="2400" b="1">
               <a:latin typeface="+mn-ea"/>
             </a:endParaRPr>
@@ -4867,6 +4876,2988 @@
 </file>
 
 <file path=ppt/slides/slide10.xml><?xml version="1.0" encoding="utf-8"?>
+<p:sld xmlns:a="http://schemas.openxmlformats.org/drawingml/2006/main" xmlns:r="http://schemas.openxmlformats.org/officeDocument/2006/relationships" xmlns:p="http://schemas.openxmlformats.org/presentationml/2006/main">
+  <p:cSld>
+    <p:spTree>
+      <p:nvGrpSpPr>
+        <p:cNvPr id="1" name=""/>
+        <p:cNvGrpSpPr/>
+        <p:nvPr/>
+      </p:nvGrpSpPr>
+      <p:grpSpPr>
+        <a:xfrm>
+          <a:off x="0" y="0"/>
+          <a:ext cx="0" cy="0"/>
+          <a:chOff x="0" y="0"/>
+          <a:chExt cx="0" cy="0"/>
+        </a:xfrm>
+      </p:grpSpPr>
+      <p:sp>
+        <p:nvSpPr>
+          <p:cNvPr id="5" name="文本框 4"/>
+          <p:cNvSpPr txBox="1"/>
+          <p:nvPr/>
+        </p:nvSpPr>
+        <p:spPr>
+          <a:xfrm>
+            <a:off x="7595789" y="286744"/>
+            <a:ext cx="1083519" cy="830997"/>
+          </a:xfrm>
+          <a:prstGeom prst="rect">
+            <a:avLst/>
+          </a:prstGeom>
+          <a:noFill/>
+        </p:spPr>
+        <p:txBody>
+          <a:bodyPr wrap="square" rtlCol="0">
+            <a:spAutoFit/>
+          </a:bodyPr>
+          <a:lstStyle/>
+          <a:p>
+            <a:r>
+              <a:rPr lang="zh-CN" altLang="en-US" sz="2400" dirty="0">
+                <a:solidFill>
+                  <a:srgbClr val="FFFFFF">
+                    <a:lumMod val="95000"/>
+                  </a:srgbClr>
+                </a:solidFill>
+                <a:latin typeface="+mn-ea"/>
+              </a:rPr>
+              <a:t>第一部分</a:t>
+            </a:r>
+          </a:p>
+        </p:txBody>
+      </p:sp>
+      <p:cxnSp>
+        <p:nvCxnSpPr>
+          <p:cNvPr id="6" name="直接连接符 5"/>
+          <p:cNvCxnSpPr/>
+          <p:nvPr/>
+        </p:nvCxnSpPr>
+        <p:spPr>
+          <a:xfrm flipV="1">
+            <a:off x="326037" y="710746"/>
+            <a:ext cx="7771043" cy="36846"/>
+          </a:xfrm>
+          <a:prstGeom prst="line">
+            <a:avLst/>
+          </a:prstGeom>
+          <a:ln w="44450">
+            <a:solidFill>
+              <a:srgbClr val="0852A4"/>
+            </a:solidFill>
+            <a:headEnd type="none"/>
+          </a:ln>
+        </p:spPr>
+        <p:style>
+          <a:lnRef idx="1">
+            <a:schemeClr val="accent1"/>
+          </a:lnRef>
+          <a:fillRef idx="0">
+            <a:schemeClr val="accent1"/>
+          </a:fillRef>
+          <a:effectRef idx="0">
+            <a:schemeClr val="accent1"/>
+          </a:effectRef>
+          <a:fontRef idx="minor">
+            <a:schemeClr val="tx1"/>
+          </a:fontRef>
+        </p:style>
+      </p:cxnSp>
+      <p:sp>
+        <p:nvSpPr>
+          <p:cNvPr id="7" name="Rectangle 11"/>
+          <p:cNvSpPr>
+            <a:spLocks noChangeArrowheads="1"/>
+          </p:cNvSpPr>
+          <p:nvPr/>
+        </p:nvSpPr>
+        <p:spPr bwMode="auto">
+          <a:xfrm>
+            <a:off x="333758" y="251291"/>
+            <a:ext cx="285750" cy="400110"/>
+          </a:xfrm>
+          <a:prstGeom prst="rect">
+            <a:avLst/>
+          </a:prstGeom>
+          <a:solidFill>
+            <a:srgbClr val="0070C0"/>
+          </a:solidFill>
+          <a:ln>
+            <a:noFill/>
+          </a:ln>
+        </p:spPr>
+        <p:txBody>
+          <a:bodyPr anchor="ctr">
+            <a:spAutoFit/>
+          </a:bodyPr>
+          <a:lstStyle>
+            <a:lvl1pPr eaLnBrk="0" hangingPunct="0">
+              <a:defRPr sz="2000">
+                <a:solidFill>
+                  <a:srgbClr val="595959"/>
+                </a:solidFill>
+                <a:latin typeface="微软雅黑" panose="020B0503020204020204" pitchFamily="34" charset="-122"/>
+                <a:ea typeface="宋体" panose="02010600030101010101" pitchFamily="2" charset="-122"/>
+              </a:defRPr>
+            </a:lvl1pPr>
+            <a:lvl2pPr marL="742950" indent="-285750" eaLnBrk="0" hangingPunct="0">
+              <a:defRPr sz="2000">
+                <a:solidFill>
+                  <a:srgbClr val="595959"/>
+                </a:solidFill>
+                <a:latin typeface="微软雅黑" panose="020B0503020204020204" pitchFamily="34" charset="-122"/>
+                <a:ea typeface="宋体" panose="02010600030101010101" pitchFamily="2" charset="-122"/>
+              </a:defRPr>
+            </a:lvl2pPr>
+            <a:lvl3pPr marL="1143000" indent="-228600" eaLnBrk="0" hangingPunct="0">
+              <a:defRPr sz="2000">
+                <a:solidFill>
+                  <a:srgbClr val="595959"/>
+                </a:solidFill>
+                <a:latin typeface="微软雅黑" panose="020B0503020204020204" pitchFamily="34" charset="-122"/>
+                <a:ea typeface="宋体" panose="02010600030101010101" pitchFamily="2" charset="-122"/>
+              </a:defRPr>
+            </a:lvl3pPr>
+            <a:lvl4pPr marL="1600200" indent="-228600" eaLnBrk="0" hangingPunct="0">
+              <a:defRPr sz="2000">
+                <a:solidFill>
+                  <a:srgbClr val="595959"/>
+                </a:solidFill>
+                <a:latin typeface="微软雅黑" panose="020B0503020204020204" pitchFamily="34" charset="-122"/>
+                <a:ea typeface="宋体" panose="02010600030101010101" pitchFamily="2" charset="-122"/>
+              </a:defRPr>
+            </a:lvl4pPr>
+            <a:lvl5pPr marL="2057400" indent="-228600" eaLnBrk="0" hangingPunct="0">
+              <a:defRPr sz="2000">
+                <a:solidFill>
+                  <a:srgbClr val="595959"/>
+                </a:solidFill>
+                <a:latin typeface="微软雅黑" panose="020B0503020204020204" pitchFamily="34" charset="-122"/>
+                <a:ea typeface="宋体" panose="02010600030101010101" pitchFamily="2" charset="-122"/>
+              </a:defRPr>
+            </a:lvl5pPr>
+            <a:lvl6pPr marL="2514600" indent="-228600" eaLnBrk="0" fontAlgn="base" hangingPunct="0">
+              <a:spcBef>
+                <a:spcPct val="0"/>
+              </a:spcBef>
+              <a:spcAft>
+                <a:spcPct val="0"/>
+              </a:spcAft>
+              <a:defRPr sz="2000">
+                <a:solidFill>
+                  <a:srgbClr val="595959"/>
+                </a:solidFill>
+                <a:latin typeface="微软雅黑" panose="020B0503020204020204" pitchFamily="34" charset="-122"/>
+                <a:ea typeface="宋体" panose="02010600030101010101" pitchFamily="2" charset="-122"/>
+              </a:defRPr>
+            </a:lvl6pPr>
+            <a:lvl7pPr marL="2971800" indent="-228600" eaLnBrk="0" fontAlgn="base" hangingPunct="0">
+              <a:spcBef>
+                <a:spcPct val="0"/>
+              </a:spcBef>
+              <a:spcAft>
+                <a:spcPct val="0"/>
+              </a:spcAft>
+              <a:defRPr sz="2000">
+                <a:solidFill>
+                  <a:srgbClr val="595959"/>
+                </a:solidFill>
+                <a:latin typeface="微软雅黑" panose="020B0503020204020204" pitchFamily="34" charset="-122"/>
+                <a:ea typeface="宋体" panose="02010600030101010101" pitchFamily="2" charset="-122"/>
+              </a:defRPr>
+            </a:lvl7pPr>
+            <a:lvl8pPr marL="3429000" indent="-228600" eaLnBrk="0" fontAlgn="base" hangingPunct="0">
+              <a:spcBef>
+                <a:spcPct val="0"/>
+              </a:spcBef>
+              <a:spcAft>
+                <a:spcPct val="0"/>
+              </a:spcAft>
+              <a:defRPr sz="2000">
+                <a:solidFill>
+                  <a:srgbClr val="595959"/>
+                </a:solidFill>
+                <a:latin typeface="微软雅黑" panose="020B0503020204020204" pitchFamily="34" charset="-122"/>
+                <a:ea typeface="宋体" panose="02010600030101010101" pitchFamily="2" charset="-122"/>
+              </a:defRPr>
+            </a:lvl8pPr>
+            <a:lvl9pPr marL="3886200" indent="-228600" eaLnBrk="0" fontAlgn="base" hangingPunct="0">
+              <a:spcBef>
+                <a:spcPct val="0"/>
+              </a:spcBef>
+              <a:spcAft>
+                <a:spcPct val="0"/>
+              </a:spcAft>
+              <a:defRPr sz="2000">
+                <a:solidFill>
+                  <a:srgbClr val="595959"/>
+                </a:solidFill>
+                <a:latin typeface="微软雅黑" panose="020B0503020204020204" pitchFamily="34" charset="-122"/>
+                <a:ea typeface="宋体" panose="02010600030101010101" pitchFamily="2" charset="-122"/>
+              </a:defRPr>
+            </a:lvl9pPr>
+          </a:lstStyle>
+          <a:p>
+            <a:pPr eaLnBrk="1" hangingPunct="1"/>
+            <a:endParaRPr lang="zh-CN" altLang="en-US">
+              <a:latin typeface="+mn-ea"/>
+              <a:ea typeface="+mn-ea"/>
+            </a:endParaRPr>
+          </a:p>
+        </p:txBody>
+      </p:sp>
+      <p:sp>
+        <p:nvSpPr>
+          <p:cNvPr id="8" name="Rectangle 12"/>
+          <p:cNvSpPr>
+            <a:spLocks noChangeArrowheads="1"/>
+          </p:cNvSpPr>
+          <p:nvPr/>
+        </p:nvSpPr>
+        <p:spPr bwMode="auto">
+          <a:xfrm>
+            <a:off x="657608" y="251291"/>
+            <a:ext cx="114300" cy="400110"/>
+          </a:xfrm>
+          <a:prstGeom prst="rect">
+            <a:avLst/>
+          </a:prstGeom>
+          <a:solidFill>
+            <a:srgbClr val="065CBA">
+              <a:alpha val="70000"/>
+            </a:srgbClr>
+          </a:solidFill>
+          <a:ln>
+            <a:noFill/>
+          </a:ln>
+        </p:spPr>
+        <p:txBody>
+          <a:bodyPr anchor="ctr">
+            <a:spAutoFit/>
+          </a:bodyPr>
+          <a:lstStyle>
+            <a:lvl1pPr eaLnBrk="0" hangingPunct="0">
+              <a:defRPr sz="2000">
+                <a:solidFill>
+                  <a:srgbClr val="595959"/>
+                </a:solidFill>
+                <a:latin typeface="微软雅黑" panose="020B0503020204020204" pitchFamily="34" charset="-122"/>
+                <a:ea typeface="宋体" panose="02010600030101010101" pitchFamily="2" charset="-122"/>
+              </a:defRPr>
+            </a:lvl1pPr>
+            <a:lvl2pPr marL="742950" indent="-285750" eaLnBrk="0" hangingPunct="0">
+              <a:defRPr sz="2000">
+                <a:solidFill>
+                  <a:srgbClr val="595959"/>
+                </a:solidFill>
+                <a:latin typeface="微软雅黑" panose="020B0503020204020204" pitchFamily="34" charset="-122"/>
+                <a:ea typeface="宋体" panose="02010600030101010101" pitchFamily="2" charset="-122"/>
+              </a:defRPr>
+            </a:lvl2pPr>
+            <a:lvl3pPr marL="1143000" indent="-228600" eaLnBrk="0" hangingPunct="0">
+              <a:defRPr sz="2000">
+                <a:solidFill>
+                  <a:srgbClr val="595959"/>
+                </a:solidFill>
+                <a:latin typeface="微软雅黑" panose="020B0503020204020204" pitchFamily="34" charset="-122"/>
+                <a:ea typeface="宋体" panose="02010600030101010101" pitchFamily="2" charset="-122"/>
+              </a:defRPr>
+            </a:lvl3pPr>
+            <a:lvl4pPr marL="1600200" indent="-228600" eaLnBrk="0" hangingPunct="0">
+              <a:defRPr sz="2000">
+                <a:solidFill>
+                  <a:srgbClr val="595959"/>
+                </a:solidFill>
+                <a:latin typeface="微软雅黑" panose="020B0503020204020204" pitchFamily="34" charset="-122"/>
+                <a:ea typeface="宋体" panose="02010600030101010101" pitchFamily="2" charset="-122"/>
+              </a:defRPr>
+            </a:lvl4pPr>
+            <a:lvl5pPr marL="2057400" indent="-228600" eaLnBrk="0" hangingPunct="0">
+              <a:defRPr sz="2000">
+                <a:solidFill>
+                  <a:srgbClr val="595959"/>
+                </a:solidFill>
+                <a:latin typeface="微软雅黑" panose="020B0503020204020204" pitchFamily="34" charset="-122"/>
+                <a:ea typeface="宋体" panose="02010600030101010101" pitchFamily="2" charset="-122"/>
+              </a:defRPr>
+            </a:lvl5pPr>
+            <a:lvl6pPr marL="2514600" indent="-228600" eaLnBrk="0" fontAlgn="base" hangingPunct="0">
+              <a:spcBef>
+                <a:spcPct val="0"/>
+              </a:spcBef>
+              <a:spcAft>
+                <a:spcPct val="0"/>
+              </a:spcAft>
+              <a:defRPr sz="2000">
+                <a:solidFill>
+                  <a:srgbClr val="595959"/>
+                </a:solidFill>
+                <a:latin typeface="微软雅黑" panose="020B0503020204020204" pitchFamily="34" charset="-122"/>
+                <a:ea typeface="宋体" panose="02010600030101010101" pitchFamily="2" charset="-122"/>
+              </a:defRPr>
+            </a:lvl6pPr>
+            <a:lvl7pPr marL="2971800" indent="-228600" eaLnBrk="0" fontAlgn="base" hangingPunct="0">
+              <a:spcBef>
+                <a:spcPct val="0"/>
+              </a:spcBef>
+              <a:spcAft>
+                <a:spcPct val="0"/>
+              </a:spcAft>
+              <a:defRPr sz="2000">
+                <a:solidFill>
+                  <a:srgbClr val="595959"/>
+                </a:solidFill>
+                <a:latin typeface="微软雅黑" panose="020B0503020204020204" pitchFamily="34" charset="-122"/>
+                <a:ea typeface="宋体" panose="02010600030101010101" pitchFamily="2" charset="-122"/>
+              </a:defRPr>
+            </a:lvl7pPr>
+            <a:lvl8pPr marL="3429000" indent="-228600" eaLnBrk="0" fontAlgn="base" hangingPunct="0">
+              <a:spcBef>
+                <a:spcPct val="0"/>
+              </a:spcBef>
+              <a:spcAft>
+                <a:spcPct val="0"/>
+              </a:spcAft>
+              <a:defRPr sz="2000">
+                <a:solidFill>
+                  <a:srgbClr val="595959"/>
+                </a:solidFill>
+                <a:latin typeface="微软雅黑" panose="020B0503020204020204" pitchFamily="34" charset="-122"/>
+                <a:ea typeface="宋体" panose="02010600030101010101" pitchFamily="2" charset="-122"/>
+              </a:defRPr>
+            </a:lvl8pPr>
+            <a:lvl9pPr marL="3886200" indent="-228600" eaLnBrk="0" fontAlgn="base" hangingPunct="0">
+              <a:spcBef>
+                <a:spcPct val="0"/>
+              </a:spcBef>
+              <a:spcAft>
+                <a:spcPct val="0"/>
+              </a:spcAft>
+              <a:defRPr sz="2000">
+                <a:solidFill>
+                  <a:srgbClr val="595959"/>
+                </a:solidFill>
+                <a:latin typeface="微软雅黑" panose="020B0503020204020204" pitchFamily="34" charset="-122"/>
+                <a:ea typeface="宋体" panose="02010600030101010101" pitchFamily="2" charset="-122"/>
+              </a:defRPr>
+            </a:lvl9pPr>
+          </a:lstStyle>
+          <a:p>
+            <a:pPr eaLnBrk="1" hangingPunct="1"/>
+            <a:endParaRPr lang="zh-CN" altLang="en-US">
+              <a:latin typeface="+mn-ea"/>
+              <a:ea typeface="+mn-ea"/>
+            </a:endParaRPr>
+          </a:p>
+        </p:txBody>
+      </p:sp>
+      <p:sp>
+        <p:nvSpPr>
+          <p:cNvPr id="9" name="Rectangle 13"/>
+          <p:cNvSpPr>
+            <a:spLocks noChangeArrowheads="1"/>
+          </p:cNvSpPr>
+          <p:nvPr/>
+        </p:nvSpPr>
+        <p:spPr bwMode="auto">
+          <a:xfrm flipH="1">
+            <a:off x="790958" y="251291"/>
+            <a:ext cx="55960" cy="400110"/>
+          </a:xfrm>
+          <a:prstGeom prst="rect">
+            <a:avLst/>
+          </a:prstGeom>
+          <a:solidFill>
+            <a:srgbClr val="0070C0">
+              <a:alpha val="48000"/>
+            </a:srgbClr>
+          </a:solidFill>
+          <a:ln>
+            <a:noFill/>
+          </a:ln>
+        </p:spPr>
+        <p:txBody>
+          <a:bodyPr anchor="ctr">
+            <a:spAutoFit/>
+          </a:bodyPr>
+          <a:lstStyle>
+            <a:lvl1pPr eaLnBrk="0" hangingPunct="0">
+              <a:defRPr sz="2000">
+                <a:solidFill>
+                  <a:srgbClr val="595959"/>
+                </a:solidFill>
+                <a:latin typeface="微软雅黑" panose="020B0503020204020204" pitchFamily="34" charset="-122"/>
+                <a:ea typeface="宋体" panose="02010600030101010101" pitchFamily="2" charset="-122"/>
+              </a:defRPr>
+            </a:lvl1pPr>
+            <a:lvl2pPr marL="742950" indent="-285750" eaLnBrk="0" hangingPunct="0">
+              <a:defRPr sz="2000">
+                <a:solidFill>
+                  <a:srgbClr val="595959"/>
+                </a:solidFill>
+                <a:latin typeface="微软雅黑" panose="020B0503020204020204" pitchFamily="34" charset="-122"/>
+                <a:ea typeface="宋体" panose="02010600030101010101" pitchFamily="2" charset="-122"/>
+              </a:defRPr>
+            </a:lvl2pPr>
+            <a:lvl3pPr marL="1143000" indent="-228600" eaLnBrk="0" hangingPunct="0">
+              <a:defRPr sz="2000">
+                <a:solidFill>
+                  <a:srgbClr val="595959"/>
+                </a:solidFill>
+                <a:latin typeface="微软雅黑" panose="020B0503020204020204" pitchFamily="34" charset="-122"/>
+                <a:ea typeface="宋体" panose="02010600030101010101" pitchFamily="2" charset="-122"/>
+              </a:defRPr>
+            </a:lvl3pPr>
+            <a:lvl4pPr marL="1600200" indent="-228600" eaLnBrk="0" hangingPunct="0">
+              <a:defRPr sz="2000">
+                <a:solidFill>
+                  <a:srgbClr val="595959"/>
+                </a:solidFill>
+                <a:latin typeface="微软雅黑" panose="020B0503020204020204" pitchFamily="34" charset="-122"/>
+                <a:ea typeface="宋体" panose="02010600030101010101" pitchFamily="2" charset="-122"/>
+              </a:defRPr>
+            </a:lvl4pPr>
+            <a:lvl5pPr marL="2057400" indent="-228600" eaLnBrk="0" hangingPunct="0">
+              <a:defRPr sz="2000">
+                <a:solidFill>
+                  <a:srgbClr val="595959"/>
+                </a:solidFill>
+                <a:latin typeface="微软雅黑" panose="020B0503020204020204" pitchFamily="34" charset="-122"/>
+                <a:ea typeface="宋体" panose="02010600030101010101" pitchFamily="2" charset="-122"/>
+              </a:defRPr>
+            </a:lvl5pPr>
+            <a:lvl6pPr marL="2514600" indent="-228600" eaLnBrk="0" fontAlgn="base" hangingPunct="0">
+              <a:spcBef>
+                <a:spcPct val="0"/>
+              </a:spcBef>
+              <a:spcAft>
+                <a:spcPct val="0"/>
+              </a:spcAft>
+              <a:defRPr sz="2000">
+                <a:solidFill>
+                  <a:srgbClr val="595959"/>
+                </a:solidFill>
+                <a:latin typeface="微软雅黑" panose="020B0503020204020204" pitchFamily="34" charset="-122"/>
+                <a:ea typeface="宋体" panose="02010600030101010101" pitchFamily="2" charset="-122"/>
+              </a:defRPr>
+            </a:lvl6pPr>
+            <a:lvl7pPr marL="2971800" indent="-228600" eaLnBrk="0" fontAlgn="base" hangingPunct="0">
+              <a:spcBef>
+                <a:spcPct val="0"/>
+              </a:spcBef>
+              <a:spcAft>
+                <a:spcPct val="0"/>
+              </a:spcAft>
+              <a:defRPr sz="2000">
+                <a:solidFill>
+                  <a:srgbClr val="595959"/>
+                </a:solidFill>
+                <a:latin typeface="微软雅黑" panose="020B0503020204020204" pitchFamily="34" charset="-122"/>
+                <a:ea typeface="宋体" panose="02010600030101010101" pitchFamily="2" charset="-122"/>
+              </a:defRPr>
+            </a:lvl7pPr>
+            <a:lvl8pPr marL="3429000" indent="-228600" eaLnBrk="0" fontAlgn="base" hangingPunct="0">
+              <a:spcBef>
+                <a:spcPct val="0"/>
+              </a:spcBef>
+              <a:spcAft>
+                <a:spcPct val="0"/>
+              </a:spcAft>
+              <a:defRPr sz="2000">
+                <a:solidFill>
+                  <a:srgbClr val="595959"/>
+                </a:solidFill>
+                <a:latin typeface="微软雅黑" panose="020B0503020204020204" pitchFamily="34" charset="-122"/>
+                <a:ea typeface="宋体" panose="02010600030101010101" pitchFamily="2" charset="-122"/>
+              </a:defRPr>
+            </a:lvl8pPr>
+            <a:lvl9pPr marL="3886200" indent="-228600" eaLnBrk="0" fontAlgn="base" hangingPunct="0">
+              <a:spcBef>
+                <a:spcPct val="0"/>
+              </a:spcBef>
+              <a:spcAft>
+                <a:spcPct val="0"/>
+              </a:spcAft>
+              <a:defRPr sz="2000">
+                <a:solidFill>
+                  <a:srgbClr val="595959"/>
+                </a:solidFill>
+                <a:latin typeface="微软雅黑" panose="020B0503020204020204" pitchFamily="34" charset="-122"/>
+                <a:ea typeface="宋体" panose="02010600030101010101" pitchFamily="2" charset="-122"/>
+              </a:defRPr>
+            </a:lvl9pPr>
+          </a:lstStyle>
+          <a:p>
+            <a:pPr eaLnBrk="1" hangingPunct="1"/>
+            <a:endParaRPr lang="zh-CN" altLang="en-US">
+              <a:latin typeface="+mn-ea"/>
+              <a:ea typeface="+mn-ea"/>
+            </a:endParaRPr>
+          </a:p>
+        </p:txBody>
+      </p:sp>
+      <p:sp>
+        <p:nvSpPr>
+          <p:cNvPr id="10" name="文本框 9"/>
+          <p:cNvSpPr txBox="1"/>
+          <p:nvPr/>
+        </p:nvSpPr>
+        <p:spPr>
+          <a:xfrm>
+            <a:off x="899165" y="219320"/>
+            <a:ext cx="3074003" cy="461665"/>
+          </a:xfrm>
+          <a:prstGeom prst="rect">
+            <a:avLst/>
+          </a:prstGeom>
+          <a:noFill/>
+        </p:spPr>
+        <p:txBody>
+          <a:bodyPr wrap="square" rtlCol="0">
+            <a:spAutoFit/>
+          </a:bodyPr>
+          <a:lstStyle/>
+          <a:p>
+            <a:r>
+              <a:rPr lang="zh-CN" altLang="en-US" sz="2400" b="1">
+                <a:solidFill>
+                  <a:srgbClr val="DDDDDD">
+                    <a:lumMod val="25000"/>
+                  </a:srgbClr>
+                </a:solidFill>
+                <a:latin typeface="微软雅黑" panose="020B0503020204020204" pitchFamily="34" charset="-122"/>
+                <a:ea typeface="微软雅黑" panose="020B0503020204020204" pitchFamily="34" charset="-122"/>
+              </a:rPr>
+              <a:t>二、研究方法</a:t>
+            </a:r>
+            <a:endParaRPr lang="zh-CN" altLang="en-US" sz="2400" b="1" dirty="0">
+              <a:solidFill>
+                <a:srgbClr val="DDDDDD">
+                  <a:lumMod val="25000"/>
+                </a:srgbClr>
+              </a:solidFill>
+              <a:latin typeface="微软雅黑" panose="020B0503020204020204" pitchFamily="34" charset="-122"/>
+              <a:ea typeface="微软雅黑" panose="020B0503020204020204" pitchFamily="34" charset="-122"/>
+            </a:endParaRPr>
+          </a:p>
+        </p:txBody>
+      </p:sp>
+      <p:sp>
+        <p:nvSpPr>
+          <p:cNvPr id="11" name="Rectangle 1">
+            <a:extLst>
+              <a:ext uri="{FF2B5EF4-FFF2-40B4-BE49-F238E27FC236}">
+                <a16:creationId xmlns:a16="http://schemas.microsoft.com/office/drawing/2014/main" id="{24CC76D5-6A15-4AE8-95F0-E6569B1DCF72}"/>
+              </a:ext>
+            </a:extLst>
+          </p:cNvPr>
+          <p:cNvSpPr>
+            <a:spLocks noChangeArrowheads="1"/>
+          </p:cNvSpPr>
+          <p:nvPr/>
+        </p:nvSpPr>
+        <p:spPr bwMode="auto">
+          <a:xfrm>
+            <a:off x="0" y="-115641"/>
+            <a:ext cx="10004654" cy="276999"/>
+          </a:xfrm>
+          <a:prstGeom prst="rect">
+            <a:avLst/>
+          </a:prstGeom>
+          <a:noFill/>
+          <a:ln>
+            <a:noFill/>
+          </a:ln>
+          <a:effectLst/>
+          <a:extLst>
+            <a:ext uri="{909E8E84-426E-40DD-AFC4-6F175D3DCCD1}">
+              <a14:hiddenFill xmlns:a14="http://schemas.microsoft.com/office/drawing/2010/main">
+                <a:solidFill>
+                  <a:schemeClr val="accent1"/>
+                </a:solidFill>
+              </a14:hiddenFill>
+            </a:ext>
+            <a:ext uri="{91240B29-F687-4F45-9708-019B960494DF}">
+              <a14:hiddenLine xmlns:a14="http://schemas.microsoft.com/office/drawing/2010/main" w="9525">
+                <a:solidFill>
+                  <a:schemeClr val="tx1"/>
+                </a:solidFill>
+                <a:miter lim="800000"/>
+                <a:headEnd/>
+                <a:tailEnd/>
+              </a14:hiddenLine>
+            </a:ext>
+            <a:ext uri="{AF507438-7753-43E0-B8FC-AC1667EBCBE1}">
+              <a14:hiddenEffects xmlns:a14="http://schemas.microsoft.com/office/drawing/2010/main">
+                <a:effectLst>
+                  <a:outerShdw dist="35921" dir="2700000" algn="ctr" rotWithShape="0">
+                    <a:schemeClr val="bg2"/>
+                  </a:outerShdw>
+                </a:effectLst>
+              </a14:hiddenEffects>
+            </a:ext>
+          </a:extLst>
+        </p:spPr>
+        <p:txBody>
+          <a:bodyPr vert="horz" wrap="square" lIns="91440" tIns="45720" rIns="91440" bIns="45720" numCol="1" anchor="ctr" anchorCtr="0" compatLnSpc="1">
+            <a:prstTxWarp prst="textNoShape">
+              <a:avLst/>
+            </a:prstTxWarp>
+            <a:spAutoFit/>
+          </a:bodyPr>
+          <a:lstStyle/>
+          <a:p>
+            <a:pPr marL="0" marR="0" lvl="0" indent="0" algn="l" defTabSz="914400" rtl="0" eaLnBrk="0" fontAlgn="base" latinLnBrk="0" hangingPunct="0">
+              <a:lnSpc>
+                <a:spcPct val="100000"/>
+              </a:lnSpc>
+              <a:spcBef>
+                <a:spcPct val="0"/>
+              </a:spcBef>
+              <a:spcAft>
+                <a:spcPct val="0"/>
+              </a:spcAft>
+              <a:buClrTx/>
+              <a:buSzTx/>
+              <a:buFontTx/>
+              <a:buNone/>
+              <a:tabLst/>
+            </a:pPr>
+            <a:r>
+              <a:rPr kumimoji="0" lang="zh-CN" altLang="zh-CN" sz="1200" b="0" i="0" u="none" strike="noStrike" cap="none" normalizeH="0" baseline="0">
+                <a:ln>
+                  <a:noFill/>
+                </a:ln>
+                <a:solidFill>
+                  <a:srgbClr val="333333"/>
+                </a:solidFill>
+                <a:effectLst/>
+                <a:latin typeface="Arial" panose="020B0604020202020204" pitchFamily="34" charset="0"/>
+                <a:ea typeface="Open Sans" panose="020B0604020202020204" pitchFamily="34" charset="0"/>
+              </a:rPr>
+              <a:t>NSGA2</a:t>
+            </a:r>
+            <a:r>
+              <a:rPr kumimoji="0" lang="zh-CN" altLang="zh-CN" sz="600" b="0" i="0" u="none" strike="noStrike" cap="none" normalizeH="0" baseline="0">
+                <a:ln>
+                  <a:noFill/>
+                </a:ln>
+                <a:solidFill>
+                  <a:schemeClr val="tx1"/>
+                </a:solidFill>
+                <a:effectLst/>
+                <a:latin typeface="Arial" panose="020B0604020202020204" pitchFamily="34" charset="0"/>
+              </a:rPr>
+              <a:t> </a:t>
+            </a:r>
+            <a:endParaRPr kumimoji="0" lang="zh-CN" altLang="zh-CN" sz="1800" b="0" i="0" u="none" strike="noStrike" cap="none" normalizeH="0" baseline="0">
+              <a:ln>
+                <a:noFill/>
+              </a:ln>
+              <a:solidFill>
+                <a:schemeClr val="tx1"/>
+              </a:solidFill>
+              <a:effectLst/>
+              <a:latin typeface="Arial" panose="020B0604020202020204" pitchFamily="34" charset="0"/>
+            </a:endParaRPr>
+          </a:p>
+        </p:txBody>
+      </p:sp>
+      <p:sp>
+        <p:nvSpPr>
+          <p:cNvPr id="12" name="Rectangle 2">
+            <a:extLst>
+              <a:ext uri="{FF2B5EF4-FFF2-40B4-BE49-F238E27FC236}">
+                <a16:creationId xmlns:a16="http://schemas.microsoft.com/office/drawing/2014/main" id="{B1B8B220-95C5-4587-A3CC-01E0311D113C}"/>
+              </a:ext>
+            </a:extLst>
+          </p:cNvPr>
+          <p:cNvSpPr>
+            <a:spLocks noChangeArrowheads="1"/>
+          </p:cNvSpPr>
+          <p:nvPr/>
+        </p:nvSpPr>
+        <p:spPr bwMode="auto">
+          <a:xfrm>
+            <a:off x="0" y="0"/>
+            <a:ext cx="9144000" cy="0"/>
+          </a:xfrm>
+          <a:prstGeom prst="rect">
+            <a:avLst/>
+          </a:prstGeom>
+          <a:noFill/>
+          <a:ln>
+            <a:noFill/>
+          </a:ln>
+          <a:effectLst/>
+          <a:extLst>
+            <a:ext uri="{909E8E84-426E-40DD-AFC4-6F175D3DCCD1}">
+              <a14:hiddenFill xmlns:a14="http://schemas.microsoft.com/office/drawing/2010/main">
+                <a:solidFill>
+                  <a:schemeClr val="accent1"/>
+                </a:solidFill>
+              </a14:hiddenFill>
+            </a:ext>
+            <a:ext uri="{91240B29-F687-4F45-9708-019B960494DF}">
+              <a14:hiddenLine xmlns:a14="http://schemas.microsoft.com/office/drawing/2010/main" w="9525">
+                <a:solidFill>
+                  <a:schemeClr val="tx1"/>
+                </a:solidFill>
+                <a:miter lim="800000"/>
+                <a:headEnd/>
+                <a:tailEnd/>
+              </a14:hiddenLine>
+            </a:ext>
+            <a:ext uri="{AF507438-7753-43E0-B8FC-AC1667EBCBE1}">
+              <a14:hiddenEffects xmlns:a14="http://schemas.microsoft.com/office/drawing/2010/main">
+                <a:effectLst>
+                  <a:outerShdw dist="35921" dir="2700000" algn="ctr" rotWithShape="0">
+                    <a:schemeClr val="bg2"/>
+                  </a:outerShdw>
+                </a:effectLst>
+              </a14:hiddenEffects>
+            </a:ext>
+          </a:extLst>
+        </p:spPr>
+        <p:txBody>
+          <a:bodyPr vert="horz" wrap="none" lIns="91440" tIns="45720" rIns="91440" bIns="45720" numCol="1" anchor="ctr" anchorCtr="0" compatLnSpc="1">
+            <a:prstTxWarp prst="textNoShape">
+              <a:avLst/>
+            </a:prstTxWarp>
+            <a:spAutoFit/>
+          </a:bodyPr>
+          <a:lstStyle/>
+          <a:p>
+            <a:pPr marL="0" marR="0" lvl="0" indent="0" algn="l" defTabSz="914400" rtl="0" eaLnBrk="0" fontAlgn="base" latinLnBrk="0" hangingPunct="0">
+              <a:lnSpc>
+                <a:spcPct val="100000"/>
+              </a:lnSpc>
+              <a:spcBef>
+                <a:spcPct val="0"/>
+              </a:spcBef>
+              <a:spcAft>
+                <a:spcPct val="0"/>
+              </a:spcAft>
+              <a:buClrTx/>
+              <a:buSzTx/>
+              <a:buFontTx/>
+              <a:buNone/>
+              <a:tabLst/>
+            </a:pPr>
+            <a:r>
+              <a:rPr kumimoji="0" lang="zh-CN" altLang="zh-CN" sz="1200" b="0" i="0" u="none" strike="noStrike" cap="none" normalizeH="0" baseline="0">
+                <a:ln>
+                  <a:noFill/>
+                </a:ln>
+                <a:solidFill>
+                  <a:srgbClr val="333333"/>
+                </a:solidFill>
+                <a:effectLst/>
+                <a:latin typeface="Arial" panose="020B0604020202020204" pitchFamily="34" charset="0"/>
+                <a:ea typeface="Open Sans" panose="020B0606030504020204" pitchFamily="34" charset="0"/>
+              </a:rPr>
+              <a:t>NSGA2</a:t>
+            </a:r>
+            <a:r>
+              <a:rPr kumimoji="0" lang="zh-CN" altLang="zh-CN" sz="600" b="0" i="0" u="none" strike="noStrike" cap="none" normalizeH="0" baseline="0">
+                <a:ln>
+                  <a:noFill/>
+                </a:ln>
+                <a:solidFill>
+                  <a:schemeClr val="tx1"/>
+                </a:solidFill>
+                <a:effectLst/>
+                <a:latin typeface="Arial" panose="020B0604020202020204" pitchFamily="34" charset="0"/>
+              </a:rPr>
+              <a:t> </a:t>
+            </a:r>
+            <a:endParaRPr kumimoji="0" lang="zh-CN" altLang="zh-CN" sz="1800" b="0" i="0" u="none" strike="noStrike" cap="none" normalizeH="0" baseline="0">
+              <a:ln>
+                <a:noFill/>
+              </a:ln>
+              <a:solidFill>
+                <a:schemeClr val="tx1"/>
+              </a:solidFill>
+              <a:effectLst/>
+              <a:latin typeface="Arial" panose="020B0604020202020204" pitchFamily="34" charset="0"/>
+            </a:endParaRPr>
+          </a:p>
+        </p:txBody>
+      </p:sp>
+    </p:spTree>
+    <p:extLst>
+      <p:ext uri="{BB962C8B-B14F-4D97-AF65-F5344CB8AC3E}">
+        <p14:creationId xmlns:p14="http://schemas.microsoft.com/office/powerpoint/2010/main" val="2495887661"/>
+      </p:ext>
+    </p:extLst>
+  </p:cSld>
+  <p:clrMapOvr>
+    <a:masterClrMapping/>
+  </p:clrMapOvr>
+  <p:transition>
+    <p:wipe/>
+  </p:transition>
+</p:sld>
+</file>
+
+<file path=ppt/slides/slide11.xml><?xml version="1.0" encoding="utf-8"?>
+<p:sld xmlns:a="http://schemas.openxmlformats.org/drawingml/2006/main" xmlns:r="http://schemas.openxmlformats.org/officeDocument/2006/relationships" xmlns:p="http://schemas.openxmlformats.org/presentationml/2006/main">
+  <p:cSld>
+    <p:spTree>
+      <p:nvGrpSpPr>
+        <p:cNvPr id="1" name=""/>
+        <p:cNvGrpSpPr/>
+        <p:nvPr/>
+      </p:nvGrpSpPr>
+      <p:grpSpPr>
+        <a:xfrm>
+          <a:off x="0" y="0"/>
+          <a:ext cx="0" cy="0"/>
+          <a:chOff x="0" y="0"/>
+          <a:chExt cx="0" cy="0"/>
+        </a:xfrm>
+      </p:grpSpPr>
+      <p:sp>
+        <p:nvSpPr>
+          <p:cNvPr id="5" name="文本框 4"/>
+          <p:cNvSpPr txBox="1"/>
+          <p:nvPr/>
+        </p:nvSpPr>
+        <p:spPr>
+          <a:xfrm>
+            <a:off x="7595789" y="286744"/>
+            <a:ext cx="1083519" cy="830997"/>
+          </a:xfrm>
+          <a:prstGeom prst="rect">
+            <a:avLst/>
+          </a:prstGeom>
+          <a:noFill/>
+        </p:spPr>
+        <p:txBody>
+          <a:bodyPr wrap="square" rtlCol="0">
+            <a:spAutoFit/>
+          </a:bodyPr>
+          <a:lstStyle/>
+          <a:p>
+            <a:r>
+              <a:rPr lang="zh-CN" altLang="en-US" sz="2400" dirty="0">
+                <a:solidFill>
+                  <a:srgbClr val="FFFFFF">
+                    <a:lumMod val="95000"/>
+                  </a:srgbClr>
+                </a:solidFill>
+                <a:latin typeface="+mn-ea"/>
+              </a:rPr>
+              <a:t>第一部分</a:t>
+            </a:r>
+          </a:p>
+        </p:txBody>
+      </p:sp>
+      <p:cxnSp>
+        <p:nvCxnSpPr>
+          <p:cNvPr id="6" name="直接连接符 5"/>
+          <p:cNvCxnSpPr/>
+          <p:nvPr/>
+        </p:nvCxnSpPr>
+        <p:spPr>
+          <a:xfrm flipV="1">
+            <a:off x="326037" y="710746"/>
+            <a:ext cx="7771043" cy="36846"/>
+          </a:xfrm>
+          <a:prstGeom prst="line">
+            <a:avLst/>
+          </a:prstGeom>
+          <a:ln w="44450">
+            <a:solidFill>
+              <a:srgbClr val="0852A4"/>
+            </a:solidFill>
+            <a:headEnd type="none"/>
+          </a:ln>
+        </p:spPr>
+        <p:style>
+          <a:lnRef idx="1">
+            <a:schemeClr val="accent1"/>
+          </a:lnRef>
+          <a:fillRef idx="0">
+            <a:schemeClr val="accent1"/>
+          </a:fillRef>
+          <a:effectRef idx="0">
+            <a:schemeClr val="accent1"/>
+          </a:effectRef>
+          <a:fontRef idx="minor">
+            <a:schemeClr val="tx1"/>
+          </a:fontRef>
+        </p:style>
+      </p:cxnSp>
+      <p:sp>
+        <p:nvSpPr>
+          <p:cNvPr id="7" name="Rectangle 11"/>
+          <p:cNvSpPr>
+            <a:spLocks noChangeArrowheads="1"/>
+          </p:cNvSpPr>
+          <p:nvPr/>
+        </p:nvSpPr>
+        <p:spPr bwMode="auto">
+          <a:xfrm>
+            <a:off x="333758" y="251291"/>
+            <a:ext cx="285750" cy="400110"/>
+          </a:xfrm>
+          <a:prstGeom prst="rect">
+            <a:avLst/>
+          </a:prstGeom>
+          <a:solidFill>
+            <a:srgbClr val="0070C0"/>
+          </a:solidFill>
+          <a:ln>
+            <a:noFill/>
+          </a:ln>
+        </p:spPr>
+        <p:txBody>
+          <a:bodyPr anchor="ctr">
+            <a:spAutoFit/>
+          </a:bodyPr>
+          <a:lstStyle>
+            <a:lvl1pPr eaLnBrk="0" hangingPunct="0">
+              <a:defRPr sz="2000">
+                <a:solidFill>
+                  <a:srgbClr val="595959"/>
+                </a:solidFill>
+                <a:latin typeface="微软雅黑" panose="020B0503020204020204" pitchFamily="34" charset="-122"/>
+                <a:ea typeface="宋体" panose="02010600030101010101" pitchFamily="2" charset="-122"/>
+              </a:defRPr>
+            </a:lvl1pPr>
+            <a:lvl2pPr marL="742950" indent="-285750" eaLnBrk="0" hangingPunct="0">
+              <a:defRPr sz="2000">
+                <a:solidFill>
+                  <a:srgbClr val="595959"/>
+                </a:solidFill>
+                <a:latin typeface="微软雅黑" panose="020B0503020204020204" pitchFamily="34" charset="-122"/>
+                <a:ea typeface="宋体" panose="02010600030101010101" pitchFamily="2" charset="-122"/>
+              </a:defRPr>
+            </a:lvl2pPr>
+            <a:lvl3pPr marL="1143000" indent="-228600" eaLnBrk="0" hangingPunct="0">
+              <a:defRPr sz="2000">
+                <a:solidFill>
+                  <a:srgbClr val="595959"/>
+                </a:solidFill>
+                <a:latin typeface="微软雅黑" panose="020B0503020204020204" pitchFamily="34" charset="-122"/>
+                <a:ea typeface="宋体" panose="02010600030101010101" pitchFamily="2" charset="-122"/>
+              </a:defRPr>
+            </a:lvl3pPr>
+            <a:lvl4pPr marL="1600200" indent="-228600" eaLnBrk="0" hangingPunct="0">
+              <a:defRPr sz="2000">
+                <a:solidFill>
+                  <a:srgbClr val="595959"/>
+                </a:solidFill>
+                <a:latin typeface="微软雅黑" panose="020B0503020204020204" pitchFamily="34" charset="-122"/>
+                <a:ea typeface="宋体" panose="02010600030101010101" pitchFamily="2" charset="-122"/>
+              </a:defRPr>
+            </a:lvl4pPr>
+            <a:lvl5pPr marL="2057400" indent="-228600" eaLnBrk="0" hangingPunct="0">
+              <a:defRPr sz="2000">
+                <a:solidFill>
+                  <a:srgbClr val="595959"/>
+                </a:solidFill>
+                <a:latin typeface="微软雅黑" panose="020B0503020204020204" pitchFamily="34" charset="-122"/>
+                <a:ea typeface="宋体" panose="02010600030101010101" pitchFamily="2" charset="-122"/>
+              </a:defRPr>
+            </a:lvl5pPr>
+            <a:lvl6pPr marL="2514600" indent="-228600" eaLnBrk="0" fontAlgn="base" hangingPunct="0">
+              <a:spcBef>
+                <a:spcPct val="0"/>
+              </a:spcBef>
+              <a:spcAft>
+                <a:spcPct val="0"/>
+              </a:spcAft>
+              <a:defRPr sz="2000">
+                <a:solidFill>
+                  <a:srgbClr val="595959"/>
+                </a:solidFill>
+                <a:latin typeface="微软雅黑" panose="020B0503020204020204" pitchFamily="34" charset="-122"/>
+                <a:ea typeface="宋体" panose="02010600030101010101" pitchFamily="2" charset="-122"/>
+              </a:defRPr>
+            </a:lvl6pPr>
+            <a:lvl7pPr marL="2971800" indent="-228600" eaLnBrk="0" fontAlgn="base" hangingPunct="0">
+              <a:spcBef>
+                <a:spcPct val="0"/>
+              </a:spcBef>
+              <a:spcAft>
+                <a:spcPct val="0"/>
+              </a:spcAft>
+              <a:defRPr sz="2000">
+                <a:solidFill>
+                  <a:srgbClr val="595959"/>
+                </a:solidFill>
+                <a:latin typeface="微软雅黑" panose="020B0503020204020204" pitchFamily="34" charset="-122"/>
+                <a:ea typeface="宋体" panose="02010600030101010101" pitchFamily="2" charset="-122"/>
+              </a:defRPr>
+            </a:lvl7pPr>
+            <a:lvl8pPr marL="3429000" indent="-228600" eaLnBrk="0" fontAlgn="base" hangingPunct="0">
+              <a:spcBef>
+                <a:spcPct val="0"/>
+              </a:spcBef>
+              <a:spcAft>
+                <a:spcPct val="0"/>
+              </a:spcAft>
+              <a:defRPr sz="2000">
+                <a:solidFill>
+                  <a:srgbClr val="595959"/>
+                </a:solidFill>
+                <a:latin typeface="微软雅黑" panose="020B0503020204020204" pitchFamily="34" charset="-122"/>
+                <a:ea typeface="宋体" panose="02010600030101010101" pitchFamily="2" charset="-122"/>
+              </a:defRPr>
+            </a:lvl8pPr>
+            <a:lvl9pPr marL="3886200" indent="-228600" eaLnBrk="0" fontAlgn="base" hangingPunct="0">
+              <a:spcBef>
+                <a:spcPct val="0"/>
+              </a:spcBef>
+              <a:spcAft>
+                <a:spcPct val="0"/>
+              </a:spcAft>
+              <a:defRPr sz="2000">
+                <a:solidFill>
+                  <a:srgbClr val="595959"/>
+                </a:solidFill>
+                <a:latin typeface="微软雅黑" panose="020B0503020204020204" pitchFamily="34" charset="-122"/>
+                <a:ea typeface="宋体" panose="02010600030101010101" pitchFamily="2" charset="-122"/>
+              </a:defRPr>
+            </a:lvl9pPr>
+          </a:lstStyle>
+          <a:p>
+            <a:pPr eaLnBrk="1" hangingPunct="1"/>
+            <a:endParaRPr lang="zh-CN" altLang="en-US">
+              <a:latin typeface="+mn-ea"/>
+              <a:ea typeface="+mn-ea"/>
+            </a:endParaRPr>
+          </a:p>
+        </p:txBody>
+      </p:sp>
+      <p:sp>
+        <p:nvSpPr>
+          <p:cNvPr id="8" name="Rectangle 12"/>
+          <p:cNvSpPr>
+            <a:spLocks noChangeArrowheads="1"/>
+          </p:cNvSpPr>
+          <p:nvPr/>
+        </p:nvSpPr>
+        <p:spPr bwMode="auto">
+          <a:xfrm>
+            <a:off x="657608" y="251291"/>
+            <a:ext cx="114300" cy="400110"/>
+          </a:xfrm>
+          <a:prstGeom prst="rect">
+            <a:avLst/>
+          </a:prstGeom>
+          <a:solidFill>
+            <a:srgbClr val="065CBA">
+              <a:alpha val="70000"/>
+            </a:srgbClr>
+          </a:solidFill>
+          <a:ln>
+            <a:noFill/>
+          </a:ln>
+        </p:spPr>
+        <p:txBody>
+          <a:bodyPr anchor="ctr">
+            <a:spAutoFit/>
+          </a:bodyPr>
+          <a:lstStyle>
+            <a:lvl1pPr eaLnBrk="0" hangingPunct="0">
+              <a:defRPr sz="2000">
+                <a:solidFill>
+                  <a:srgbClr val="595959"/>
+                </a:solidFill>
+                <a:latin typeface="微软雅黑" panose="020B0503020204020204" pitchFamily="34" charset="-122"/>
+                <a:ea typeface="宋体" panose="02010600030101010101" pitchFamily="2" charset="-122"/>
+              </a:defRPr>
+            </a:lvl1pPr>
+            <a:lvl2pPr marL="742950" indent="-285750" eaLnBrk="0" hangingPunct="0">
+              <a:defRPr sz="2000">
+                <a:solidFill>
+                  <a:srgbClr val="595959"/>
+                </a:solidFill>
+                <a:latin typeface="微软雅黑" panose="020B0503020204020204" pitchFamily="34" charset="-122"/>
+                <a:ea typeface="宋体" panose="02010600030101010101" pitchFamily="2" charset="-122"/>
+              </a:defRPr>
+            </a:lvl2pPr>
+            <a:lvl3pPr marL="1143000" indent="-228600" eaLnBrk="0" hangingPunct="0">
+              <a:defRPr sz="2000">
+                <a:solidFill>
+                  <a:srgbClr val="595959"/>
+                </a:solidFill>
+                <a:latin typeface="微软雅黑" panose="020B0503020204020204" pitchFamily="34" charset="-122"/>
+                <a:ea typeface="宋体" panose="02010600030101010101" pitchFamily="2" charset="-122"/>
+              </a:defRPr>
+            </a:lvl3pPr>
+            <a:lvl4pPr marL="1600200" indent="-228600" eaLnBrk="0" hangingPunct="0">
+              <a:defRPr sz="2000">
+                <a:solidFill>
+                  <a:srgbClr val="595959"/>
+                </a:solidFill>
+                <a:latin typeface="微软雅黑" panose="020B0503020204020204" pitchFamily="34" charset="-122"/>
+                <a:ea typeface="宋体" panose="02010600030101010101" pitchFamily="2" charset="-122"/>
+              </a:defRPr>
+            </a:lvl4pPr>
+            <a:lvl5pPr marL="2057400" indent="-228600" eaLnBrk="0" hangingPunct="0">
+              <a:defRPr sz="2000">
+                <a:solidFill>
+                  <a:srgbClr val="595959"/>
+                </a:solidFill>
+                <a:latin typeface="微软雅黑" panose="020B0503020204020204" pitchFamily="34" charset="-122"/>
+                <a:ea typeface="宋体" panose="02010600030101010101" pitchFamily="2" charset="-122"/>
+              </a:defRPr>
+            </a:lvl5pPr>
+            <a:lvl6pPr marL="2514600" indent="-228600" eaLnBrk="0" fontAlgn="base" hangingPunct="0">
+              <a:spcBef>
+                <a:spcPct val="0"/>
+              </a:spcBef>
+              <a:spcAft>
+                <a:spcPct val="0"/>
+              </a:spcAft>
+              <a:defRPr sz="2000">
+                <a:solidFill>
+                  <a:srgbClr val="595959"/>
+                </a:solidFill>
+                <a:latin typeface="微软雅黑" panose="020B0503020204020204" pitchFamily="34" charset="-122"/>
+                <a:ea typeface="宋体" panose="02010600030101010101" pitchFamily="2" charset="-122"/>
+              </a:defRPr>
+            </a:lvl6pPr>
+            <a:lvl7pPr marL="2971800" indent="-228600" eaLnBrk="0" fontAlgn="base" hangingPunct="0">
+              <a:spcBef>
+                <a:spcPct val="0"/>
+              </a:spcBef>
+              <a:spcAft>
+                <a:spcPct val="0"/>
+              </a:spcAft>
+              <a:defRPr sz="2000">
+                <a:solidFill>
+                  <a:srgbClr val="595959"/>
+                </a:solidFill>
+                <a:latin typeface="微软雅黑" panose="020B0503020204020204" pitchFamily="34" charset="-122"/>
+                <a:ea typeface="宋体" panose="02010600030101010101" pitchFamily="2" charset="-122"/>
+              </a:defRPr>
+            </a:lvl7pPr>
+            <a:lvl8pPr marL="3429000" indent="-228600" eaLnBrk="0" fontAlgn="base" hangingPunct="0">
+              <a:spcBef>
+                <a:spcPct val="0"/>
+              </a:spcBef>
+              <a:spcAft>
+                <a:spcPct val="0"/>
+              </a:spcAft>
+              <a:defRPr sz="2000">
+                <a:solidFill>
+                  <a:srgbClr val="595959"/>
+                </a:solidFill>
+                <a:latin typeface="微软雅黑" panose="020B0503020204020204" pitchFamily="34" charset="-122"/>
+                <a:ea typeface="宋体" panose="02010600030101010101" pitchFamily="2" charset="-122"/>
+              </a:defRPr>
+            </a:lvl8pPr>
+            <a:lvl9pPr marL="3886200" indent="-228600" eaLnBrk="0" fontAlgn="base" hangingPunct="0">
+              <a:spcBef>
+                <a:spcPct val="0"/>
+              </a:spcBef>
+              <a:spcAft>
+                <a:spcPct val="0"/>
+              </a:spcAft>
+              <a:defRPr sz="2000">
+                <a:solidFill>
+                  <a:srgbClr val="595959"/>
+                </a:solidFill>
+                <a:latin typeface="微软雅黑" panose="020B0503020204020204" pitchFamily="34" charset="-122"/>
+                <a:ea typeface="宋体" panose="02010600030101010101" pitchFamily="2" charset="-122"/>
+              </a:defRPr>
+            </a:lvl9pPr>
+          </a:lstStyle>
+          <a:p>
+            <a:pPr eaLnBrk="1" hangingPunct="1"/>
+            <a:endParaRPr lang="zh-CN" altLang="en-US">
+              <a:latin typeface="+mn-ea"/>
+              <a:ea typeface="+mn-ea"/>
+            </a:endParaRPr>
+          </a:p>
+        </p:txBody>
+      </p:sp>
+      <p:sp>
+        <p:nvSpPr>
+          <p:cNvPr id="9" name="Rectangle 13"/>
+          <p:cNvSpPr>
+            <a:spLocks noChangeArrowheads="1"/>
+          </p:cNvSpPr>
+          <p:nvPr/>
+        </p:nvSpPr>
+        <p:spPr bwMode="auto">
+          <a:xfrm flipH="1">
+            <a:off x="790958" y="251291"/>
+            <a:ext cx="55960" cy="400110"/>
+          </a:xfrm>
+          <a:prstGeom prst="rect">
+            <a:avLst/>
+          </a:prstGeom>
+          <a:solidFill>
+            <a:srgbClr val="0070C0">
+              <a:alpha val="48000"/>
+            </a:srgbClr>
+          </a:solidFill>
+          <a:ln>
+            <a:noFill/>
+          </a:ln>
+        </p:spPr>
+        <p:txBody>
+          <a:bodyPr anchor="ctr">
+            <a:spAutoFit/>
+          </a:bodyPr>
+          <a:lstStyle>
+            <a:lvl1pPr eaLnBrk="0" hangingPunct="0">
+              <a:defRPr sz="2000">
+                <a:solidFill>
+                  <a:srgbClr val="595959"/>
+                </a:solidFill>
+                <a:latin typeface="微软雅黑" panose="020B0503020204020204" pitchFamily="34" charset="-122"/>
+                <a:ea typeface="宋体" panose="02010600030101010101" pitchFamily="2" charset="-122"/>
+              </a:defRPr>
+            </a:lvl1pPr>
+            <a:lvl2pPr marL="742950" indent="-285750" eaLnBrk="0" hangingPunct="0">
+              <a:defRPr sz="2000">
+                <a:solidFill>
+                  <a:srgbClr val="595959"/>
+                </a:solidFill>
+                <a:latin typeface="微软雅黑" panose="020B0503020204020204" pitchFamily="34" charset="-122"/>
+                <a:ea typeface="宋体" panose="02010600030101010101" pitchFamily="2" charset="-122"/>
+              </a:defRPr>
+            </a:lvl2pPr>
+            <a:lvl3pPr marL="1143000" indent="-228600" eaLnBrk="0" hangingPunct="0">
+              <a:defRPr sz="2000">
+                <a:solidFill>
+                  <a:srgbClr val="595959"/>
+                </a:solidFill>
+                <a:latin typeface="微软雅黑" panose="020B0503020204020204" pitchFamily="34" charset="-122"/>
+                <a:ea typeface="宋体" panose="02010600030101010101" pitchFamily="2" charset="-122"/>
+              </a:defRPr>
+            </a:lvl3pPr>
+            <a:lvl4pPr marL="1600200" indent="-228600" eaLnBrk="0" hangingPunct="0">
+              <a:defRPr sz="2000">
+                <a:solidFill>
+                  <a:srgbClr val="595959"/>
+                </a:solidFill>
+                <a:latin typeface="微软雅黑" panose="020B0503020204020204" pitchFamily="34" charset="-122"/>
+                <a:ea typeface="宋体" panose="02010600030101010101" pitchFamily="2" charset="-122"/>
+              </a:defRPr>
+            </a:lvl4pPr>
+            <a:lvl5pPr marL="2057400" indent="-228600" eaLnBrk="0" hangingPunct="0">
+              <a:defRPr sz="2000">
+                <a:solidFill>
+                  <a:srgbClr val="595959"/>
+                </a:solidFill>
+                <a:latin typeface="微软雅黑" panose="020B0503020204020204" pitchFamily="34" charset="-122"/>
+                <a:ea typeface="宋体" panose="02010600030101010101" pitchFamily="2" charset="-122"/>
+              </a:defRPr>
+            </a:lvl5pPr>
+            <a:lvl6pPr marL="2514600" indent="-228600" eaLnBrk="0" fontAlgn="base" hangingPunct="0">
+              <a:spcBef>
+                <a:spcPct val="0"/>
+              </a:spcBef>
+              <a:spcAft>
+                <a:spcPct val="0"/>
+              </a:spcAft>
+              <a:defRPr sz="2000">
+                <a:solidFill>
+                  <a:srgbClr val="595959"/>
+                </a:solidFill>
+                <a:latin typeface="微软雅黑" panose="020B0503020204020204" pitchFamily="34" charset="-122"/>
+                <a:ea typeface="宋体" panose="02010600030101010101" pitchFamily="2" charset="-122"/>
+              </a:defRPr>
+            </a:lvl6pPr>
+            <a:lvl7pPr marL="2971800" indent="-228600" eaLnBrk="0" fontAlgn="base" hangingPunct="0">
+              <a:spcBef>
+                <a:spcPct val="0"/>
+              </a:spcBef>
+              <a:spcAft>
+                <a:spcPct val="0"/>
+              </a:spcAft>
+              <a:defRPr sz="2000">
+                <a:solidFill>
+                  <a:srgbClr val="595959"/>
+                </a:solidFill>
+                <a:latin typeface="微软雅黑" panose="020B0503020204020204" pitchFamily="34" charset="-122"/>
+                <a:ea typeface="宋体" panose="02010600030101010101" pitchFamily="2" charset="-122"/>
+              </a:defRPr>
+            </a:lvl7pPr>
+            <a:lvl8pPr marL="3429000" indent="-228600" eaLnBrk="0" fontAlgn="base" hangingPunct="0">
+              <a:spcBef>
+                <a:spcPct val="0"/>
+              </a:spcBef>
+              <a:spcAft>
+                <a:spcPct val="0"/>
+              </a:spcAft>
+              <a:defRPr sz="2000">
+                <a:solidFill>
+                  <a:srgbClr val="595959"/>
+                </a:solidFill>
+                <a:latin typeface="微软雅黑" panose="020B0503020204020204" pitchFamily="34" charset="-122"/>
+                <a:ea typeface="宋体" panose="02010600030101010101" pitchFamily="2" charset="-122"/>
+              </a:defRPr>
+            </a:lvl8pPr>
+            <a:lvl9pPr marL="3886200" indent="-228600" eaLnBrk="0" fontAlgn="base" hangingPunct="0">
+              <a:spcBef>
+                <a:spcPct val="0"/>
+              </a:spcBef>
+              <a:spcAft>
+                <a:spcPct val="0"/>
+              </a:spcAft>
+              <a:defRPr sz="2000">
+                <a:solidFill>
+                  <a:srgbClr val="595959"/>
+                </a:solidFill>
+                <a:latin typeface="微软雅黑" panose="020B0503020204020204" pitchFamily="34" charset="-122"/>
+                <a:ea typeface="宋体" panose="02010600030101010101" pitchFamily="2" charset="-122"/>
+              </a:defRPr>
+            </a:lvl9pPr>
+          </a:lstStyle>
+          <a:p>
+            <a:pPr eaLnBrk="1" hangingPunct="1"/>
+            <a:endParaRPr lang="zh-CN" altLang="en-US">
+              <a:latin typeface="+mn-ea"/>
+              <a:ea typeface="+mn-ea"/>
+            </a:endParaRPr>
+          </a:p>
+        </p:txBody>
+      </p:sp>
+      <p:sp>
+        <p:nvSpPr>
+          <p:cNvPr id="10" name="文本框 9"/>
+          <p:cNvSpPr txBox="1"/>
+          <p:nvPr/>
+        </p:nvSpPr>
+        <p:spPr>
+          <a:xfrm>
+            <a:off x="899165" y="219320"/>
+            <a:ext cx="3074003" cy="461665"/>
+          </a:xfrm>
+          <a:prstGeom prst="rect">
+            <a:avLst/>
+          </a:prstGeom>
+          <a:noFill/>
+        </p:spPr>
+        <p:txBody>
+          <a:bodyPr wrap="square" rtlCol="0">
+            <a:spAutoFit/>
+          </a:bodyPr>
+          <a:lstStyle/>
+          <a:p>
+            <a:r>
+              <a:rPr lang="zh-CN" altLang="en-US" sz="2400" b="1">
+                <a:solidFill>
+                  <a:srgbClr val="DDDDDD">
+                    <a:lumMod val="25000"/>
+                  </a:srgbClr>
+                </a:solidFill>
+                <a:latin typeface="微软雅黑" panose="020B0503020204020204" pitchFamily="34" charset="-122"/>
+                <a:ea typeface="微软雅黑" panose="020B0503020204020204" pitchFamily="34" charset="-122"/>
+              </a:rPr>
+              <a:t>二、研究方法</a:t>
+            </a:r>
+            <a:endParaRPr lang="zh-CN" altLang="en-US" sz="2400" b="1" dirty="0">
+              <a:solidFill>
+                <a:srgbClr val="DDDDDD">
+                  <a:lumMod val="25000"/>
+                </a:srgbClr>
+              </a:solidFill>
+              <a:latin typeface="微软雅黑" panose="020B0503020204020204" pitchFamily="34" charset="-122"/>
+              <a:ea typeface="微软雅黑" panose="020B0503020204020204" pitchFamily="34" charset="-122"/>
+            </a:endParaRPr>
+          </a:p>
+        </p:txBody>
+      </p:sp>
+      <p:sp>
+        <p:nvSpPr>
+          <p:cNvPr id="11" name="Rectangle 1">
+            <a:extLst>
+              <a:ext uri="{FF2B5EF4-FFF2-40B4-BE49-F238E27FC236}">
+                <a16:creationId xmlns:a16="http://schemas.microsoft.com/office/drawing/2014/main" id="{24CC76D5-6A15-4AE8-95F0-E6569B1DCF72}"/>
+              </a:ext>
+            </a:extLst>
+          </p:cNvPr>
+          <p:cNvSpPr>
+            <a:spLocks noChangeArrowheads="1"/>
+          </p:cNvSpPr>
+          <p:nvPr/>
+        </p:nvSpPr>
+        <p:spPr bwMode="auto">
+          <a:xfrm>
+            <a:off x="0" y="-115641"/>
+            <a:ext cx="10004654" cy="276999"/>
+          </a:xfrm>
+          <a:prstGeom prst="rect">
+            <a:avLst/>
+          </a:prstGeom>
+          <a:noFill/>
+          <a:ln>
+            <a:noFill/>
+          </a:ln>
+          <a:effectLst/>
+          <a:extLst>
+            <a:ext uri="{909E8E84-426E-40DD-AFC4-6F175D3DCCD1}">
+              <a14:hiddenFill xmlns:a14="http://schemas.microsoft.com/office/drawing/2010/main">
+                <a:solidFill>
+                  <a:schemeClr val="accent1"/>
+                </a:solidFill>
+              </a14:hiddenFill>
+            </a:ext>
+            <a:ext uri="{91240B29-F687-4F45-9708-019B960494DF}">
+              <a14:hiddenLine xmlns:a14="http://schemas.microsoft.com/office/drawing/2010/main" w="9525">
+                <a:solidFill>
+                  <a:schemeClr val="tx1"/>
+                </a:solidFill>
+                <a:miter lim="800000"/>
+                <a:headEnd/>
+                <a:tailEnd/>
+              </a14:hiddenLine>
+            </a:ext>
+            <a:ext uri="{AF507438-7753-43E0-B8FC-AC1667EBCBE1}">
+              <a14:hiddenEffects xmlns:a14="http://schemas.microsoft.com/office/drawing/2010/main">
+                <a:effectLst>
+                  <a:outerShdw dist="35921" dir="2700000" algn="ctr" rotWithShape="0">
+                    <a:schemeClr val="bg2"/>
+                  </a:outerShdw>
+                </a:effectLst>
+              </a14:hiddenEffects>
+            </a:ext>
+          </a:extLst>
+        </p:spPr>
+        <p:txBody>
+          <a:bodyPr vert="horz" wrap="square" lIns="91440" tIns="45720" rIns="91440" bIns="45720" numCol="1" anchor="ctr" anchorCtr="0" compatLnSpc="1">
+            <a:prstTxWarp prst="textNoShape">
+              <a:avLst/>
+            </a:prstTxWarp>
+            <a:spAutoFit/>
+          </a:bodyPr>
+          <a:lstStyle/>
+          <a:p>
+            <a:pPr marL="0" marR="0" lvl="0" indent="0" algn="l" defTabSz="914400" rtl="0" eaLnBrk="0" fontAlgn="base" latinLnBrk="0" hangingPunct="0">
+              <a:lnSpc>
+                <a:spcPct val="100000"/>
+              </a:lnSpc>
+              <a:spcBef>
+                <a:spcPct val="0"/>
+              </a:spcBef>
+              <a:spcAft>
+                <a:spcPct val="0"/>
+              </a:spcAft>
+              <a:buClrTx/>
+              <a:buSzTx/>
+              <a:buFontTx/>
+              <a:buNone/>
+              <a:tabLst/>
+            </a:pPr>
+            <a:r>
+              <a:rPr kumimoji="0" lang="zh-CN" altLang="zh-CN" sz="1200" b="0" i="0" u="none" strike="noStrike" cap="none" normalizeH="0" baseline="0">
+                <a:ln>
+                  <a:noFill/>
+                </a:ln>
+                <a:solidFill>
+                  <a:srgbClr val="333333"/>
+                </a:solidFill>
+                <a:effectLst/>
+                <a:latin typeface="Arial" panose="020B0604020202020204" pitchFamily="34" charset="0"/>
+                <a:ea typeface="Open Sans" panose="020B0604020202020204" pitchFamily="34" charset="0"/>
+              </a:rPr>
+              <a:t>NSGA2</a:t>
+            </a:r>
+            <a:r>
+              <a:rPr kumimoji="0" lang="zh-CN" altLang="zh-CN" sz="600" b="0" i="0" u="none" strike="noStrike" cap="none" normalizeH="0" baseline="0">
+                <a:ln>
+                  <a:noFill/>
+                </a:ln>
+                <a:solidFill>
+                  <a:schemeClr val="tx1"/>
+                </a:solidFill>
+                <a:effectLst/>
+                <a:latin typeface="Arial" panose="020B0604020202020204" pitchFamily="34" charset="0"/>
+              </a:rPr>
+              <a:t> </a:t>
+            </a:r>
+            <a:endParaRPr kumimoji="0" lang="zh-CN" altLang="zh-CN" sz="1800" b="0" i="0" u="none" strike="noStrike" cap="none" normalizeH="0" baseline="0">
+              <a:ln>
+                <a:noFill/>
+              </a:ln>
+              <a:solidFill>
+                <a:schemeClr val="tx1"/>
+              </a:solidFill>
+              <a:effectLst/>
+              <a:latin typeface="Arial" panose="020B0604020202020204" pitchFamily="34" charset="0"/>
+            </a:endParaRPr>
+          </a:p>
+        </p:txBody>
+      </p:sp>
+      <p:sp>
+        <p:nvSpPr>
+          <p:cNvPr id="12" name="Rectangle 2">
+            <a:extLst>
+              <a:ext uri="{FF2B5EF4-FFF2-40B4-BE49-F238E27FC236}">
+                <a16:creationId xmlns:a16="http://schemas.microsoft.com/office/drawing/2014/main" id="{B1B8B220-95C5-4587-A3CC-01E0311D113C}"/>
+              </a:ext>
+            </a:extLst>
+          </p:cNvPr>
+          <p:cNvSpPr>
+            <a:spLocks noChangeArrowheads="1"/>
+          </p:cNvSpPr>
+          <p:nvPr/>
+        </p:nvSpPr>
+        <p:spPr bwMode="auto">
+          <a:xfrm>
+            <a:off x="0" y="0"/>
+            <a:ext cx="9144000" cy="0"/>
+          </a:xfrm>
+          <a:prstGeom prst="rect">
+            <a:avLst/>
+          </a:prstGeom>
+          <a:noFill/>
+          <a:ln>
+            <a:noFill/>
+          </a:ln>
+          <a:effectLst/>
+          <a:extLst>
+            <a:ext uri="{909E8E84-426E-40DD-AFC4-6F175D3DCCD1}">
+              <a14:hiddenFill xmlns:a14="http://schemas.microsoft.com/office/drawing/2010/main">
+                <a:solidFill>
+                  <a:schemeClr val="accent1"/>
+                </a:solidFill>
+              </a14:hiddenFill>
+            </a:ext>
+            <a:ext uri="{91240B29-F687-4F45-9708-019B960494DF}">
+              <a14:hiddenLine xmlns:a14="http://schemas.microsoft.com/office/drawing/2010/main" w="9525">
+                <a:solidFill>
+                  <a:schemeClr val="tx1"/>
+                </a:solidFill>
+                <a:miter lim="800000"/>
+                <a:headEnd/>
+                <a:tailEnd/>
+              </a14:hiddenLine>
+            </a:ext>
+            <a:ext uri="{AF507438-7753-43E0-B8FC-AC1667EBCBE1}">
+              <a14:hiddenEffects xmlns:a14="http://schemas.microsoft.com/office/drawing/2010/main">
+                <a:effectLst>
+                  <a:outerShdw dist="35921" dir="2700000" algn="ctr" rotWithShape="0">
+                    <a:schemeClr val="bg2"/>
+                  </a:outerShdw>
+                </a:effectLst>
+              </a14:hiddenEffects>
+            </a:ext>
+          </a:extLst>
+        </p:spPr>
+        <p:txBody>
+          <a:bodyPr vert="horz" wrap="none" lIns="91440" tIns="45720" rIns="91440" bIns="45720" numCol="1" anchor="ctr" anchorCtr="0" compatLnSpc="1">
+            <a:prstTxWarp prst="textNoShape">
+              <a:avLst/>
+            </a:prstTxWarp>
+            <a:spAutoFit/>
+          </a:bodyPr>
+          <a:lstStyle/>
+          <a:p>
+            <a:pPr marL="0" marR="0" lvl="0" indent="0" algn="l" defTabSz="914400" rtl="0" eaLnBrk="0" fontAlgn="base" latinLnBrk="0" hangingPunct="0">
+              <a:lnSpc>
+                <a:spcPct val="100000"/>
+              </a:lnSpc>
+              <a:spcBef>
+                <a:spcPct val="0"/>
+              </a:spcBef>
+              <a:spcAft>
+                <a:spcPct val="0"/>
+              </a:spcAft>
+              <a:buClrTx/>
+              <a:buSzTx/>
+              <a:buFontTx/>
+              <a:buNone/>
+              <a:tabLst/>
+            </a:pPr>
+            <a:r>
+              <a:rPr kumimoji="0" lang="zh-CN" altLang="zh-CN" sz="1200" b="0" i="0" u="none" strike="noStrike" cap="none" normalizeH="0" baseline="0">
+                <a:ln>
+                  <a:noFill/>
+                </a:ln>
+                <a:solidFill>
+                  <a:srgbClr val="333333"/>
+                </a:solidFill>
+                <a:effectLst/>
+                <a:latin typeface="Arial" panose="020B0604020202020204" pitchFamily="34" charset="0"/>
+                <a:ea typeface="Open Sans" panose="020B0606030504020204" pitchFamily="34" charset="0"/>
+              </a:rPr>
+              <a:t>NSGA2</a:t>
+            </a:r>
+            <a:r>
+              <a:rPr kumimoji="0" lang="zh-CN" altLang="zh-CN" sz="600" b="0" i="0" u="none" strike="noStrike" cap="none" normalizeH="0" baseline="0">
+                <a:ln>
+                  <a:noFill/>
+                </a:ln>
+                <a:solidFill>
+                  <a:schemeClr val="tx1"/>
+                </a:solidFill>
+                <a:effectLst/>
+                <a:latin typeface="Arial" panose="020B0604020202020204" pitchFamily="34" charset="0"/>
+              </a:rPr>
+              <a:t> </a:t>
+            </a:r>
+            <a:endParaRPr kumimoji="0" lang="zh-CN" altLang="zh-CN" sz="1800" b="0" i="0" u="none" strike="noStrike" cap="none" normalizeH="0" baseline="0">
+              <a:ln>
+                <a:noFill/>
+              </a:ln>
+              <a:solidFill>
+                <a:schemeClr val="tx1"/>
+              </a:solidFill>
+              <a:effectLst/>
+              <a:latin typeface="Arial" panose="020B0604020202020204" pitchFamily="34" charset="0"/>
+            </a:endParaRPr>
+          </a:p>
+        </p:txBody>
+      </p:sp>
+    </p:spTree>
+    <p:extLst>
+      <p:ext uri="{BB962C8B-B14F-4D97-AF65-F5344CB8AC3E}">
+        <p14:creationId xmlns:p14="http://schemas.microsoft.com/office/powerpoint/2010/main" val="3882871005"/>
+      </p:ext>
+    </p:extLst>
+  </p:cSld>
+  <p:clrMapOvr>
+    <a:masterClrMapping/>
+  </p:clrMapOvr>
+  <p:transition>
+    <p:wipe/>
+  </p:transition>
+</p:sld>
+</file>
+
+<file path=ppt/slides/slide12.xml><?xml version="1.0" encoding="utf-8"?>
+<p:sld xmlns:a="http://schemas.openxmlformats.org/drawingml/2006/main" xmlns:r="http://schemas.openxmlformats.org/officeDocument/2006/relationships" xmlns:p="http://schemas.openxmlformats.org/presentationml/2006/main">
+  <p:cSld>
+    <p:spTree>
+      <p:nvGrpSpPr>
+        <p:cNvPr id="1" name=""/>
+        <p:cNvGrpSpPr/>
+        <p:nvPr/>
+      </p:nvGrpSpPr>
+      <p:grpSpPr>
+        <a:xfrm>
+          <a:off x="0" y="0"/>
+          <a:ext cx="0" cy="0"/>
+          <a:chOff x="0" y="0"/>
+          <a:chExt cx="0" cy="0"/>
+        </a:xfrm>
+      </p:grpSpPr>
+      <p:sp>
+        <p:nvSpPr>
+          <p:cNvPr id="5" name="文本框 4"/>
+          <p:cNvSpPr txBox="1"/>
+          <p:nvPr/>
+        </p:nvSpPr>
+        <p:spPr>
+          <a:xfrm>
+            <a:off x="7595789" y="286744"/>
+            <a:ext cx="1083519" cy="830997"/>
+          </a:xfrm>
+          <a:prstGeom prst="rect">
+            <a:avLst/>
+          </a:prstGeom>
+          <a:noFill/>
+        </p:spPr>
+        <p:txBody>
+          <a:bodyPr wrap="square" rtlCol="0">
+            <a:spAutoFit/>
+          </a:bodyPr>
+          <a:lstStyle/>
+          <a:p>
+            <a:r>
+              <a:rPr lang="zh-CN" altLang="en-US" sz="2400" dirty="0">
+                <a:solidFill>
+                  <a:srgbClr val="FFFFFF">
+                    <a:lumMod val="95000"/>
+                  </a:srgbClr>
+                </a:solidFill>
+                <a:latin typeface="+mn-ea"/>
+              </a:rPr>
+              <a:t>第一部分</a:t>
+            </a:r>
+          </a:p>
+        </p:txBody>
+      </p:sp>
+      <p:cxnSp>
+        <p:nvCxnSpPr>
+          <p:cNvPr id="6" name="直接连接符 5"/>
+          <p:cNvCxnSpPr/>
+          <p:nvPr/>
+        </p:nvCxnSpPr>
+        <p:spPr>
+          <a:xfrm flipV="1">
+            <a:off x="326037" y="710746"/>
+            <a:ext cx="7771043" cy="36846"/>
+          </a:xfrm>
+          <a:prstGeom prst="line">
+            <a:avLst/>
+          </a:prstGeom>
+          <a:ln w="44450">
+            <a:solidFill>
+              <a:srgbClr val="0852A4"/>
+            </a:solidFill>
+            <a:headEnd type="none"/>
+          </a:ln>
+        </p:spPr>
+        <p:style>
+          <a:lnRef idx="1">
+            <a:schemeClr val="accent1"/>
+          </a:lnRef>
+          <a:fillRef idx="0">
+            <a:schemeClr val="accent1"/>
+          </a:fillRef>
+          <a:effectRef idx="0">
+            <a:schemeClr val="accent1"/>
+          </a:effectRef>
+          <a:fontRef idx="minor">
+            <a:schemeClr val="tx1"/>
+          </a:fontRef>
+        </p:style>
+      </p:cxnSp>
+      <p:sp>
+        <p:nvSpPr>
+          <p:cNvPr id="7" name="Rectangle 11"/>
+          <p:cNvSpPr>
+            <a:spLocks noChangeArrowheads="1"/>
+          </p:cNvSpPr>
+          <p:nvPr/>
+        </p:nvSpPr>
+        <p:spPr bwMode="auto">
+          <a:xfrm>
+            <a:off x="333758" y="251291"/>
+            <a:ext cx="285750" cy="400110"/>
+          </a:xfrm>
+          <a:prstGeom prst="rect">
+            <a:avLst/>
+          </a:prstGeom>
+          <a:solidFill>
+            <a:srgbClr val="0070C0"/>
+          </a:solidFill>
+          <a:ln>
+            <a:noFill/>
+          </a:ln>
+        </p:spPr>
+        <p:txBody>
+          <a:bodyPr anchor="ctr">
+            <a:spAutoFit/>
+          </a:bodyPr>
+          <a:lstStyle>
+            <a:lvl1pPr eaLnBrk="0" hangingPunct="0">
+              <a:defRPr sz="2000">
+                <a:solidFill>
+                  <a:srgbClr val="595959"/>
+                </a:solidFill>
+                <a:latin typeface="微软雅黑" panose="020B0503020204020204" pitchFamily="34" charset="-122"/>
+                <a:ea typeface="宋体" panose="02010600030101010101" pitchFamily="2" charset="-122"/>
+              </a:defRPr>
+            </a:lvl1pPr>
+            <a:lvl2pPr marL="742950" indent="-285750" eaLnBrk="0" hangingPunct="0">
+              <a:defRPr sz="2000">
+                <a:solidFill>
+                  <a:srgbClr val="595959"/>
+                </a:solidFill>
+                <a:latin typeface="微软雅黑" panose="020B0503020204020204" pitchFamily="34" charset="-122"/>
+                <a:ea typeface="宋体" panose="02010600030101010101" pitchFamily="2" charset="-122"/>
+              </a:defRPr>
+            </a:lvl2pPr>
+            <a:lvl3pPr marL="1143000" indent="-228600" eaLnBrk="0" hangingPunct="0">
+              <a:defRPr sz="2000">
+                <a:solidFill>
+                  <a:srgbClr val="595959"/>
+                </a:solidFill>
+                <a:latin typeface="微软雅黑" panose="020B0503020204020204" pitchFamily="34" charset="-122"/>
+                <a:ea typeface="宋体" panose="02010600030101010101" pitchFamily="2" charset="-122"/>
+              </a:defRPr>
+            </a:lvl3pPr>
+            <a:lvl4pPr marL="1600200" indent="-228600" eaLnBrk="0" hangingPunct="0">
+              <a:defRPr sz="2000">
+                <a:solidFill>
+                  <a:srgbClr val="595959"/>
+                </a:solidFill>
+                <a:latin typeface="微软雅黑" panose="020B0503020204020204" pitchFamily="34" charset="-122"/>
+                <a:ea typeface="宋体" panose="02010600030101010101" pitchFamily="2" charset="-122"/>
+              </a:defRPr>
+            </a:lvl4pPr>
+            <a:lvl5pPr marL="2057400" indent="-228600" eaLnBrk="0" hangingPunct="0">
+              <a:defRPr sz="2000">
+                <a:solidFill>
+                  <a:srgbClr val="595959"/>
+                </a:solidFill>
+                <a:latin typeface="微软雅黑" panose="020B0503020204020204" pitchFamily="34" charset="-122"/>
+                <a:ea typeface="宋体" panose="02010600030101010101" pitchFamily="2" charset="-122"/>
+              </a:defRPr>
+            </a:lvl5pPr>
+            <a:lvl6pPr marL="2514600" indent="-228600" eaLnBrk="0" fontAlgn="base" hangingPunct="0">
+              <a:spcBef>
+                <a:spcPct val="0"/>
+              </a:spcBef>
+              <a:spcAft>
+                <a:spcPct val="0"/>
+              </a:spcAft>
+              <a:defRPr sz="2000">
+                <a:solidFill>
+                  <a:srgbClr val="595959"/>
+                </a:solidFill>
+                <a:latin typeface="微软雅黑" panose="020B0503020204020204" pitchFamily="34" charset="-122"/>
+                <a:ea typeface="宋体" panose="02010600030101010101" pitchFamily="2" charset="-122"/>
+              </a:defRPr>
+            </a:lvl6pPr>
+            <a:lvl7pPr marL="2971800" indent="-228600" eaLnBrk="0" fontAlgn="base" hangingPunct="0">
+              <a:spcBef>
+                <a:spcPct val="0"/>
+              </a:spcBef>
+              <a:spcAft>
+                <a:spcPct val="0"/>
+              </a:spcAft>
+              <a:defRPr sz="2000">
+                <a:solidFill>
+                  <a:srgbClr val="595959"/>
+                </a:solidFill>
+                <a:latin typeface="微软雅黑" panose="020B0503020204020204" pitchFamily="34" charset="-122"/>
+                <a:ea typeface="宋体" panose="02010600030101010101" pitchFamily="2" charset="-122"/>
+              </a:defRPr>
+            </a:lvl7pPr>
+            <a:lvl8pPr marL="3429000" indent="-228600" eaLnBrk="0" fontAlgn="base" hangingPunct="0">
+              <a:spcBef>
+                <a:spcPct val="0"/>
+              </a:spcBef>
+              <a:spcAft>
+                <a:spcPct val="0"/>
+              </a:spcAft>
+              <a:defRPr sz="2000">
+                <a:solidFill>
+                  <a:srgbClr val="595959"/>
+                </a:solidFill>
+                <a:latin typeface="微软雅黑" panose="020B0503020204020204" pitchFamily="34" charset="-122"/>
+                <a:ea typeface="宋体" panose="02010600030101010101" pitchFamily="2" charset="-122"/>
+              </a:defRPr>
+            </a:lvl8pPr>
+            <a:lvl9pPr marL="3886200" indent="-228600" eaLnBrk="0" fontAlgn="base" hangingPunct="0">
+              <a:spcBef>
+                <a:spcPct val="0"/>
+              </a:spcBef>
+              <a:spcAft>
+                <a:spcPct val="0"/>
+              </a:spcAft>
+              <a:defRPr sz="2000">
+                <a:solidFill>
+                  <a:srgbClr val="595959"/>
+                </a:solidFill>
+                <a:latin typeface="微软雅黑" panose="020B0503020204020204" pitchFamily="34" charset="-122"/>
+                <a:ea typeface="宋体" panose="02010600030101010101" pitchFamily="2" charset="-122"/>
+              </a:defRPr>
+            </a:lvl9pPr>
+          </a:lstStyle>
+          <a:p>
+            <a:pPr eaLnBrk="1" hangingPunct="1"/>
+            <a:endParaRPr lang="zh-CN" altLang="en-US">
+              <a:latin typeface="+mn-ea"/>
+              <a:ea typeface="+mn-ea"/>
+            </a:endParaRPr>
+          </a:p>
+        </p:txBody>
+      </p:sp>
+      <p:sp>
+        <p:nvSpPr>
+          <p:cNvPr id="8" name="Rectangle 12"/>
+          <p:cNvSpPr>
+            <a:spLocks noChangeArrowheads="1"/>
+          </p:cNvSpPr>
+          <p:nvPr/>
+        </p:nvSpPr>
+        <p:spPr bwMode="auto">
+          <a:xfrm>
+            <a:off x="657608" y="251291"/>
+            <a:ext cx="114300" cy="400110"/>
+          </a:xfrm>
+          <a:prstGeom prst="rect">
+            <a:avLst/>
+          </a:prstGeom>
+          <a:solidFill>
+            <a:srgbClr val="065CBA">
+              <a:alpha val="70000"/>
+            </a:srgbClr>
+          </a:solidFill>
+          <a:ln>
+            <a:noFill/>
+          </a:ln>
+        </p:spPr>
+        <p:txBody>
+          <a:bodyPr anchor="ctr">
+            <a:spAutoFit/>
+          </a:bodyPr>
+          <a:lstStyle>
+            <a:lvl1pPr eaLnBrk="0" hangingPunct="0">
+              <a:defRPr sz="2000">
+                <a:solidFill>
+                  <a:srgbClr val="595959"/>
+                </a:solidFill>
+                <a:latin typeface="微软雅黑" panose="020B0503020204020204" pitchFamily="34" charset="-122"/>
+                <a:ea typeface="宋体" panose="02010600030101010101" pitchFamily="2" charset="-122"/>
+              </a:defRPr>
+            </a:lvl1pPr>
+            <a:lvl2pPr marL="742950" indent="-285750" eaLnBrk="0" hangingPunct="0">
+              <a:defRPr sz="2000">
+                <a:solidFill>
+                  <a:srgbClr val="595959"/>
+                </a:solidFill>
+                <a:latin typeface="微软雅黑" panose="020B0503020204020204" pitchFamily="34" charset="-122"/>
+                <a:ea typeface="宋体" panose="02010600030101010101" pitchFamily="2" charset="-122"/>
+              </a:defRPr>
+            </a:lvl2pPr>
+            <a:lvl3pPr marL="1143000" indent="-228600" eaLnBrk="0" hangingPunct="0">
+              <a:defRPr sz="2000">
+                <a:solidFill>
+                  <a:srgbClr val="595959"/>
+                </a:solidFill>
+                <a:latin typeface="微软雅黑" panose="020B0503020204020204" pitchFamily="34" charset="-122"/>
+                <a:ea typeface="宋体" panose="02010600030101010101" pitchFamily="2" charset="-122"/>
+              </a:defRPr>
+            </a:lvl3pPr>
+            <a:lvl4pPr marL="1600200" indent="-228600" eaLnBrk="0" hangingPunct="0">
+              <a:defRPr sz="2000">
+                <a:solidFill>
+                  <a:srgbClr val="595959"/>
+                </a:solidFill>
+                <a:latin typeface="微软雅黑" panose="020B0503020204020204" pitchFamily="34" charset="-122"/>
+                <a:ea typeface="宋体" panose="02010600030101010101" pitchFamily="2" charset="-122"/>
+              </a:defRPr>
+            </a:lvl4pPr>
+            <a:lvl5pPr marL="2057400" indent="-228600" eaLnBrk="0" hangingPunct="0">
+              <a:defRPr sz="2000">
+                <a:solidFill>
+                  <a:srgbClr val="595959"/>
+                </a:solidFill>
+                <a:latin typeface="微软雅黑" panose="020B0503020204020204" pitchFamily="34" charset="-122"/>
+                <a:ea typeface="宋体" panose="02010600030101010101" pitchFamily="2" charset="-122"/>
+              </a:defRPr>
+            </a:lvl5pPr>
+            <a:lvl6pPr marL="2514600" indent="-228600" eaLnBrk="0" fontAlgn="base" hangingPunct="0">
+              <a:spcBef>
+                <a:spcPct val="0"/>
+              </a:spcBef>
+              <a:spcAft>
+                <a:spcPct val="0"/>
+              </a:spcAft>
+              <a:defRPr sz="2000">
+                <a:solidFill>
+                  <a:srgbClr val="595959"/>
+                </a:solidFill>
+                <a:latin typeface="微软雅黑" panose="020B0503020204020204" pitchFamily="34" charset="-122"/>
+                <a:ea typeface="宋体" panose="02010600030101010101" pitchFamily="2" charset="-122"/>
+              </a:defRPr>
+            </a:lvl6pPr>
+            <a:lvl7pPr marL="2971800" indent="-228600" eaLnBrk="0" fontAlgn="base" hangingPunct="0">
+              <a:spcBef>
+                <a:spcPct val="0"/>
+              </a:spcBef>
+              <a:spcAft>
+                <a:spcPct val="0"/>
+              </a:spcAft>
+              <a:defRPr sz="2000">
+                <a:solidFill>
+                  <a:srgbClr val="595959"/>
+                </a:solidFill>
+                <a:latin typeface="微软雅黑" panose="020B0503020204020204" pitchFamily="34" charset="-122"/>
+                <a:ea typeface="宋体" panose="02010600030101010101" pitchFamily="2" charset="-122"/>
+              </a:defRPr>
+            </a:lvl7pPr>
+            <a:lvl8pPr marL="3429000" indent="-228600" eaLnBrk="0" fontAlgn="base" hangingPunct="0">
+              <a:spcBef>
+                <a:spcPct val="0"/>
+              </a:spcBef>
+              <a:spcAft>
+                <a:spcPct val="0"/>
+              </a:spcAft>
+              <a:defRPr sz="2000">
+                <a:solidFill>
+                  <a:srgbClr val="595959"/>
+                </a:solidFill>
+                <a:latin typeface="微软雅黑" panose="020B0503020204020204" pitchFamily="34" charset="-122"/>
+                <a:ea typeface="宋体" panose="02010600030101010101" pitchFamily="2" charset="-122"/>
+              </a:defRPr>
+            </a:lvl8pPr>
+            <a:lvl9pPr marL="3886200" indent="-228600" eaLnBrk="0" fontAlgn="base" hangingPunct="0">
+              <a:spcBef>
+                <a:spcPct val="0"/>
+              </a:spcBef>
+              <a:spcAft>
+                <a:spcPct val="0"/>
+              </a:spcAft>
+              <a:defRPr sz="2000">
+                <a:solidFill>
+                  <a:srgbClr val="595959"/>
+                </a:solidFill>
+                <a:latin typeface="微软雅黑" panose="020B0503020204020204" pitchFamily="34" charset="-122"/>
+                <a:ea typeface="宋体" panose="02010600030101010101" pitchFamily="2" charset="-122"/>
+              </a:defRPr>
+            </a:lvl9pPr>
+          </a:lstStyle>
+          <a:p>
+            <a:pPr eaLnBrk="1" hangingPunct="1"/>
+            <a:endParaRPr lang="zh-CN" altLang="en-US">
+              <a:latin typeface="+mn-ea"/>
+              <a:ea typeface="+mn-ea"/>
+            </a:endParaRPr>
+          </a:p>
+        </p:txBody>
+      </p:sp>
+      <p:sp>
+        <p:nvSpPr>
+          <p:cNvPr id="9" name="Rectangle 13"/>
+          <p:cNvSpPr>
+            <a:spLocks noChangeArrowheads="1"/>
+          </p:cNvSpPr>
+          <p:nvPr/>
+        </p:nvSpPr>
+        <p:spPr bwMode="auto">
+          <a:xfrm flipH="1">
+            <a:off x="790958" y="251291"/>
+            <a:ext cx="55960" cy="400110"/>
+          </a:xfrm>
+          <a:prstGeom prst="rect">
+            <a:avLst/>
+          </a:prstGeom>
+          <a:solidFill>
+            <a:srgbClr val="0070C0">
+              <a:alpha val="48000"/>
+            </a:srgbClr>
+          </a:solidFill>
+          <a:ln>
+            <a:noFill/>
+          </a:ln>
+        </p:spPr>
+        <p:txBody>
+          <a:bodyPr anchor="ctr">
+            <a:spAutoFit/>
+          </a:bodyPr>
+          <a:lstStyle>
+            <a:lvl1pPr eaLnBrk="0" hangingPunct="0">
+              <a:defRPr sz="2000">
+                <a:solidFill>
+                  <a:srgbClr val="595959"/>
+                </a:solidFill>
+                <a:latin typeface="微软雅黑" panose="020B0503020204020204" pitchFamily="34" charset="-122"/>
+                <a:ea typeface="宋体" panose="02010600030101010101" pitchFamily="2" charset="-122"/>
+              </a:defRPr>
+            </a:lvl1pPr>
+            <a:lvl2pPr marL="742950" indent="-285750" eaLnBrk="0" hangingPunct="0">
+              <a:defRPr sz="2000">
+                <a:solidFill>
+                  <a:srgbClr val="595959"/>
+                </a:solidFill>
+                <a:latin typeface="微软雅黑" panose="020B0503020204020204" pitchFamily="34" charset="-122"/>
+                <a:ea typeface="宋体" panose="02010600030101010101" pitchFamily="2" charset="-122"/>
+              </a:defRPr>
+            </a:lvl2pPr>
+            <a:lvl3pPr marL="1143000" indent="-228600" eaLnBrk="0" hangingPunct="0">
+              <a:defRPr sz="2000">
+                <a:solidFill>
+                  <a:srgbClr val="595959"/>
+                </a:solidFill>
+                <a:latin typeface="微软雅黑" panose="020B0503020204020204" pitchFamily="34" charset="-122"/>
+                <a:ea typeface="宋体" panose="02010600030101010101" pitchFamily="2" charset="-122"/>
+              </a:defRPr>
+            </a:lvl3pPr>
+            <a:lvl4pPr marL="1600200" indent="-228600" eaLnBrk="0" hangingPunct="0">
+              <a:defRPr sz="2000">
+                <a:solidFill>
+                  <a:srgbClr val="595959"/>
+                </a:solidFill>
+                <a:latin typeface="微软雅黑" panose="020B0503020204020204" pitchFamily="34" charset="-122"/>
+                <a:ea typeface="宋体" panose="02010600030101010101" pitchFamily="2" charset="-122"/>
+              </a:defRPr>
+            </a:lvl4pPr>
+            <a:lvl5pPr marL="2057400" indent="-228600" eaLnBrk="0" hangingPunct="0">
+              <a:defRPr sz="2000">
+                <a:solidFill>
+                  <a:srgbClr val="595959"/>
+                </a:solidFill>
+                <a:latin typeface="微软雅黑" panose="020B0503020204020204" pitchFamily="34" charset="-122"/>
+                <a:ea typeface="宋体" panose="02010600030101010101" pitchFamily="2" charset="-122"/>
+              </a:defRPr>
+            </a:lvl5pPr>
+            <a:lvl6pPr marL="2514600" indent="-228600" eaLnBrk="0" fontAlgn="base" hangingPunct="0">
+              <a:spcBef>
+                <a:spcPct val="0"/>
+              </a:spcBef>
+              <a:spcAft>
+                <a:spcPct val="0"/>
+              </a:spcAft>
+              <a:defRPr sz="2000">
+                <a:solidFill>
+                  <a:srgbClr val="595959"/>
+                </a:solidFill>
+                <a:latin typeface="微软雅黑" panose="020B0503020204020204" pitchFamily="34" charset="-122"/>
+                <a:ea typeface="宋体" panose="02010600030101010101" pitchFamily="2" charset="-122"/>
+              </a:defRPr>
+            </a:lvl6pPr>
+            <a:lvl7pPr marL="2971800" indent="-228600" eaLnBrk="0" fontAlgn="base" hangingPunct="0">
+              <a:spcBef>
+                <a:spcPct val="0"/>
+              </a:spcBef>
+              <a:spcAft>
+                <a:spcPct val="0"/>
+              </a:spcAft>
+              <a:defRPr sz="2000">
+                <a:solidFill>
+                  <a:srgbClr val="595959"/>
+                </a:solidFill>
+                <a:latin typeface="微软雅黑" panose="020B0503020204020204" pitchFamily="34" charset="-122"/>
+                <a:ea typeface="宋体" panose="02010600030101010101" pitchFamily="2" charset="-122"/>
+              </a:defRPr>
+            </a:lvl7pPr>
+            <a:lvl8pPr marL="3429000" indent="-228600" eaLnBrk="0" fontAlgn="base" hangingPunct="0">
+              <a:spcBef>
+                <a:spcPct val="0"/>
+              </a:spcBef>
+              <a:spcAft>
+                <a:spcPct val="0"/>
+              </a:spcAft>
+              <a:defRPr sz="2000">
+                <a:solidFill>
+                  <a:srgbClr val="595959"/>
+                </a:solidFill>
+                <a:latin typeface="微软雅黑" panose="020B0503020204020204" pitchFamily="34" charset="-122"/>
+                <a:ea typeface="宋体" panose="02010600030101010101" pitchFamily="2" charset="-122"/>
+              </a:defRPr>
+            </a:lvl8pPr>
+            <a:lvl9pPr marL="3886200" indent="-228600" eaLnBrk="0" fontAlgn="base" hangingPunct="0">
+              <a:spcBef>
+                <a:spcPct val="0"/>
+              </a:spcBef>
+              <a:spcAft>
+                <a:spcPct val="0"/>
+              </a:spcAft>
+              <a:defRPr sz="2000">
+                <a:solidFill>
+                  <a:srgbClr val="595959"/>
+                </a:solidFill>
+                <a:latin typeface="微软雅黑" panose="020B0503020204020204" pitchFamily="34" charset="-122"/>
+                <a:ea typeface="宋体" panose="02010600030101010101" pitchFamily="2" charset="-122"/>
+              </a:defRPr>
+            </a:lvl9pPr>
+          </a:lstStyle>
+          <a:p>
+            <a:pPr eaLnBrk="1" hangingPunct="1"/>
+            <a:endParaRPr lang="zh-CN" altLang="en-US">
+              <a:latin typeface="+mn-ea"/>
+              <a:ea typeface="+mn-ea"/>
+            </a:endParaRPr>
+          </a:p>
+        </p:txBody>
+      </p:sp>
+      <p:sp>
+        <p:nvSpPr>
+          <p:cNvPr id="31" name="文本框 9"/>
+          <p:cNvSpPr txBox="1"/>
+          <p:nvPr/>
+        </p:nvSpPr>
+        <p:spPr>
+          <a:xfrm>
+            <a:off x="899165" y="219320"/>
+            <a:ext cx="3074003" cy="461665"/>
+          </a:xfrm>
+          <a:prstGeom prst="rect">
+            <a:avLst/>
+          </a:prstGeom>
+          <a:noFill/>
+        </p:spPr>
+        <p:txBody>
+          <a:bodyPr wrap="square" rtlCol="0">
+            <a:spAutoFit/>
+          </a:bodyPr>
+          <a:lstStyle/>
+          <a:p>
+            <a:r>
+              <a:rPr lang="zh-CN" altLang="en-US" sz="2400" b="1">
+                <a:solidFill>
+                  <a:srgbClr val="DDDDDD">
+                    <a:lumMod val="25000"/>
+                  </a:srgbClr>
+                </a:solidFill>
+                <a:latin typeface="微软雅黑" panose="020B0503020204020204" pitchFamily="34" charset="-122"/>
+                <a:ea typeface="微软雅黑" panose="020B0503020204020204" pitchFamily="34" charset="-122"/>
+              </a:rPr>
+              <a:t>四、研究结论</a:t>
+            </a:r>
+            <a:endParaRPr lang="zh-CN" altLang="en-US" sz="2400" b="1" dirty="0">
+              <a:solidFill>
+                <a:srgbClr val="DDDDDD">
+                  <a:lumMod val="25000"/>
+                </a:srgbClr>
+              </a:solidFill>
+              <a:latin typeface="微软雅黑" panose="020B0503020204020204" pitchFamily="34" charset="-122"/>
+              <a:ea typeface="微软雅黑" panose="020B0503020204020204" pitchFamily="34" charset="-122"/>
+            </a:endParaRPr>
+          </a:p>
+        </p:txBody>
+      </p:sp>
+      <p:sp>
+        <p:nvSpPr>
+          <p:cNvPr id="11" name="文本框 10">
+            <a:extLst>
+              <a:ext uri="{FF2B5EF4-FFF2-40B4-BE49-F238E27FC236}">
+                <a16:creationId xmlns:a16="http://schemas.microsoft.com/office/drawing/2014/main" id="{1E884F40-9E1E-4083-A3C1-DE11C8C9D6E2}"/>
+              </a:ext>
+            </a:extLst>
+          </p:cNvPr>
+          <p:cNvSpPr txBox="1"/>
+          <p:nvPr/>
+        </p:nvSpPr>
+        <p:spPr>
+          <a:xfrm>
+            <a:off x="1016000" y="1772920"/>
+            <a:ext cx="6776720" cy="1200329"/>
+          </a:xfrm>
+          <a:prstGeom prst="rect">
+            <a:avLst/>
+          </a:prstGeom>
+          <a:noFill/>
+        </p:spPr>
+        <p:txBody>
+          <a:bodyPr wrap="square" rtlCol="0">
+            <a:spAutoFit/>
+          </a:bodyPr>
+          <a:lstStyle/>
+          <a:p>
+            <a:pPr marL="285750" indent="-285750">
+              <a:buFont typeface="Arial" panose="020B0604020202020204" pitchFamily="34" charset="0"/>
+              <a:buChar char="•"/>
+            </a:pPr>
+            <a:r>
+              <a:rPr lang="zh-CN" altLang="en-US" sz="2400"/>
+              <a:t>面对收集到的补丁，没有将任何一个正确的补丁归类到错误的补丁里。能够过滤掉</a:t>
+            </a:r>
+            <a:r>
+              <a:rPr lang="en-US" altLang="zh-CN" sz="2400"/>
+              <a:t>56.3%</a:t>
+            </a:r>
+            <a:r>
+              <a:rPr lang="zh-CN" altLang="en-US" sz="2400"/>
+              <a:t>的错误补丁</a:t>
+            </a:r>
+          </a:p>
+        </p:txBody>
+      </p:sp>
+    </p:spTree>
+    <p:extLst>
+      <p:ext uri="{BB962C8B-B14F-4D97-AF65-F5344CB8AC3E}">
+        <p14:creationId xmlns:p14="http://schemas.microsoft.com/office/powerpoint/2010/main" val="3415316646"/>
+      </p:ext>
+    </p:extLst>
+  </p:cSld>
+  <p:clrMapOvr>
+    <a:masterClrMapping/>
+  </p:clrMapOvr>
+  <p:transition>
+    <p:wipe/>
+  </p:transition>
+</p:sld>
+</file>
+
+<file path=ppt/slides/slide13.xml><?xml version="1.0" encoding="utf-8"?>
+<p:sld xmlns:a="http://schemas.openxmlformats.org/drawingml/2006/main" xmlns:r="http://schemas.openxmlformats.org/officeDocument/2006/relationships" xmlns:p="http://schemas.openxmlformats.org/presentationml/2006/main">
+  <p:cSld>
+    <p:spTree>
+      <p:nvGrpSpPr>
+        <p:cNvPr id="1" name=""/>
+        <p:cNvGrpSpPr/>
+        <p:nvPr/>
+      </p:nvGrpSpPr>
+      <p:grpSpPr>
+        <a:xfrm>
+          <a:off x="0" y="0"/>
+          <a:ext cx="0" cy="0"/>
+          <a:chOff x="0" y="0"/>
+          <a:chExt cx="0" cy="0"/>
+        </a:xfrm>
+      </p:grpSpPr>
+      <p:sp>
+        <p:nvSpPr>
+          <p:cNvPr id="5" name="文本框 4"/>
+          <p:cNvSpPr txBox="1"/>
+          <p:nvPr/>
+        </p:nvSpPr>
+        <p:spPr>
+          <a:xfrm>
+            <a:off x="7595789" y="286744"/>
+            <a:ext cx="1083519" cy="830997"/>
+          </a:xfrm>
+          <a:prstGeom prst="rect">
+            <a:avLst/>
+          </a:prstGeom>
+          <a:noFill/>
+        </p:spPr>
+        <p:txBody>
+          <a:bodyPr wrap="square" rtlCol="0">
+            <a:spAutoFit/>
+          </a:bodyPr>
+          <a:lstStyle/>
+          <a:p>
+            <a:r>
+              <a:rPr lang="zh-CN" altLang="en-US" sz="2400" dirty="0">
+                <a:solidFill>
+                  <a:srgbClr val="FFFFFF">
+                    <a:lumMod val="95000"/>
+                  </a:srgbClr>
+                </a:solidFill>
+                <a:latin typeface="+mn-ea"/>
+              </a:rPr>
+              <a:t>第一部分</a:t>
+            </a:r>
+          </a:p>
+        </p:txBody>
+      </p:sp>
+      <p:cxnSp>
+        <p:nvCxnSpPr>
+          <p:cNvPr id="6" name="直接连接符 5"/>
+          <p:cNvCxnSpPr/>
+          <p:nvPr/>
+        </p:nvCxnSpPr>
+        <p:spPr>
+          <a:xfrm flipV="1">
+            <a:off x="326037" y="710746"/>
+            <a:ext cx="7771043" cy="36846"/>
+          </a:xfrm>
+          <a:prstGeom prst="line">
+            <a:avLst/>
+          </a:prstGeom>
+          <a:ln w="44450">
+            <a:solidFill>
+              <a:srgbClr val="0852A4"/>
+            </a:solidFill>
+            <a:headEnd type="none"/>
+          </a:ln>
+        </p:spPr>
+        <p:style>
+          <a:lnRef idx="1">
+            <a:schemeClr val="accent1"/>
+          </a:lnRef>
+          <a:fillRef idx="0">
+            <a:schemeClr val="accent1"/>
+          </a:fillRef>
+          <a:effectRef idx="0">
+            <a:schemeClr val="accent1"/>
+          </a:effectRef>
+          <a:fontRef idx="minor">
+            <a:schemeClr val="tx1"/>
+          </a:fontRef>
+        </p:style>
+      </p:cxnSp>
+      <p:sp>
+        <p:nvSpPr>
+          <p:cNvPr id="7" name="Rectangle 11"/>
+          <p:cNvSpPr>
+            <a:spLocks noChangeArrowheads="1"/>
+          </p:cNvSpPr>
+          <p:nvPr/>
+        </p:nvSpPr>
+        <p:spPr bwMode="auto">
+          <a:xfrm>
+            <a:off x="333758" y="251291"/>
+            <a:ext cx="285750" cy="400110"/>
+          </a:xfrm>
+          <a:prstGeom prst="rect">
+            <a:avLst/>
+          </a:prstGeom>
+          <a:solidFill>
+            <a:srgbClr val="0070C0"/>
+          </a:solidFill>
+          <a:ln>
+            <a:noFill/>
+          </a:ln>
+        </p:spPr>
+        <p:txBody>
+          <a:bodyPr anchor="ctr">
+            <a:spAutoFit/>
+          </a:bodyPr>
+          <a:lstStyle>
+            <a:lvl1pPr eaLnBrk="0" hangingPunct="0">
+              <a:defRPr sz="2000">
+                <a:solidFill>
+                  <a:srgbClr val="595959"/>
+                </a:solidFill>
+                <a:latin typeface="微软雅黑" panose="020B0503020204020204" pitchFamily="34" charset="-122"/>
+                <a:ea typeface="宋体" panose="02010600030101010101" pitchFamily="2" charset="-122"/>
+              </a:defRPr>
+            </a:lvl1pPr>
+            <a:lvl2pPr marL="742950" indent="-285750" eaLnBrk="0" hangingPunct="0">
+              <a:defRPr sz="2000">
+                <a:solidFill>
+                  <a:srgbClr val="595959"/>
+                </a:solidFill>
+                <a:latin typeface="微软雅黑" panose="020B0503020204020204" pitchFamily="34" charset="-122"/>
+                <a:ea typeface="宋体" panose="02010600030101010101" pitchFamily="2" charset="-122"/>
+              </a:defRPr>
+            </a:lvl2pPr>
+            <a:lvl3pPr marL="1143000" indent="-228600" eaLnBrk="0" hangingPunct="0">
+              <a:defRPr sz="2000">
+                <a:solidFill>
+                  <a:srgbClr val="595959"/>
+                </a:solidFill>
+                <a:latin typeface="微软雅黑" panose="020B0503020204020204" pitchFamily="34" charset="-122"/>
+                <a:ea typeface="宋体" panose="02010600030101010101" pitchFamily="2" charset="-122"/>
+              </a:defRPr>
+            </a:lvl3pPr>
+            <a:lvl4pPr marL="1600200" indent="-228600" eaLnBrk="0" hangingPunct="0">
+              <a:defRPr sz="2000">
+                <a:solidFill>
+                  <a:srgbClr val="595959"/>
+                </a:solidFill>
+                <a:latin typeface="微软雅黑" panose="020B0503020204020204" pitchFamily="34" charset="-122"/>
+                <a:ea typeface="宋体" panose="02010600030101010101" pitchFamily="2" charset="-122"/>
+              </a:defRPr>
+            </a:lvl4pPr>
+            <a:lvl5pPr marL="2057400" indent="-228600" eaLnBrk="0" hangingPunct="0">
+              <a:defRPr sz="2000">
+                <a:solidFill>
+                  <a:srgbClr val="595959"/>
+                </a:solidFill>
+                <a:latin typeface="微软雅黑" panose="020B0503020204020204" pitchFamily="34" charset="-122"/>
+                <a:ea typeface="宋体" panose="02010600030101010101" pitchFamily="2" charset="-122"/>
+              </a:defRPr>
+            </a:lvl5pPr>
+            <a:lvl6pPr marL="2514600" indent="-228600" eaLnBrk="0" fontAlgn="base" hangingPunct="0">
+              <a:spcBef>
+                <a:spcPct val="0"/>
+              </a:spcBef>
+              <a:spcAft>
+                <a:spcPct val="0"/>
+              </a:spcAft>
+              <a:defRPr sz="2000">
+                <a:solidFill>
+                  <a:srgbClr val="595959"/>
+                </a:solidFill>
+                <a:latin typeface="微软雅黑" panose="020B0503020204020204" pitchFamily="34" charset="-122"/>
+                <a:ea typeface="宋体" panose="02010600030101010101" pitchFamily="2" charset="-122"/>
+              </a:defRPr>
+            </a:lvl6pPr>
+            <a:lvl7pPr marL="2971800" indent="-228600" eaLnBrk="0" fontAlgn="base" hangingPunct="0">
+              <a:spcBef>
+                <a:spcPct val="0"/>
+              </a:spcBef>
+              <a:spcAft>
+                <a:spcPct val="0"/>
+              </a:spcAft>
+              <a:defRPr sz="2000">
+                <a:solidFill>
+                  <a:srgbClr val="595959"/>
+                </a:solidFill>
+                <a:latin typeface="微软雅黑" panose="020B0503020204020204" pitchFamily="34" charset="-122"/>
+                <a:ea typeface="宋体" panose="02010600030101010101" pitchFamily="2" charset="-122"/>
+              </a:defRPr>
+            </a:lvl7pPr>
+            <a:lvl8pPr marL="3429000" indent="-228600" eaLnBrk="0" fontAlgn="base" hangingPunct="0">
+              <a:spcBef>
+                <a:spcPct val="0"/>
+              </a:spcBef>
+              <a:spcAft>
+                <a:spcPct val="0"/>
+              </a:spcAft>
+              <a:defRPr sz="2000">
+                <a:solidFill>
+                  <a:srgbClr val="595959"/>
+                </a:solidFill>
+                <a:latin typeface="微软雅黑" panose="020B0503020204020204" pitchFamily="34" charset="-122"/>
+                <a:ea typeface="宋体" panose="02010600030101010101" pitchFamily="2" charset="-122"/>
+              </a:defRPr>
+            </a:lvl8pPr>
+            <a:lvl9pPr marL="3886200" indent="-228600" eaLnBrk="0" fontAlgn="base" hangingPunct="0">
+              <a:spcBef>
+                <a:spcPct val="0"/>
+              </a:spcBef>
+              <a:spcAft>
+                <a:spcPct val="0"/>
+              </a:spcAft>
+              <a:defRPr sz="2000">
+                <a:solidFill>
+                  <a:srgbClr val="595959"/>
+                </a:solidFill>
+                <a:latin typeface="微软雅黑" panose="020B0503020204020204" pitchFamily="34" charset="-122"/>
+                <a:ea typeface="宋体" panose="02010600030101010101" pitchFamily="2" charset="-122"/>
+              </a:defRPr>
+            </a:lvl9pPr>
+          </a:lstStyle>
+          <a:p>
+            <a:pPr eaLnBrk="1" hangingPunct="1"/>
+            <a:endParaRPr lang="zh-CN" altLang="en-US">
+              <a:latin typeface="+mn-ea"/>
+              <a:ea typeface="+mn-ea"/>
+            </a:endParaRPr>
+          </a:p>
+        </p:txBody>
+      </p:sp>
+      <p:sp>
+        <p:nvSpPr>
+          <p:cNvPr id="8" name="Rectangle 12"/>
+          <p:cNvSpPr>
+            <a:spLocks noChangeArrowheads="1"/>
+          </p:cNvSpPr>
+          <p:nvPr/>
+        </p:nvSpPr>
+        <p:spPr bwMode="auto">
+          <a:xfrm>
+            <a:off x="657608" y="251291"/>
+            <a:ext cx="114300" cy="400110"/>
+          </a:xfrm>
+          <a:prstGeom prst="rect">
+            <a:avLst/>
+          </a:prstGeom>
+          <a:solidFill>
+            <a:srgbClr val="065CBA">
+              <a:alpha val="70000"/>
+            </a:srgbClr>
+          </a:solidFill>
+          <a:ln>
+            <a:noFill/>
+          </a:ln>
+        </p:spPr>
+        <p:txBody>
+          <a:bodyPr anchor="ctr">
+            <a:spAutoFit/>
+          </a:bodyPr>
+          <a:lstStyle>
+            <a:lvl1pPr eaLnBrk="0" hangingPunct="0">
+              <a:defRPr sz="2000">
+                <a:solidFill>
+                  <a:srgbClr val="595959"/>
+                </a:solidFill>
+                <a:latin typeface="微软雅黑" panose="020B0503020204020204" pitchFamily="34" charset="-122"/>
+                <a:ea typeface="宋体" panose="02010600030101010101" pitchFamily="2" charset="-122"/>
+              </a:defRPr>
+            </a:lvl1pPr>
+            <a:lvl2pPr marL="742950" indent="-285750" eaLnBrk="0" hangingPunct="0">
+              <a:defRPr sz="2000">
+                <a:solidFill>
+                  <a:srgbClr val="595959"/>
+                </a:solidFill>
+                <a:latin typeface="微软雅黑" panose="020B0503020204020204" pitchFamily="34" charset="-122"/>
+                <a:ea typeface="宋体" panose="02010600030101010101" pitchFamily="2" charset="-122"/>
+              </a:defRPr>
+            </a:lvl2pPr>
+            <a:lvl3pPr marL="1143000" indent="-228600" eaLnBrk="0" hangingPunct="0">
+              <a:defRPr sz="2000">
+                <a:solidFill>
+                  <a:srgbClr val="595959"/>
+                </a:solidFill>
+                <a:latin typeface="微软雅黑" panose="020B0503020204020204" pitchFamily="34" charset="-122"/>
+                <a:ea typeface="宋体" panose="02010600030101010101" pitchFamily="2" charset="-122"/>
+              </a:defRPr>
+            </a:lvl3pPr>
+            <a:lvl4pPr marL="1600200" indent="-228600" eaLnBrk="0" hangingPunct="0">
+              <a:defRPr sz="2000">
+                <a:solidFill>
+                  <a:srgbClr val="595959"/>
+                </a:solidFill>
+                <a:latin typeface="微软雅黑" panose="020B0503020204020204" pitchFamily="34" charset="-122"/>
+                <a:ea typeface="宋体" panose="02010600030101010101" pitchFamily="2" charset="-122"/>
+              </a:defRPr>
+            </a:lvl4pPr>
+            <a:lvl5pPr marL="2057400" indent="-228600" eaLnBrk="0" hangingPunct="0">
+              <a:defRPr sz="2000">
+                <a:solidFill>
+                  <a:srgbClr val="595959"/>
+                </a:solidFill>
+                <a:latin typeface="微软雅黑" panose="020B0503020204020204" pitchFamily="34" charset="-122"/>
+                <a:ea typeface="宋体" panose="02010600030101010101" pitchFamily="2" charset="-122"/>
+              </a:defRPr>
+            </a:lvl5pPr>
+            <a:lvl6pPr marL="2514600" indent="-228600" eaLnBrk="0" fontAlgn="base" hangingPunct="0">
+              <a:spcBef>
+                <a:spcPct val="0"/>
+              </a:spcBef>
+              <a:spcAft>
+                <a:spcPct val="0"/>
+              </a:spcAft>
+              <a:defRPr sz="2000">
+                <a:solidFill>
+                  <a:srgbClr val="595959"/>
+                </a:solidFill>
+                <a:latin typeface="微软雅黑" panose="020B0503020204020204" pitchFamily="34" charset="-122"/>
+                <a:ea typeface="宋体" panose="02010600030101010101" pitchFamily="2" charset="-122"/>
+              </a:defRPr>
+            </a:lvl6pPr>
+            <a:lvl7pPr marL="2971800" indent="-228600" eaLnBrk="0" fontAlgn="base" hangingPunct="0">
+              <a:spcBef>
+                <a:spcPct val="0"/>
+              </a:spcBef>
+              <a:spcAft>
+                <a:spcPct val="0"/>
+              </a:spcAft>
+              <a:defRPr sz="2000">
+                <a:solidFill>
+                  <a:srgbClr val="595959"/>
+                </a:solidFill>
+                <a:latin typeface="微软雅黑" panose="020B0503020204020204" pitchFamily="34" charset="-122"/>
+                <a:ea typeface="宋体" panose="02010600030101010101" pitchFamily="2" charset="-122"/>
+              </a:defRPr>
+            </a:lvl7pPr>
+            <a:lvl8pPr marL="3429000" indent="-228600" eaLnBrk="0" fontAlgn="base" hangingPunct="0">
+              <a:spcBef>
+                <a:spcPct val="0"/>
+              </a:spcBef>
+              <a:spcAft>
+                <a:spcPct val="0"/>
+              </a:spcAft>
+              <a:defRPr sz="2000">
+                <a:solidFill>
+                  <a:srgbClr val="595959"/>
+                </a:solidFill>
+                <a:latin typeface="微软雅黑" panose="020B0503020204020204" pitchFamily="34" charset="-122"/>
+                <a:ea typeface="宋体" panose="02010600030101010101" pitchFamily="2" charset="-122"/>
+              </a:defRPr>
+            </a:lvl8pPr>
+            <a:lvl9pPr marL="3886200" indent="-228600" eaLnBrk="0" fontAlgn="base" hangingPunct="0">
+              <a:spcBef>
+                <a:spcPct val="0"/>
+              </a:spcBef>
+              <a:spcAft>
+                <a:spcPct val="0"/>
+              </a:spcAft>
+              <a:defRPr sz="2000">
+                <a:solidFill>
+                  <a:srgbClr val="595959"/>
+                </a:solidFill>
+                <a:latin typeface="微软雅黑" panose="020B0503020204020204" pitchFamily="34" charset="-122"/>
+                <a:ea typeface="宋体" panose="02010600030101010101" pitchFamily="2" charset="-122"/>
+              </a:defRPr>
+            </a:lvl9pPr>
+          </a:lstStyle>
+          <a:p>
+            <a:pPr eaLnBrk="1" hangingPunct="1"/>
+            <a:endParaRPr lang="zh-CN" altLang="en-US">
+              <a:latin typeface="+mn-ea"/>
+              <a:ea typeface="+mn-ea"/>
+            </a:endParaRPr>
+          </a:p>
+        </p:txBody>
+      </p:sp>
+      <p:sp>
+        <p:nvSpPr>
+          <p:cNvPr id="9" name="Rectangle 13"/>
+          <p:cNvSpPr>
+            <a:spLocks noChangeArrowheads="1"/>
+          </p:cNvSpPr>
+          <p:nvPr/>
+        </p:nvSpPr>
+        <p:spPr bwMode="auto">
+          <a:xfrm flipH="1">
+            <a:off x="790958" y="251291"/>
+            <a:ext cx="55960" cy="400110"/>
+          </a:xfrm>
+          <a:prstGeom prst="rect">
+            <a:avLst/>
+          </a:prstGeom>
+          <a:solidFill>
+            <a:srgbClr val="0070C0">
+              <a:alpha val="48000"/>
+            </a:srgbClr>
+          </a:solidFill>
+          <a:ln>
+            <a:noFill/>
+          </a:ln>
+        </p:spPr>
+        <p:txBody>
+          <a:bodyPr anchor="ctr">
+            <a:spAutoFit/>
+          </a:bodyPr>
+          <a:lstStyle>
+            <a:lvl1pPr eaLnBrk="0" hangingPunct="0">
+              <a:defRPr sz="2000">
+                <a:solidFill>
+                  <a:srgbClr val="595959"/>
+                </a:solidFill>
+                <a:latin typeface="微软雅黑" panose="020B0503020204020204" pitchFamily="34" charset="-122"/>
+                <a:ea typeface="宋体" panose="02010600030101010101" pitchFamily="2" charset="-122"/>
+              </a:defRPr>
+            </a:lvl1pPr>
+            <a:lvl2pPr marL="742950" indent="-285750" eaLnBrk="0" hangingPunct="0">
+              <a:defRPr sz="2000">
+                <a:solidFill>
+                  <a:srgbClr val="595959"/>
+                </a:solidFill>
+                <a:latin typeface="微软雅黑" panose="020B0503020204020204" pitchFamily="34" charset="-122"/>
+                <a:ea typeface="宋体" panose="02010600030101010101" pitchFamily="2" charset="-122"/>
+              </a:defRPr>
+            </a:lvl2pPr>
+            <a:lvl3pPr marL="1143000" indent="-228600" eaLnBrk="0" hangingPunct="0">
+              <a:defRPr sz="2000">
+                <a:solidFill>
+                  <a:srgbClr val="595959"/>
+                </a:solidFill>
+                <a:latin typeface="微软雅黑" panose="020B0503020204020204" pitchFamily="34" charset="-122"/>
+                <a:ea typeface="宋体" panose="02010600030101010101" pitchFamily="2" charset="-122"/>
+              </a:defRPr>
+            </a:lvl3pPr>
+            <a:lvl4pPr marL="1600200" indent="-228600" eaLnBrk="0" hangingPunct="0">
+              <a:defRPr sz="2000">
+                <a:solidFill>
+                  <a:srgbClr val="595959"/>
+                </a:solidFill>
+                <a:latin typeface="微软雅黑" panose="020B0503020204020204" pitchFamily="34" charset="-122"/>
+                <a:ea typeface="宋体" panose="02010600030101010101" pitchFamily="2" charset="-122"/>
+              </a:defRPr>
+            </a:lvl4pPr>
+            <a:lvl5pPr marL="2057400" indent="-228600" eaLnBrk="0" hangingPunct="0">
+              <a:defRPr sz="2000">
+                <a:solidFill>
+                  <a:srgbClr val="595959"/>
+                </a:solidFill>
+                <a:latin typeface="微软雅黑" panose="020B0503020204020204" pitchFamily="34" charset="-122"/>
+                <a:ea typeface="宋体" panose="02010600030101010101" pitchFamily="2" charset="-122"/>
+              </a:defRPr>
+            </a:lvl5pPr>
+            <a:lvl6pPr marL="2514600" indent="-228600" eaLnBrk="0" fontAlgn="base" hangingPunct="0">
+              <a:spcBef>
+                <a:spcPct val="0"/>
+              </a:spcBef>
+              <a:spcAft>
+                <a:spcPct val="0"/>
+              </a:spcAft>
+              <a:defRPr sz="2000">
+                <a:solidFill>
+                  <a:srgbClr val="595959"/>
+                </a:solidFill>
+                <a:latin typeface="微软雅黑" panose="020B0503020204020204" pitchFamily="34" charset="-122"/>
+                <a:ea typeface="宋体" panose="02010600030101010101" pitchFamily="2" charset="-122"/>
+              </a:defRPr>
+            </a:lvl6pPr>
+            <a:lvl7pPr marL="2971800" indent="-228600" eaLnBrk="0" fontAlgn="base" hangingPunct="0">
+              <a:spcBef>
+                <a:spcPct val="0"/>
+              </a:spcBef>
+              <a:spcAft>
+                <a:spcPct val="0"/>
+              </a:spcAft>
+              <a:defRPr sz="2000">
+                <a:solidFill>
+                  <a:srgbClr val="595959"/>
+                </a:solidFill>
+                <a:latin typeface="微软雅黑" panose="020B0503020204020204" pitchFamily="34" charset="-122"/>
+                <a:ea typeface="宋体" panose="02010600030101010101" pitchFamily="2" charset="-122"/>
+              </a:defRPr>
+            </a:lvl7pPr>
+            <a:lvl8pPr marL="3429000" indent="-228600" eaLnBrk="0" fontAlgn="base" hangingPunct="0">
+              <a:spcBef>
+                <a:spcPct val="0"/>
+              </a:spcBef>
+              <a:spcAft>
+                <a:spcPct val="0"/>
+              </a:spcAft>
+              <a:defRPr sz="2000">
+                <a:solidFill>
+                  <a:srgbClr val="595959"/>
+                </a:solidFill>
+                <a:latin typeface="微软雅黑" panose="020B0503020204020204" pitchFamily="34" charset="-122"/>
+                <a:ea typeface="宋体" panose="02010600030101010101" pitchFamily="2" charset="-122"/>
+              </a:defRPr>
+            </a:lvl8pPr>
+            <a:lvl9pPr marL="3886200" indent="-228600" eaLnBrk="0" fontAlgn="base" hangingPunct="0">
+              <a:spcBef>
+                <a:spcPct val="0"/>
+              </a:spcBef>
+              <a:spcAft>
+                <a:spcPct val="0"/>
+              </a:spcAft>
+              <a:defRPr sz="2000">
+                <a:solidFill>
+                  <a:srgbClr val="595959"/>
+                </a:solidFill>
+                <a:latin typeface="微软雅黑" panose="020B0503020204020204" pitchFamily="34" charset="-122"/>
+                <a:ea typeface="宋体" panose="02010600030101010101" pitchFamily="2" charset="-122"/>
+              </a:defRPr>
+            </a:lvl9pPr>
+          </a:lstStyle>
+          <a:p>
+            <a:pPr eaLnBrk="1" hangingPunct="1"/>
+            <a:endParaRPr lang="zh-CN" altLang="en-US">
+              <a:latin typeface="+mn-ea"/>
+              <a:ea typeface="+mn-ea"/>
+            </a:endParaRPr>
+          </a:p>
+        </p:txBody>
+      </p:sp>
+      <p:sp>
+        <p:nvSpPr>
+          <p:cNvPr id="31" name="文本框 9"/>
+          <p:cNvSpPr txBox="1"/>
+          <p:nvPr/>
+        </p:nvSpPr>
+        <p:spPr>
+          <a:xfrm>
+            <a:off x="899165" y="219320"/>
+            <a:ext cx="3074003" cy="461665"/>
+          </a:xfrm>
+          <a:prstGeom prst="rect">
+            <a:avLst/>
+          </a:prstGeom>
+          <a:noFill/>
+        </p:spPr>
+        <p:txBody>
+          <a:bodyPr wrap="square" rtlCol="0">
+            <a:spAutoFit/>
+          </a:bodyPr>
+          <a:lstStyle/>
+          <a:p>
+            <a:r>
+              <a:rPr lang="zh-CN" altLang="en-US" sz="2400" b="1">
+                <a:solidFill>
+                  <a:srgbClr val="DDDDDD">
+                    <a:lumMod val="25000"/>
+                  </a:srgbClr>
+                </a:solidFill>
+                <a:latin typeface="微软雅黑" panose="020B0503020204020204" pitchFamily="34" charset="-122"/>
+                <a:ea typeface="微软雅黑" panose="020B0503020204020204" pitchFamily="34" charset="-122"/>
+              </a:rPr>
+              <a:t>四、不足和展望</a:t>
+            </a:r>
+            <a:endParaRPr lang="zh-CN" altLang="en-US" sz="2400" b="1" dirty="0">
+              <a:solidFill>
+                <a:srgbClr val="DDDDDD">
+                  <a:lumMod val="25000"/>
+                </a:srgbClr>
+              </a:solidFill>
+              <a:latin typeface="微软雅黑" panose="020B0503020204020204" pitchFamily="34" charset="-122"/>
+              <a:ea typeface="微软雅黑" panose="020B0503020204020204" pitchFamily="34" charset="-122"/>
+            </a:endParaRPr>
+          </a:p>
+        </p:txBody>
+      </p:sp>
+      <p:sp>
+        <p:nvSpPr>
+          <p:cNvPr id="2" name="文本框 1">
+            <a:extLst>
+              <a:ext uri="{FF2B5EF4-FFF2-40B4-BE49-F238E27FC236}">
+                <a16:creationId xmlns:a16="http://schemas.microsoft.com/office/drawing/2014/main" id="{37D45E43-93EA-4893-AE8A-4F0F0054E919}"/>
+              </a:ext>
+            </a:extLst>
+          </p:cNvPr>
+          <p:cNvSpPr txBox="1"/>
+          <p:nvPr/>
+        </p:nvSpPr>
+        <p:spPr>
+          <a:xfrm>
+            <a:off x="1544558" y="1754947"/>
+            <a:ext cx="6664722" cy="830997"/>
+          </a:xfrm>
+          <a:prstGeom prst="rect">
+            <a:avLst/>
+          </a:prstGeom>
+          <a:noFill/>
+        </p:spPr>
+        <p:txBody>
+          <a:bodyPr wrap="square" rtlCol="0">
+            <a:spAutoFit/>
+          </a:bodyPr>
+          <a:lstStyle/>
+          <a:p>
+            <a:pPr marL="285750" indent="-285750">
+              <a:buFont typeface="Arial" panose="020B0604020202020204" pitchFamily="34" charset="0"/>
+              <a:buChar char="•"/>
+            </a:pPr>
+            <a:r>
+              <a:rPr lang="zh-CN" altLang="en-US" sz="2400">
+                <a:latin typeface="+mn-ea"/>
+              </a:rPr>
+              <a:t>可能性：将正确的补丁认为是错误的补丁，因为没有一个完美的</a:t>
+            </a:r>
+            <a:r>
+              <a:rPr lang="en-US" altLang="zh-CN" sz="2400">
+                <a:latin typeface="+mn-ea"/>
+              </a:rPr>
+              <a:t>oracle</a:t>
+            </a:r>
+            <a:endParaRPr lang="zh-CN" altLang="en-US" sz="2400">
+              <a:latin typeface="+mn-ea"/>
+            </a:endParaRPr>
+          </a:p>
+        </p:txBody>
+      </p:sp>
+      <p:sp>
+        <p:nvSpPr>
+          <p:cNvPr id="4" name="文本框 3">
+            <a:extLst>
+              <a:ext uri="{FF2B5EF4-FFF2-40B4-BE49-F238E27FC236}">
+                <a16:creationId xmlns:a16="http://schemas.microsoft.com/office/drawing/2014/main" id="{7484FD07-FE6B-42B6-ABD0-00C060B0FBE0}"/>
+              </a:ext>
+            </a:extLst>
+          </p:cNvPr>
+          <p:cNvSpPr txBox="1"/>
+          <p:nvPr/>
+        </p:nvSpPr>
+        <p:spPr>
+          <a:xfrm>
+            <a:off x="1574598" y="3068320"/>
+            <a:ext cx="6339840" cy="1569660"/>
+          </a:xfrm>
+          <a:prstGeom prst="rect">
+            <a:avLst/>
+          </a:prstGeom>
+          <a:noFill/>
+        </p:spPr>
+        <p:txBody>
+          <a:bodyPr wrap="square" rtlCol="0">
+            <a:spAutoFit/>
+          </a:bodyPr>
+          <a:lstStyle/>
+          <a:p>
+            <a:pPr marL="285750" indent="-285750">
+              <a:buFont typeface="Arial" panose="020B0604020202020204" pitchFamily="34" charset="0"/>
+              <a:buChar char="•"/>
+            </a:pPr>
+            <a:r>
+              <a:rPr lang="zh-CN" altLang="en-US" sz="2400">
+                <a:latin typeface="+mn-ea"/>
+              </a:rPr>
+              <a:t>基于突变的故障修复对</a:t>
+            </a:r>
+            <a:r>
+              <a:rPr lang="en-US" altLang="zh-CN" sz="2400">
+                <a:latin typeface="+mn-ea"/>
+              </a:rPr>
+              <a:t>PATCH-SIM</a:t>
+            </a:r>
+            <a:r>
+              <a:rPr lang="zh-CN" altLang="en-US" sz="2400">
+                <a:latin typeface="+mn-ea"/>
+              </a:rPr>
+              <a:t>的假设有类似的结论：如果</a:t>
+            </a:r>
+            <a:r>
+              <a:rPr lang="en-US" altLang="zh-CN" sz="2400">
+                <a:latin typeface="+mn-ea"/>
+              </a:rPr>
+              <a:t>bug</a:t>
+            </a:r>
+            <a:r>
+              <a:rPr lang="zh-CN" altLang="en-US" sz="2400">
+                <a:latin typeface="+mn-ea"/>
+              </a:rPr>
+              <a:t>语句有了个基于突变的补丁，通过的测试用例在补丁使用前后的变化幅度是远小于失败的测试用例</a:t>
+            </a:r>
+          </a:p>
+        </p:txBody>
+      </p:sp>
+    </p:spTree>
+    <p:extLst>
+      <p:ext uri="{BB962C8B-B14F-4D97-AF65-F5344CB8AC3E}">
+        <p14:creationId xmlns:p14="http://schemas.microsoft.com/office/powerpoint/2010/main" val="2543879440"/>
+      </p:ext>
+    </p:extLst>
+  </p:cSld>
+  <p:clrMapOvr>
+    <a:masterClrMapping/>
+  </p:clrMapOvr>
+  <p:transition>
+    <p:wipe/>
+  </p:transition>
+</p:sld>
+</file>
+
+<file path=ppt/slides/slide14.xml><?xml version="1.0" encoding="utf-8"?>
 <p:sld xmlns:a="http://schemas.openxmlformats.org/drawingml/2006/main" xmlns:r="http://schemas.openxmlformats.org/officeDocument/2006/relationships" xmlns:p="http://schemas.openxmlformats.org/presentationml/2006/main">
   <p:cSld>
     <p:spTree>
@@ -6970,7 +9961,7 @@
         <p:spPr>
           <a:xfrm>
             <a:off x="1704646" y="1981200"/>
-            <a:ext cx="6850074" cy="830997"/>
+            <a:ext cx="6850074" cy="461665"/>
           </a:xfrm>
           <a:prstGeom prst="rect">
             <a:avLst/>
@@ -6991,28 +9982,7 @@
               <a:rPr lang="zh-CN" altLang="en-US" sz="2400">
                 <a:latin typeface="+mn-ea"/>
               </a:rPr>
-              <a:t>弱测试集</a:t>
-            </a:r>
-            <a:endParaRPr lang="en-US" altLang="zh-CN" sz="2400">
-              <a:latin typeface="+mn-ea"/>
-            </a:endParaRPr>
-          </a:p>
-          <a:p>
-            <a:pPr marL="285750" indent="-285750">
-              <a:buFont typeface="Arial" panose="020B0604020202020204" pitchFamily="34" charset="0"/>
-              <a:buChar char="•"/>
-            </a:pPr>
-            <a:r>
-              <a:rPr lang="en-US" altLang="zh-CN" sz="2400">
-                <a:latin typeface="+mn-ea"/>
-              </a:rPr>
-              <a:t>test oracles</a:t>
-            </a:r>
-            <a:r>
-              <a:rPr lang="zh-CN" altLang="en-US" sz="2400">
-                <a:latin typeface="+mn-ea"/>
-              </a:rPr>
-              <a:t>不清楚</a:t>
+              <a:t>如何扩展模板中的搜索空间</a:t>
             </a:r>
           </a:p>
         </p:txBody>
@@ -7261,10 +10231,10 @@
       </p:sp>
       <p:sp>
         <p:nvSpPr>
-          <p:cNvPr id="2" name="文本框 1">
+          <p:cNvPr id="13" name="文本框 12">
             <a:extLst>
               <a:ext uri="{FF2B5EF4-FFF2-40B4-BE49-F238E27FC236}">
-                <a16:creationId xmlns:a16="http://schemas.microsoft.com/office/drawing/2014/main" id="{754E080B-51A6-498D-A180-14FC54FF9524}"/>
+                <a16:creationId xmlns:a16="http://schemas.microsoft.com/office/drawing/2014/main" id="{8FB41415-D33C-413B-81EF-DCB6360CBAA7}"/>
               </a:ext>
             </a:extLst>
           </p:cNvPr>
@@ -7273,8 +10243,8 @@
         </p:nvSpPr>
         <p:spPr>
           <a:xfrm>
-            <a:off x="1534160" y="3429001"/>
-            <a:ext cx="7305040" cy="461665"/>
+            <a:off x="1704646" y="2967335"/>
+            <a:ext cx="6850074" cy="461665"/>
           </a:xfrm>
           <a:prstGeom prst="rect">
             <a:avLst/>
@@ -7287,17 +10257,76 @@
           </a:bodyPr>
           <a:lstStyle/>
           <a:p>
-            <a:r>
-              <a:rPr lang="zh-CN" altLang="en-US" sz="2400"/>
-              <a:t>加强测试集，但是</a:t>
-            </a:r>
-            <a:r>
-              <a:rPr lang="en-US" altLang="zh-CN" sz="2400"/>
-              <a:t>test oracles</a:t>
-            </a:r>
-            <a:r>
-              <a:rPr lang="zh-CN" altLang="en-US" sz="2400"/>
-              <a:t>不能自动生成</a:t>
+            <a:pPr marL="285750" indent="-285750">
+              <a:buFont typeface="Arial" panose="020B0604020202020204" pitchFamily="34" charset="0"/>
+              <a:buChar char="•"/>
+            </a:pPr>
+            <a:r>
+              <a:rPr lang="zh-CN" altLang="en-US" sz="2400">
+                <a:latin typeface="+mn-ea"/>
+              </a:rPr>
+              <a:t>如何从搜索空间中找到对应的模板</a:t>
+            </a:r>
+          </a:p>
+        </p:txBody>
+      </p:sp>
+      <p:sp>
+        <p:nvSpPr>
+          <p:cNvPr id="3" name="文本框 2">
+            <a:extLst>
+              <a:ext uri="{FF2B5EF4-FFF2-40B4-BE49-F238E27FC236}">
+                <a16:creationId xmlns:a16="http://schemas.microsoft.com/office/drawing/2014/main" id="{1BD455E9-6CBE-4B58-BBE0-C8420ACCE82B}"/>
+              </a:ext>
+            </a:extLst>
+          </p:cNvPr>
+          <p:cNvSpPr txBox="1"/>
+          <p:nvPr/>
+        </p:nvSpPr>
+        <p:spPr>
+          <a:xfrm>
+            <a:off x="1310640" y="4511040"/>
+            <a:ext cx="6929120" cy="830997"/>
+          </a:xfrm>
+          <a:prstGeom prst="rect">
+            <a:avLst/>
+          </a:prstGeom>
+          <a:noFill/>
+        </p:spPr>
+        <p:txBody>
+          <a:bodyPr wrap="square" rtlCol="0">
+            <a:spAutoFit/>
+          </a:bodyPr>
+          <a:lstStyle/>
+          <a:p>
+            <a:r>
+              <a:rPr lang="zh-CN" altLang="en-US" sz="2400" b="1">
+                <a:latin typeface="+mn-ea"/>
+              </a:rPr>
+              <a:t>工具名称：</a:t>
+            </a:r>
+            <a:r>
+              <a:rPr lang="en-US" altLang="zh-CN" sz="2400" b="1">
+                <a:latin typeface="+mn-ea"/>
+              </a:rPr>
+              <a:t>Context-based Change Application </a:t>
+            </a:r>
+            <a:r>
+              <a:rPr lang="zh-CN" altLang="en-US" sz="2400" b="1">
+                <a:latin typeface="+mn-ea"/>
+              </a:rPr>
+              <a:t>（</a:t>
+            </a:r>
+            <a:r>
+              <a:rPr lang="en-US" altLang="zh-CN" sz="2400" b="1">
+                <a:latin typeface="+mn-ea"/>
+              </a:rPr>
+              <a:t>CCA</a:t>
+            </a:r>
+            <a:r>
+              <a:rPr lang="zh-CN" altLang="en-US" sz="2400" b="1">
+                <a:latin typeface="+mn-ea"/>
+              </a:rPr>
+              <a:t>）</a:t>
             </a:r>
           </a:p>
         </p:txBody>
@@ -8128,85 +11157,40 @@
           </a:p>
         </p:txBody>
       </p:sp>
-      <p:sp>
-        <p:nvSpPr>
-          <p:cNvPr id="14" name="文本框 13">
+      <p:pic>
+        <p:nvPicPr>
+          <p:cNvPr id="3" name="图片 2">
             <a:extLst>
               <a:ext uri="{FF2B5EF4-FFF2-40B4-BE49-F238E27FC236}">
-                <a16:creationId xmlns:a16="http://schemas.microsoft.com/office/drawing/2014/main" id="{A9656380-2515-4B44-988D-FB453014F341}"/>
+                <a16:creationId xmlns:a16="http://schemas.microsoft.com/office/drawing/2014/main" id="{E5CCE158-AFF6-42C5-9798-0F29F217C6B7}"/>
               </a:ext>
             </a:extLst>
           </p:cNvPr>
-          <p:cNvSpPr txBox="1"/>
+          <p:cNvPicPr>
+            <a:picLocks noChangeAspect="1"/>
+          </p:cNvPicPr>
           <p:nvPr/>
-        </p:nvSpPr>
+        </p:nvPicPr>
+        <p:blipFill>
+          <a:blip r:embed="rId2"/>
+          <a:stretch>
+            <a:fillRect/>
+          </a:stretch>
+        </p:blipFill>
         <p:spPr>
           <a:xfrm>
-            <a:off x="1374140" y="1308215"/>
-            <a:ext cx="6722940" cy="467055"/>
+            <a:off x="0" y="731818"/>
+            <a:ext cx="9144000" cy="5394363"/>
           </a:xfrm>
           <a:prstGeom prst="rect">
             <a:avLst/>
           </a:prstGeom>
-          <a:noFill/>
         </p:spPr>
-        <p:txBody>
-          <a:bodyPr wrap="square">
-            <a:spAutoFit/>
-          </a:bodyPr>
-          <a:lstStyle/>
-          <a:p>
-            <a:r>
-              <a:rPr lang="zh-CN" altLang="en-US" sz="2400"/>
-              <a:t>一个测试用例 = 测试输入 + 测试</a:t>
-            </a:r>
-            <a:r>
-              <a:rPr lang="en-US" altLang="zh-CN" sz="2400"/>
-              <a:t>Oracle</a:t>
-            </a:r>
-            <a:endParaRPr lang="zh-CN" altLang="en-US" sz="2400"/>
-          </a:p>
-        </p:txBody>
-      </p:sp>
-      <p:sp>
-        <p:nvSpPr>
-          <p:cNvPr id="15" name="文本框 14">
-            <a:extLst>
-              <a:ext uri="{FF2B5EF4-FFF2-40B4-BE49-F238E27FC236}">
-                <a16:creationId xmlns:a16="http://schemas.microsoft.com/office/drawing/2014/main" id="{D91B179D-6746-4BFC-9667-56F5193500C5}"/>
-              </a:ext>
-            </a:extLst>
-          </p:cNvPr>
-          <p:cNvSpPr txBox="1"/>
-          <p:nvPr/>
-        </p:nvSpPr>
-        <p:spPr>
-          <a:xfrm>
-            <a:off x="1374140" y="2103425"/>
-            <a:ext cx="6611620" cy="830997"/>
-          </a:xfrm>
-          <a:prstGeom prst="rect">
-            <a:avLst/>
-          </a:prstGeom>
-          <a:noFill/>
-        </p:spPr>
-        <p:txBody>
-          <a:bodyPr wrap="square" rtlCol="0">
-            <a:spAutoFit/>
-          </a:bodyPr>
-          <a:lstStyle/>
-          <a:p>
-            <a:r>
-              <a:rPr lang="zh-CN" altLang="en-US" sz="2400"/>
-              <a:t>目标：对于新生成的测试输入，不需要关注它的输出，启发式的对它分类</a:t>
-            </a:r>
-          </a:p>
-        </p:txBody>
-      </p:sp>
+      </p:pic>
     </p:spTree>
     <p:extLst>
       <p:ext uri="{BB962C8B-B14F-4D97-AF65-F5344CB8AC3E}">
-        <p14:creationId xmlns:p14="http://schemas.microsoft.com/office/powerpoint/2010/main" val="322211419"/>
+        <p14:creationId xmlns:p14="http://schemas.microsoft.com/office/powerpoint/2010/main" val="3700105622"/>
       </p:ext>
     </p:extLst>
   </p:cSld>
@@ -9031,10 +12015,10 @@
       </p:sp>
       <p:sp>
         <p:nvSpPr>
-          <p:cNvPr id="3" name="文本框 2">
+          <p:cNvPr id="21" name="文本框 20">
             <a:extLst>
               <a:ext uri="{FF2B5EF4-FFF2-40B4-BE49-F238E27FC236}">
-                <a16:creationId xmlns:a16="http://schemas.microsoft.com/office/drawing/2014/main" id="{65F8AB76-13A2-4CC7-AFAE-F22F3FBBF2E9}"/>
+                <a16:creationId xmlns:a16="http://schemas.microsoft.com/office/drawing/2014/main" id="{66F30C67-BA1E-4916-9129-3449FF369EAB}"/>
               </a:ext>
             </a:extLst>
           </p:cNvPr>
@@ -9043,8 +12027,8 @@
         </p:nvSpPr>
         <p:spPr>
           <a:xfrm>
-            <a:off x="1757680" y="2097348"/>
-            <a:ext cx="6116320" cy="830997"/>
+            <a:off x="619508" y="1271287"/>
+            <a:ext cx="5557772" cy="477520"/>
           </a:xfrm>
           <a:prstGeom prst="rect">
             <a:avLst/>
@@ -9058,26 +12042,35 @@
           <a:lstStyle/>
           <a:p>
             <a:r>
-              <a:rPr lang="en-US" altLang="zh-CN" sz="2400">
+              <a:rPr lang="en-US" altLang="zh-CN" sz="2400" b="1">
                 <a:latin typeface="+mn-ea"/>
               </a:rPr>
-              <a:t>PATCH-SIM</a:t>
-            </a:r>
-            <a:r>
-              <a:rPr lang="zh-CN" altLang="en-US" sz="2400">
+              <a:t>1.</a:t>
+            </a:r>
+            <a:r>
+              <a:rPr lang="zh-CN" altLang="en-US" sz="2400" b="1">
                 <a:latin typeface="+mn-ea"/>
               </a:rPr>
-              <a:t>：使用补丁前后对于成功或失败测试输入有不一样的执行</a:t>
-            </a:r>
-          </a:p>
-        </p:txBody>
-      </p:sp>
-      <p:sp>
-        <p:nvSpPr>
-          <p:cNvPr id="4" name="文本框 3">
+              <a:t> </a:t>
+            </a:r>
+            <a:r>
+              <a:rPr lang="en-US" altLang="zh-CN" sz="2400" b="1">
+                <a:latin typeface="+mn-ea"/>
+              </a:rPr>
+              <a:t>Change Collection</a:t>
+            </a:r>
+            <a:endParaRPr lang="zh-CN" altLang="en-US" sz="2400" b="1">
+              <a:latin typeface="+mn-ea"/>
+            </a:endParaRPr>
+          </a:p>
+        </p:txBody>
+      </p:sp>
+      <p:sp>
+        <p:nvSpPr>
+          <p:cNvPr id="22" name="文本框 21">
             <a:extLst>
               <a:ext uri="{FF2B5EF4-FFF2-40B4-BE49-F238E27FC236}">
-                <a16:creationId xmlns:a16="http://schemas.microsoft.com/office/drawing/2014/main" id="{004455E8-4E43-409D-A979-24C6A66EAFCC}"/>
+                <a16:creationId xmlns:a16="http://schemas.microsoft.com/office/drawing/2014/main" id="{69082435-664C-4AE1-AE98-97A8CBA87405}"/>
               </a:ext>
             </a:extLst>
           </p:cNvPr>
@@ -9086,8 +12079,8 @@
         </p:nvSpPr>
         <p:spPr>
           <a:xfrm>
-            <a:off x="1757680" y="3279557"/>
-            <a:ext cx="6116320" cy="461665"/>
+            <a:off x="899165" y="1899921"/>
+            <a:ext cx="4765040" cy="461665"/>
           </a:xfrm>
           <a:prstGeom prst="rect">
             <a:avLst/>
@@ -9101,85 +12094,27 @@
           <a:lstStyle/>
           <a:p>
             <a:r>
+              <a:rPr lang="zh-CN" altLang="en-US" sz="2400">
+                <a:latin typeface="+mn-ea"/>
+              </a:rPr>
+              <a:t>如何产生 </a:t>
+            </a:r>
+            <a:r>
               <a:rPr lang="en-US" altLang="zh-CN" sz="2400">
                 <a:latin typeface="+mn-ea"/>
               </a:rPr>
-              <a:t>TEST-SIM</a:t>
-            </a:r>
-            <a:r>
-              <a:rPr lang="zh-CN" altLang="en-US" sz="2400">
-                <a:latin typeface="+mn-ea"/>
-              </a:rPr>
-              <a:t>：同类型的测试输入执行类似</a:t>
-            </a:r>
-          </a:p>
-        </p:txBody>
-      </p:sp>
-      <p:sp>
-        <p:nvSpPr>
-          <p:cNvPr id="16" name="文本框 15">
-            <a:extLst>
-              <a:ext uri="{FF2B5EF4-FFF2-40B4-BE49-F238E27FC236}">
-                <a16:creationId xmlns:a16="http://schemas.microsoft.com/office/drawing/2014/main" id="{EF42EB4C-36AF-42BB-9F92-1C9AB87426D4}"/>
-              </a:ext>
-            </a:extLst>
-          </p:cNvPr>
-          <p:cNvSpPr txBox="1"/>
-          <p:nvPr/>
-        </p:nvSpPr>
-        <p:spPr>
-          <a:xfrm>
-            <a:off x="1757680" y="4368801"/>
-            <a:ext cx="6116320" cy="830997"/>
-          </a:xfrm>
-          <a:prstGeom prst="rect">
-            <a:avLst/>
-          </a:prstGeom>
-          <a:noFill/>
-        </p:spPr>
-        <p:txBody>
-          <a:bodyPr wrap="square" rtlCol="0">
-            <a:spAutoFit/>
-          </a:bodyPr>
-          <a:lstStyle/>
-          <a:p>
-            <a:r>
-              <a:rPr lang="zh-CN" altLang="en-US" sz="2400">
-                <a:latin typeface="+mn-ea"/>
-              </a:rPr>
-              <a:t>执行：完整路径谱</a:t>
-            </a:r>
-            <a:r>
-              <a:rPr lang="en-US" altLang="zh-CN" sz="2400">
-                <a:latin typeface="+mn-ea"/>
-              </a:rPr>
-              <a:t>(complete-path spectrum)</a:t>
-            </a:r>
-            <a:r>
-              <a:rPr lang="zh-CN" altLang="en-US" sz="2400">
-                <a:latin typeface="+mn-ea"/>
-              </a:rPr>
-              <a:t>来记录程序语句的</a:t>
-            </a:r>
-            <a:r>
-              <a:rPr lang="en-US" altLang="zh-CN" sz="2400">
-                <a:latin typeface="+mn-ea"/>
-              </a:rPr>
-              <a:t>id</a:t>
-            </a:r>
-            <a:r>
-              <a:rPr lang="zh-CN" altLang="en-US" sz="2400">
-                <a:latin typeface="+mn-ea"/>
-              </a:rPr>
-              <a:t>序列</a:t>
-            </a:r>
+              <a:t>change pool</a:t>
+            </a:r>
+            <a:endParaRPr lang="zh-CN" altLang="en-US" sz="2400">
+              <a:latin typeface="+mn-ea"/>
+            </a:endParaRPr>
           </a:p>
         </p:txBody>
       </p:sp>
     </p:spTree>
     <p:extLst>
       <p:ext uri="{BB962C8B-B14F-4D97-AF65-F5344CB8AC3E}">
-        <p14:creationId xmlns:p14="http://schemas.microsoft.com/office/powerpoint/2010/main" val="1619717818"/>
+        <p14:creationId xmlns:p14="http://schemas.microsoft.com/office/powerpoint/2010/main" val="4117479069"/>
       </p:ext>
     </p:extLst>
   </p:cSld>
@@ -10002,12 +12937,65 @@
           </a:p>
         </p:txBody>
       </p:sp>
+      <p:sp>
+        <p:nvSpPr>
+          <p:cNvPr id="2" name="文本框 1">
+            <a:extLst>
+              <a:ext uri="{FF2B5EF4-FFF2-40B4-BE49-F238E27FC236}">
+                <a16:creationId xmlns:a16="http://schemas.microsoft.com/office/drawing/2014/main" id="{D15C44CC-05F5-4447-B988-494DECD54B9D}"/>
+              </a:ext>
+            </a:extLst>
+          </p:cNvPr>
+          <p:cNvSpPr txBox="1"/>
+          <p:nvPr/>
+        </p:nvSpPr>
+        <p:spPr>
+          <a:xfrm>
+            <a:off x="771908" y="1432560"/>
+            <a:ext cx="4287772" cy="460995"/>
+          </a:xfrm>
+          <a:prstGeom prst="rect">
+            <a:avLst/>
+          </a:prstGeom>
+          <a:noFill/>
+        </p:spPr>
+        <p:txBody>
+          <a:bodyPr wrap="square" rtlCol="0">
+            <a:spAutoFit/>
+          </a:bodyPr>
+          <a:lstStyle/>
+          <a:p>
+            <a:pPr marL="285750" indent="-285750">
+              <a:buFont typeface="Arial" panose="020B0604020202020204" pitchFamily="34" charset="0"/>
+              <a:buChar char="•"/>
+            </a:pPr>
+            <a:r>
+              <a:rPr lang="zh-CN" altLang="en-US" sz="2400" b="1">
+                <a:latin typeface="+mn-ea"/>
+              </a:rPr>
+              <a:t>更改提取</a:t>
+            </a:r>
+            <a:r>
+              <a:rPr lang="en-US" altLang="zh-CN" sz="2400" b="1">
+                <a:latin typeface="+mn-ea"/>
+              </a:rPr>
+              <a:t> + </a:t>
+            </a:r>
+            <a:r>
+              <a:rPr lang="zh-CN" altLang="en-US" sz="2400" b="1">
+                <a:latin typeface="+mn-ea"/>
+              </a:rPr>
+              <a:t>归一化</a:t>
+            </a:r>
+          </a:p>
+        </p:txBody>
+      </p:sp>
       <p:pic>
         <p:nvPicPr>
           <p:cNvPr id="13" name="图片 12">
             <a:extLst>
               <a:ext uri="{FF2B5EF4-FFF2-40B4-BE49-F238E27FC236}">
-                <a16:creationId xmlns:a16="http://schemas.microsoft.com/office/drawing/2014/main" id="{12AEB9E0-CED1-4191-B522-63D9E3F55476}"/>
+                <a16:creationId xmlns:a16="http://schemas.microsoft.com/office/drawing/2014/main" id="{E6DB401A-2252-4EBB-8F76-FDC511F4560C}"/>
               </a:ext>
             </a:extLst>
           </p:cNvPr>
@@ -10024,8 +13012,8 @@
         </p:blipFill>
         <p:spPr>
           <a:xfrm>
-            <a:off x="388748" y="1117741"/>
-            <a:ext cx="8290560" cy="5063744"/>
+            <a:off x="714758" y="2299154"/>
+            <a:ext cx="6122922" cy="3493871"/>
           </a:xfrm>
           <a:prstGeom prst="rect">
             <a:avLst/>
@@ -10035,7 +13023,7 @@
     </p:spTree>
     <p:extLst>
       <p:ext uri="{BB962C8B-B14F-4D97-AF65-F5344CB8AC3E}">
-        <p14:creationId xmlns:p14="http://schemas.microsoft.com/office/powerpoint/2010/main" val="3700105622"/>
+        <p14:creationId xmlns:p14="http://schemas.microsoft.com/office/powerpoint/2010/main" val="4094313980"/>
       </p:ext>
     </p:extLst>
   </p:cSld>
@@ -10858,47 +13846,12 @@
           </a:p>
         </p:txBody>
       </p:sp>
-      <p:sp>
-        <p:nvSpPr>
-          <p:cNvPr id="2" name="文本框 1">
+      <p:pic>
+        <p:nvPicPr>
+          <p:cNvPr id="3" name="图片 2">
             <a:extLst>
               <a:ext uri="{FF2B5EF4-FFF2-40B4-BE49-F238E27FC236}">
-                <a16:creationId xmlns:a16="http://schemas.microsoft.com/office/drawing/2014/main" id="{4392EFC7-6B3F-4441-9214-B9CC333E5281}"/>
-              </a:ext>
-            </a:extLst>
-          </p:cNvPr>
-          <p:cNvSpPr txBox="1"/>
-          <p:nvPr/>
-        </p:nvSpPr>
-        <p:spPr>
-          <a:xfrm>
-            <a:off x="894090" y="1212220"/>
-            <a:ext cx="6014720" cy="461665"/>
-          </a:xfrm>
-          <a:prstGeom prst="rect">
-            <a:avLst/>
-          </a:prstGeom>
-          <a:noFill/>
-        </p:spPr>
-        <p:txBody>
-          <a:bodyPr wrap="square" rtlCol="0">
-            <a:spAutoFit/>
-          </a:bodyPr>
-          <a:lstStyle/>
-          <a:p>
-            <a:r>
-              <a:rPr lang="zh-CN" altLang="en-US" sz="2400"/>
-              <a:t>新测试输入必须覆盖补丁修改过的方法</a:t>
-            </a:r>
-          </a:p>
-        </p:txBody>
-      </p:sp>
-      <p:pic>
-        <p:nvPicPr>
-          <p:cNvPr id="14" name="图片 13">
-            <a:extLst>
-              <a:ext uri="{FF2B5EF4-FFF2-40B4-BE49-F238E27FC236}">
-                <a16:creationId xmlns:a16="http://schemas.microsoft.com/office/drawing/2014/main" id="{DEE418FB-BA1E-42A4-8D45-4F77C8106E50}"/>
+                <a16:creationId xmlns:a16="http://schemas.microsoft.com/office/drawing/2014/main" id="{80EA7C32-AAAB-44DE-9FD3-2EF8683F4413}"/>
               </a:ext>
             </a:extLst>
           </p:cNvPr>
@@ -10915,137 +13868,18 @@
         </p:blipFill>
         <p:spPr>
           <a:xfrm>
-            <a:off x="3746559" y="1756238"/>
-            <a:ext cx="4498276" cy="910694"/>
+            <a:off x="476633" y="1582345"/>
+            <a:ext cx="8042868" cy="3693310"/>
           </a:xfrm>
           <a:prstGeom prst="rect">
             <a:avLst/>
           </a:prstGeom>
         </p:spPr>
       </p:pic>
-      <p:sp>
-        <p:nvSpPr>
-          <p:cNvPr id="15" name="文本框 14">
-            <a:extLst>
-              <a:ext uri="{FF2B5EF4-FFF2-40B4-BE49-F238E27FC236}">
-                <a16:creationId xmlns:a16="http://schemas.microsoft.com/office/drawing/2014/main" id="{1ACF504A-2502-41DD-B961-11B7F942D295}"/>
-              </a:ext>
-            </a:extLst>
-          </p:cNvPr>
-          <p:cNvSpPr txBox="1"/>
-          <p:nvPr/>
-        </p:nvSpPr>
-        <p:spPr>
-          <a:xfrm>
-            <a:off x="899165" y="1980753"/>
-            <a:ext cx="4399280" cy="461665"/>
-          </a:xfrm>
-          <a:prstGeom prst="rect">
-            <a:avLst/>
-          </a:prstGeom>
-          <a:noFill/>
-        </p:spPr>
-        <p:txBody>
-          <a:bodyPr wrap="square" rtlCol="0">
-            <a:spAutoFit/>
-          </a:bodyPr>
-          <a:lstStyle/>
-          <a:p>
-            <a:r>
-              <a:rPr lang="zh-CN" altLang="en-US" sz="2400"/>
-              <a:t>测试距离计算公式：</a:t>
-            </a:r>
-          </a:p>
-        </p:txBody>
-      </p:sp>
-      <p:sp>
-        <p:nvSpPr>
-          <p:cNvPr id="16" name="文本框 15">
-            <a:extLst>
-              <a:ext uri="{FF2B5EF4-FFF2-40B4-BE49-F238E27FC236}">
-                <a16:creationId xmlns:a16="http://schemas.microsoft.com/office/drawing/2014/main" id="{A6BAD3FE-2EED-4C6E-9A0A-2DDD1724972E}"/>
-              </a:ext>
-            </a:extLst>
-          </p:cNvPr>
-          <p:cNvSpPr txBox="1"/>
-          <p:nvPr/>
-        </p:nvSpPr>
-        <p:spPr>
-          <a:xfrm>
-            <a:off x="894090" y="3429000"/>
-            <a:ext cx="6797040" cy="830997"/>
-          </a:xfrm>
-          <a:prstGeom prst="rect">
-            <a:avLst/>
-          </a:prstGeom>
-          <a:noFill/>
-        </p:spPr>
-        <p:txBody>
-          <a:bodyPr wrap="square" rtlCol="0">
-            <a:spAutoFit/>
-          </a:bodyPr>
-          <a:lstStyle/>
-          <a:p>
-            <a:r>
-              <a:rPr lang="zh-CN" altLang="en-US" sz="2400"/>
-              <a:t>每个新测试输入得到的距离是一个向量（在原程序上运行）</a:t>
-            </a:r>
-          </a:p>
-        </p:txBody>
-      </p:sp>
-      <p:sp>
-        <p:nvSpPr>
-          <p:cNvPr id="18" name="文本框 17">
-            <a:extLst>
-              <a:ext uri="{FF2B5EF4-FFF2-40B4-BE49-F238E27FC236}">
-                <a16:creationId xmlns:a16="http://schemas.microsoft.com/office/drawing/2014/main" id="{66071AD0-9D4F-425F-9E7C-86640B7F98D4}"/>
-              </a:ext>
-            </a:extLst>
-          </p:cNvPr>
-          <p:cNvSpPr txBox="1"/>
-          <p:nvPr/>
-        </p:nvSpPr>
-        <p:spPr>
-          <a:xfrm>
-            <a:off x="899165" y="4606568"/>
-            <a:ext cx="6715760" cy="830997"/>
-          </a:xfrm>
-          <a:prstGeom prst="rect">
-            <a:avLst/>
-          </a:prstGeom>
-          <a:noFill/>
-        </p:spPr>
-        <p:txBody>
-          <a:bodyPr wrap="square" rtlCol="0">
-            <a:spAutoFit/>
-          </a:bodyPr>
-          <a:lstStyle/>
-          <a:p>
-            <a:r>
-              <a:rPr lang="zh-CN" altLang="en-US" sz="2400">
-                <a:latin typeface="+mn-ea"/>
-              </a:rPr>
-              <a:t>补丁：测试输入</a:t>
-            </a:r>
-            <a:r>
-              <a:rPr lang="en-US" altLang="zh-CN" sz="2400">
-                <a:latin typeface="+mn-ea"/>
-              </a:rPr>
-              <a:t>t</a:t>
-            </a:r>
-            <a:r>
-              <a:rPr lang="zh-CN" altLang="en-US" sz="2400">
-                <a:latin typeface="+mn-ea"/>
-              </a:rPr>
-              <a:t>在使用补丁前后的程序上的距离（所有测试输入）</a:t>
-            </a:r>
-          </a:p>
-        </p:txBody>
-      </p:sp>
     </p:spTree>
     <p:extLst>
       <p:ext uri="{BB962C8B-B14F-4D97-AF65-F5344CB8AC3E}">
-        <p14:creationId xmlns:p14="http://schemas.microsoft.com/office/powerpoint/2010/main" val="4117479069"/>
+        <p14:creationId xmlns:p14="http://schemas.microsoft.com/office/powerpoint/2010/main" val="3232654104"/>
       </p:ext>
     </p:extLst>
   </p:cSld>
@@ -11868,12 +14702,52 @@
           </a:p>
         </p:txBody>
       </p:sp>
+      <p:sp>
+        <p:nvSpPr>
+          <p:cNvPr id="2" name="文本框 1">
+            <a:extLst>
+              <a:ext uri="{FF2B5EF4-FFF2-40B4-BE49-F238E27FC236}">
+                <a16:creationId xmlns:a16="http://schemas.microsoft.com/office/drawing/2014/main" id="{2D515A76-703D-4410-A9CE-C5CD425B7B8F}"/>
+              </a:ext>
+            </a:extLst>
+          </p:cNvPr>
+          <p:cNvSpPr txBox="1"/>
+          <p:nvPr/>
+        </p:nvSpPr>
+        <p:spPr>
+          <a:xfrm>
+            <a:off x="790958" y="1351280"/>
+            <a:ext cx="5955282" cy="461665"/>
+          </a:xfrm>
+          <a:prstGeom prst="rect">
+            <a:avLst/>
+          </a:prstGeom>
+          <a:noFill/>
+        </p:spPr>
+        <p:txBody>
+          <a:bodyPr wrap="square" rtlCol="0">
+            <a:spAutoFit/>
+          </a:bodyPr>
+          <a:lstStyle/>
+          <a:p>
+            <a:r>
+              <a:rPr lang="en-US" altLang="zh-CN" sz="2400" b="1">
+                <a:latin typeface="+mn-ea"/>
+              </a:rPr>
+              <a:t>2. Change Context Identification</a:t>
+            </a:r>
+            <a:endParaRPr lang="zh-CN" altLang="en-US" sz="2400" b="1">
+              <a:latin typeface="+mn-ea"/>
+            </a:endParaRPr>
+          </a:p>
+        </p:txBody>
+      </p:sp>
       <p:pic>
         <p:nvPicPr>
-          <p:cNvPr id="3" name="图片 2">
+          <p:cNvPr id="4" name="图片 3">
             <a:extLst>
               <a:ext uri="{FF2B5EF4-FFF2-40B4-BE49-F238E27FC236}">
-                <a16:creationId xmlns:a16="http://schemas.microsoft.com/office/drawing/2014/main" id="{9C412418-DF6C-4238-9162-52ADC013991E}"/>
+                <a16:creationId xmlns:a16="http://schemas.microsoft.com/office/drawing/2014/main" id="{BAC7DF2D-B1A8-467B-B319-95BB9FE6504A}"/>
               </a:ext>
             </a:extLst>
           </p:cNvPr>
@@ -11890,18 +14764,194 @@
         </p:blipFill>
         <p:spPr>
           <a:xfrm>
-            <a:off x="714758" y="806371"/>
-            <a:ext cx="7654290" cy="5932910"/>
+            <a:off x="771908" y="1959415"/>
+            <a:ext cx="5160010" cy="4416619"/>
           </a:xfrm>
           <a:prstGeom prst="rect">
             <a:avLst/>
           </a:prstGeom>
         </p:spPr>
       </p:pic>
+      <p:sp>
+        <p:nvSpPr>
+          <p:cNvPr id="13" name="文本框 12">
+            <a:extLst>
+              <a:ext uri="{FF2B5EF4-FFF2-40B4-BE49-F238E27FC236}">
+                <a16:creationId xmlns:a16="http://schemas.microsoft.com/office/drawing/2014/main" id="{CCFDF7EC-632D-4040-BE85-5BFFA701AAB3}"/>
+              </a:ext>
+            </a:extLst>
+          </p:cNvPr>
+          <p:cNvSpPr txBox="1"/>
+          <p:nvPr/>
+        </p:nvSpPr>
+        <p:spPr>
+          <a:xfrm>
+            <a:off x="6278880" y="2529840"/>
+            <a:ext cx="2479040" cy="369332"/>
+          </a:xfrm>
+          <a:prstGeom prst="rect">
+            <a:avLst/>
+          </a:prstGeom>
+          <a:noFill/>
+        </p:spPr>
+        <p:txBody>
+          <a:bodyPr wrap="square" rtlCol="0">
+            <a:spAutoFit/>
+          </a:bodyPr>
+          <a:lstStyle/>
+          <a:p>
+            <a:r>
+              <a:rPr lang="en-US" altLang="zh-CN"/>
+              <a:t>change 2</a:t>
+            </a:r>
+            <a:r>
+              <a:rPr lang="zh-CN" altLang="en-US"/>
+              <a:t>是没有必要的</a:t>
+            </a:r>
+          </a:p>
+        </p:txBody>
+      </p:sp>
+      <p:sp>
+        <p:nvSpPr>
+          <p:cNvPr id="14" name="文本框 13">
+            <a:extLst>
+              <a:ext uri="{FF2B5EF4-FFF2-40B4-BE49-F238E27FC236}">
+                <a16:creationId xmlns:a16="http://schemas.microsoft.com/office/drawing/2014/main" id="{5F3A46B9-0112-4113-9BA5-B9C04EBB7CBD}"/>
+              </a:ext>
+            </a:extLst>
+          </p:cNvPr>
+          <p:cNvSpPr txBox="1"/>
+          <p:nvPr/>
+        </p:nvSpPr>
+        <p:spPr>
+          <a:xfrm>
+            <a:off x="6360160" y="3616960"/>
+            <a:ext cx="2438400" cy="646331"/>
+          </a:xfrm>
+          <a:prstGeom prst="rect">
+            <a:avLst/>
+          </a:prstGeom>
+          <a:noFill/>
+        </p:spPr>
+        <p:txBody>
+          <a:bodyPr wrap="square" rtlCol="0">
+            <a:spAutoFit/>
+          </a:bodyPr>
+          <a:lstStyle/>
+          <a:p>
+            <a:r>
+              <a:rPr lang="zh-CN" altLang="en-US"/>
+              <a:t>上下文由节点</a:t>
+            </a:r>
+            <a:r>
+              <a:rPr lang="en-US" altLang="zh-CN"/>
+              <a:t>P</a:t>
+            </a:r>
+            <a:r>
+              <a:rPr lang="zh-CN" altLang="en-US"/>
+              <a:t>、</a:t>
+            </a:r>
+            <a:r>
+              <a:rPr lang="en-US" altLang="zh-CN"/>
+              <a:t>L</a:t>
+            </a:r>
+            <a:r>
+              <a:rPr lang="zh-CN" altLang="en-US"/>
+              <a:t>、</a:t>
+            </a:r>
+            <a:r>
+              <a:rPr lang="en-US" altLang="zh-CN"/>
+              <a:t>R</a:t>
+            </a:r>
+            <a:r>
+              <a:rPr lang="zh-CN" altLang="en-US"/>
+              <a:t>组成</a:t>
+            </a:r>
+          </a:p>
+        </p:txBody>
+      </p:sp>
+      <p:sp>
+        <p:nvSpPr>
+          <p:cNvPr id="15" name="文本框 14">
+            <a:extLst>
+              <a:ext uri="{FF2B5EF4-FFF2-40B4-BE49-F238E27FC236}">
+                <a16:creationId xmlns:a16="http://schemas.microsoft.com/office/drawing/2014/main" id="{F1AC448C-25DC-4533-AAEB-FB49AB70C2E3}"/>
+              </a:ext>
+            </a:extLst>
+          </p:cNvPr>
+          <p:cNvSpPr txBox="1"/>
+          <p:nvPr/>
+        </p:nvSpPr>
+        <p:spPr>
+          <a:xfrm>
+            <a:off x="6461760" y="4500880"/>
+            <a:ext cx="2438400" cy="646331"/>
+          </a:xfrm>
+          <a:prstGeom prst="rect">
+            <a:avLst/>
+          </a:prstGeom>
+          <a:noFill/>
+        </p:spPr>
+        <p:txBody>
+          <a:bodyPr wrap="square" rtlCol="0">
+            <a:spAutoFit/>
+          </a:bodyPr>
+          <a:lstStyle/>
+          <a:p>
+            <a:r>
+              <a:rPr lang="zh-CN" altLang="en-US"/>
+              <a:t>上下文分类有两部分：</a:t>
+            </a:r>
+            <a:endParaRPr lang="en-US" altLang="zh-CN"/>
+          </a:p>
+          <a:p>
+            <a:r>
+              <a:rPr lang="en-US" altLang="zh-CN"/>
+              <a:t>node type + node hash</a:t>
+            </a:r>
+            <a:endParaRPr lang="zh-CN" altLang="en-US"/>
+          </a:p>
+        </p:txBody>
+      </p:sp>
+      <p:sp>
+        <p:nvSpPr>
+          <p:cNvPr id="16" name="文本框 15">
+            <a:extLst>
+              <a:ext uri="{FF2B5EF4-FFF2-40B4-BE49-F238E27FC236}">
+                <a16:creationId xmlns:a16="http://schemas.microsoft.com/office/drawing/2014/main" id="{06782B2D-8F90-4208-9F2C-2F2E577CCB10}"/>
+              </a:ext>
+            </a:extLst>
+          </p:cNvPr>
+          <p:cNvSpPr txBox="1"/>
+          <p:nvPr/>
+        </p:nvSpPr>
+        <p:spPr>
+          <a:xfrm>
+            <a:off x="6410960" y="5557521"/>
+            <a:ext cx="1544320" cy="646331"/>
+          </a:xfrm>
+          <a:prstGeom prst="rect">
+            <a:avLst/>
+          </a:prstGeom>
+          <a:noFill/>
+        </p:spPr>
+        <p:txBody>
+          <a:bodyPr wrap="square" rtlCol="0">
+            <a:spAutoFit/>
+          </a:bodyPr>
+          <a:lstStyle/>
+          <a:p>
+            <a:r>
+              <a:rPr lang="zh-CN" altLang="en-US"/>
+              <a:t>节点是语句级别的粒度</a:t>
+            </a:r>
+          </a:p>
+        </p:txBody>
+      </p:sp>
     </p:spTree>
     <p:extLst>
       <p:ext uri="{BB962C8B-B14F-4D97-AF65-F5344CB8AC3E}">
-        <p14:creationId xmlns:p14="http://schemas.microsoft.com/office/powerpoint/2010/main" val="4094313980"/>
+        <p14:creationId xmlns:p14="http://schemas.microsoft.com/office/powerpoint/2010/main" val="766469861"/>
       </p:ext>
     </p:extLst>
   </p:cSld>
@@ -12438,7 +15488,7 @@
       </p:sp>
       <p:sp>
         <p:nvSpPr>
-          <p:cNvPr id="31" name="文本框 9"/>
+          <p:cNvPr id="10" name="文本框 9"/>
           <p:cNvSpPr txBox="1"/>
           <p:nvPr/>
         </p:nvSpPr>
@@ -12468,7 +15518,7 @@
                 <a:latin typeface="微软雅黑" panose="020B0503020204020204" pitchFamily="34" charset="-122"/>
                 <a:ea typeface="微软雅黑" panose="020B0503020204020204" pitchFamily="34" charset="-122"/>
               </a:rPr>
-              <a:t>四、研究结论</a:t>
+              <a:t>二、研究方法</a:t>
             </a:r>
             <a:endParaRPr lang="zh-CN" altLang="en-US" sz="2400" b="1" dirty="0">
               <a:solidFill>
@@ -12484,10 +15534,252 @@
       </p:sp>
       <p:sp>
         <p:nvSpPr>
-          <p:cNvPr id="11" name="文本框 10">
+          <p:cNvPr id="11" name="Rectangle 1">
             <a:extLst>
               <a:ext uri="{FF2B5EF4-FFF2-40B4-BE49-F238E27FC236}">
-                <a16:creationId xmlns:a16="http://schemas.microsoft.com/office/drawing/2014/main" id="{1E884F40-9E1E-4083-A3C1-DE11C8C9D6E2}"/>
+                <a16:creationId xmlns:a16="http://schemas.microsoft.com/office/drawing/2014/main" id="{24CC76D5-6A15-4AE8-95F0-E6569B1DCF72}"/>
+              </a:ext>
+            </a:extLst>
+          </p:cNvPr>
+          <p:cNvSpPr>
+            <a:spLocks noChangeArrowheads="1"/>
+          </p:cNvSpPr>
+          <p:nvPr/>
+        </p:nvSpPr>
+        <p:spPr bwMode="auto">
+          <a:xfrm>
+            <a:off x="0" y="-115641"/>
+            <a:ext cx="10004654" cy="276999"/>
+          </a:xfrm>
+          <a:prstGeom prst="rect">
+            <a:avLst/>
+          </a:prstGeom>
+          <a:noFill/>
+          <a:ln>
+            <a:noFill/>
+          </a:ln>
+          <a:effectLst/>
+          <a:extLst>
+            <a:ext uri="{909E8E84-426E-40DD-AFC4-6F175D3DCCD1}">
+              <a14:hiddenFill xmlns:a14="http://schemas.microsoft.com/office/drawing/2010/main">
+                <a:solidFill>
+                  <a:schemeClr val="accent1"/>
+                </a:solidFill>
+              </a14:hiddenFill>
+            </a:ext>
+            <a:ext uri="{91240B29-F687-4F45-9708-019B960494DF}">
+              <a14:hiddenLine xmlns:a14="http://schemas.microsoft.com/office/drawing/2010/main" w="9525">
+                <a:solidFill>
+                  <a:schemeClr val="tx1"/>
+                </a:solidFill>
+                <a:miter lim="800000"/>
+                <a:headEnd/>
+                <a:tailEnd/>
+              </a14:hiddenLine>
+            </a:ext>
+            <a:ext uri="{AF507438-7753-43E0-B8FC-AC1667EBCBE1}">
+              <a14:hiddenEffects xmlns:a14="http://schemas.microsoft.com/office/drawing/2010/main">
+                <a:effectLst>
+                  <a:outerShdw dist="35921" dir="2700000" algn="ctr" rotWithShape="0">
+                    <a:schemeClr val="bg2"/>
+                  </a:outerShdw>
+                </a:effectLst>
+              </a14:hiddenEffects>
+            </a:ext>
+          </a:extLst>
+        </p:spPr>
+        <p:txBody>
+          <a:bodyPr vert="horz" wrap="square" lIns="91440" tIns="45720" rIns="91440" bIns="45720" numCol="1" anchor="ctr" anchorCtr="0" compatLnSpc="1">
+            <a:prstTxWarp prst="textNoShape">
+              <a:avLst/>
+            </a:prstTxWarp>
+            <a:spAutoFit/>
+          </a:bodyPr>
+          <a:lstStyle/>
+          <a:p>
+            <a:pPr marL="0" marR="0" lvl="0" indent="0" algn="l" defTabSz="914400" rtl="0" eaLnBrk="0" fontAlgn="base" latinLnBrk="0" hangingPunct="0">
+              <a:lnSpc>
+                <a:spcPct val="100000"/>
+              </a:lnSpc>
+              <a:spcBef>
+                <a:spcPct val="0"/>
+              </a:spcBef>
+              <a:spcAft>
+                <a:spcPct val="0"/>
+              </a:spcAft>
+              <a:buClrTx/>
+              <a:buSzTx/>
+              <a:buFontTx/>
+              <a:buNone/>
+              <a:tabLst/>
+            </a:pPr>
+            <a:r>
+              <a:rPr kumimoji="0" lang="zh-CN" altLang="zh-CN" sz="1200" b="0" i="0" u="none" strike="noStrike" cap="none" normalizeH="0" baseline="0">
+                <a:ln>
+                  <a:noFill/>
+                </a:ln>
+                <a:solidFill>
+                  <a:srgbClr val="333333"/>
+                </a:solidFill>
+                <a:effectLst/>
+                <a:latin typeface="Arial" panose="020B0604020202020204" pitchFamily="34" charset="0"/>
+                <a:ea typeface="Open Sans" panose="020B0604020202020204" pitchFamily="34" charset="0"/>
+              </a:rPr>
+              <a:t>NSGA2</a:t>
+            </a:r>
+            <a:r>
+              <a:rPr kumimoji="0" lang="zh-CN" altLang="zh-CN" sz="600" b="0" i="0" u="none" strike="noStrike" cap="none" normalizeH="0" baseline="0">
+                <a:ln>
+                  <a:noFill/>
+                </a:ln>
+                <a:solidFill>
+                  <a:schemeClr val="tx1"/>
+                </a:solidFill>
+                <a:effectLst/>
+                <a:latin typeface="Arial" panose="020B0604020202020204" pitchFamily="34" charset="0"/>
+              </a:rPr>
+              <a:t> </a:t>
+            </a:r>
+            <a:endParaRPr kumimoji="0" lang="zh-CN" altLang="zh-CN" sz="1800" b="0" i="0" u="none" strike="noStrike" cap="none" normalizeH="0" baseline="0">
+              <a:ln>
+                <a:noFill/>
+              </a:ln>
+              <a:solidFill>
+                <a:schemeClr val="tx1"/>
+              </a:solidFill>
+              <a:effectLst/>
+              <a:latin typeface="Arial" panose="020B0604020202020204" pitchFamily="34" charset="0"/>
+            </a:endParaRPr>
+          </a:p>
+        </p:txBody>
+      </p:sp>
+      <p:sp>
+        <p:nvSpPr>
+          <p:cNvPr id="12" name="Rectangle 2">
+            <a:extLst>
+              <a:ext uri="{FF2B5EF4-FFF2-40B4-BE49-F238E27FC236}">
+                <a16:creationId xmlns:a16="http://schemas.microsoft.com/office/drawing/2014/main" id="{B1B8B220-95C5-4587-A3CC-01E0311D113C}"/>
+              </a:ext>
+            </a:extLst>
+          </p:cNvPr>
+          <p:cNvSpPr>
+            <a:spLocks noChangeArrowheads="1"/>
+          </p:cNvSpPr>
+          <p:nvPr/>
+        </p:nvSpPr>
+        <p:spPr bwMode="auto">
+          <a:xfrm>
+            <a:off x="0" y="0"/>
+            <a:ext cx="9144000" cy="0"/>
+          </a:xfrm>
+          <a:prstGeom prst="rect">
+            <a:avLst/>
+          </a:prstGeom>
+          <a:noFill/>
+          <a:ln>
+            <a:noFill/>
+          </a:ln>
+          <a:effectLst/>
+          <a:extLst>
+            <a:ext uri="{909E8E84-426E-40DD-AFC4-6F175D3DCCD1}">
+              <a14:hiddenFill xmlns:a14="http://schemas.microsoft.com/office/drawing/2010/main">
+                <a:solidFill>
+                  <a:schemeClr val="accent1"/>
+                </a:solidFill>
+              </a14:hiddenFill>
+            </a:ext>
+            <a:ext uri="{91240B29-F687-4F45-9708-019B960494DF}">
+              <a14:hiddenLine xmlns:a14="http://schemas.microsoft.com/office/drawing/2010/main" w="9525">
+                <a:solidFill>
+                  <a:schemeClr val="tx1"/>
+                </a:solidFill>
+                <a:miter lim="800000"/>
+                <a:headEnd/>
+                <a:tailEnd/>
+              </a14:hiddenLine>
+            </a:ext>
+            <a:ext uri="{AF507438-7753-43E0-B8FC-AC1667EBCBE1}">
+              <a14:hiddenEffects xmlns:a14="http://schemas.microsoft.com/office/drawing/2010/main">
+                <a:effectLst>
+                  <a:outerShdw dist="35921" dir="2700000" algn="ctr" rotWithShape="0">
+                    <a:schemeClr val="bg2"/>
+                  </a:outerShdw>
+                </a:effectLst>
+              </a14:hiddenEffects>
+            </a:ext>
+          </a:extLst>
+        </p:spPr>
+        <p:txBody>
+          <a:bodyPr vert="horz" wrap="none" lIns="91440" tIns="45720" rIns="91440" bIns="45720" numCol="1" anchor="ctr" anchorCtr="0" compatLnSpc="1">
+            <a:prstTxWarp prst="textNoShape">
+              <a:avLst/>
+            </a:prstTxWarp>
+            <a:spAutoFit/>
+          </a:bodyPr>
+          <a:lstStyle/>
+          <a:p>
+            <a:pPr marL="0" marR="0" lvl="0" indent="0" algn="l" defTabSz="914400" rtl="0" eaLnBrk="0" fontAlgn="base" latinLnBrk="0" hangingPunct="0">
+              <a:lnSpc>
+                <a:spcPct val="100000"/>
+              </a:lnSpc>
+              <a:spcBef>
+                <a:spcPct val="0"/>
+              </a:spcBef>
+              <a:spcAft>
+                <a:spcPct val="0"/>
+              </a:spcAft>
+              <a:buClrTx/>
+              <a:buSzTx/>
+              <a:buFontTx/>
+              <a:buNone/>
+              <a:tabLst/>
+            </a:pPr>
+            <a:r>
+              <a:rPr kumimoji="0" lang="zh-CN" altLang="zh-CN" sz="1200" b="0" i="0" u="none" strike="noStrike" cap="none" normalizeH="0" baseline="0">
+                <a:ln>
+                  <a:noFill/>
+                </a:ln>
+                <a:solidFill>
+                  <a:srgbClr val="333333"/>
+                </a:solidFill>
+                <a:effectLst/>
+                <a:latin typeface="Arial" panose="020B0604020202020204" pitchFamily="34" charset="0"/>
+                <a:ea typeface="Open Sans" panose="020B0606030504020204" pitchFamily="34" charset="0"/>
+              </a:rPr>
+              <a:t>NSGA2</a:t>
+            </a:r>
+            <a:r>
+              <a:rPr kumimoji="0" lang="zh-CN" altLang="zh-CN" sz="600" b="0" i="0" u="none" strike="noStrike" cap="none" normalizeH="0" baseline="0">
+                <a:ln>
+                  <a:noFill/>
+                </a:ln>
+                <a:solidFill>
+                  <a:schemeClr val="tx1"/>
+                </a:solidFill>
+                <a:effectLst/>
+                <a:latin typeface="Arial" panose="020B0604020202020204" pitchFamily="34" charset="0"/>
+              </a:rPr>
+              <a:t> </a:t>
+            </a:r>
+            <a:endParaRPr kumimoji="0" lang="zh-CN" altLang="zh-CN" sz="1800" b="0" i="0" u="none" strike="noStrike" cap="none" normalizeH="0" baseline="0">
+              <a:ln>
+                <a:noFill/>
+              </a:ln>
+              <a:solidFill>
+                <a:schemeClr val="tx1"/>
+              </a:solidFill>
+              <a:effectLst/>
+              <a:latin typeface="Arial" panose="020B0604020202020204" pitchFamily="34" charset="0"/>
+            </a:endParaRPr>
+          </a:p>
+        </p:txBody>
+      </p:sp>
+      <p:sp>
+        <p:nvSpPr>
+          <p:cNvPr id="2" name="文本框 1">
+            <a:extLst>
+              <a:ext uri="{FF2B5EF4-FFF2-40B4-BE49-F238E27FC236}">
+                <a16:creationId xmlns:a16="http://schemas.microsoft.com/office/drawing/2014/main" id="{B1F39A99-7374-48D9-B4FD-028B18075A59}"/>
               </a:ext>
             </a:extLst>
           </p:cNvPr>
@@ -12496,8 +15788,8 @@
         </p:nvSpPr>
         <p:spPr>
           <a:xfrm>
-            <a:off x="1016000" y="1772920"/>
-            <a:ext cx="6776720" cy="1200329"/>
+            <a:off x="326037" y="1019415"/>
+            <a:ext cx="7197915" cy="830997"/>
           </a:xfrm>
           <a:prstGeom prst="rect">
             <a:avLst/>
@@ -12510,29 +15802,198 @@
           </a:bodyPr>
           <a:lstStyle/>
           <a:p>
-            <a:pPr marL="285750" indent="-285750">
-              <a:buFont typeface="Arial" panose="020B0604020202020204" pitchFamily="34" charset="0"/>
-              <a:buChar char="•"/>
-            </a:pPr>
-            <a:r>
-              <a:rPr lang="zh-CN" altLang="en-US" sz="2400"/>
-              <a:t>面对收集到的补丁，没有将任何一个正确的补丁归类到错误的补丁里。能够过滤掉</a:t>
-            </a:r>
-            <a:r>
-              <a:rPr lang="en-US" altLang="zh-CN" sz="2400"/>
-              <a:t>56.3%</a:t>
-            </a:r>
-            <a:r>
-              <a:rPr lang="zh-CN" altLang="en-US" sz="2400"/>
-              <a:t>的错误补丁</a:t>
-            </a:r>
+            <a:r>
+              <a:rPr lang="en-US" altLang="zh-CN" sz="2400" b="1">
+                <a:latin typeface="+mn-ea"/>
+              </a:rPr>
+              <a:t>Node type</a:t>
+            </a:r>
+            <a:r>
+              <a:rPr lang="zh-CN" altLang="en-US" sz="2400" b="1">
+                <a:latin typeface="+mn-ea"/>
+              </a:rPr>
+              <a:t>：</a:t>
+            </a:r>
+            <a:r>
+              <a:rPr lang="en-US" altLang="zh-CN" sz="2400" b="1">
+                <a:latin typeface="+mn-ea"/>
+              </a:rPr>
+              <a:t>AST node type + syntactic location</a:t>
+            </a:r>
+            <a:endParaRPr lang="zh-CN" altLang="en-US" sz="2400" b="1">
+              <a:latin typeface="+mn-ea"/>
+            </a:endParaRPr>
+          </a:p>
+        </p:txBody>
+      </p:sp>
+      <p:pic>
+        <p:nvPicPr>
+          <p:cNvPr id="15" name="图片 14">
+            <a:extLst>
+              <a:ext uri="{FF2B5EF4-FFF2-40B4-BE49-F238E27FC236}">
+                <a16:creationId xmlns:a16="http://schemas.microsoft.com/office/drawing/2014/main" id="{3760B34C-1F0A-4450-80A0-07B677CDCBDA}"/>
+              </a:ext>
+            </a:extLst>
+          </p:cNvPr>
+          <p:cNvPicPr>
+            <a:picLocks noChangeAspect="1"/>
+          </p:cNvPicPr>
+          <p:nvPr/>
+        </p:nvPicPr>
+        <p:blipFill>
+          <a:blip r:embed="rId2"/>
+          <a:stretch>
+            <a:fillRect/>
+          </a:stretch>
+        </p:blipFill>
+        <p:spPr>
+          <a:xfrm>
+            <a:off x="619508" y="1937044"/>
+            <a:ext cx="5505450" cy="857250"/>
+          </a:xfrm>
+          <a:prstGeom prst="rect">
+            <a:avLst/>
+          </a:prstGeom>
+        </p:spPr>
+      </p:pic>
+      <p:pic>
+        <p:nvPicPr>
+          <p:cNvPr id="17" name="图片 16">
+            <a:extLst>
+              <a:ext uri="{FF2B5EF4-FFF2-40B4-BE49-F238E27FC236}">
+                <a16:creationId xmlns:a16="http://schemas.microsoft.com/office/drawing/2014/main" id="{704BD969-7620-43FE-8C99-256179F4C25D}"/>
+              </a:ext>
+            </a:extLst>
+          </p:cNvPr>
+          <p:cNvPicPr>
+            <a:picLocks noChangeAspect="1"/>
+          </p:cNvPicPr>
+          <p:nvPr/>
+        </p:nvPicPr>
+        <p:blipFill>
+          <a:blip r:embed="rId3"/>
+          <a:stretch>
+            <a:fillRect/>
+          </a:stretch>
+        </p:blipFill>
+        <p:spPr>
+          <a:xfrm>
+            <a:off x="657608" y="2993836"/>
+            <a:ext cx="6139432" cy="3421486"/>
+          </a:xfrm>
+          <a:prstGeom prst="rect">
+            <a:avLst/>
+          </a:prstGeom>
+        </p:spPr>
+      </p:pic>
+      <p:sp>
+        <p:nvSpPr>
+          <p:cNvPr id="18" name="文本框 17">
+            <a:extLst>
+              <a:ext uri="{FF2B5EF4-FFF2-40B4-BE49-F238E27FC236}">
+                <a16:creationId xmlns:a16="http://schemas.microsoft.com/office/drawing/2014/main" id="{A92372A9-3C7E-4F66-9703-79EC4EE6EC6E}"/>
+              </a:ext>
+            </a:extLst>
+          </p:cNvPr>
+          <p:cNvSpPr txBox="1"/>
+          <p:nvPr/>
+        </p:nvSpPr>
+        <p:spPr>
+          <a:xfrm>
+            <a:off x="6034428" y="2886006"/>
+            <a:ext cx="2916532" cy="830997"/>
+          </a:xfrm>
+          <a:prstGeom prst="rect">
+            <a:avLst/>
+          </a:prstGeom>
+          <a:noFill/>
+        </p:spPr>
+        <p:txBody>
+          <a:bodyPr wrap="square" rtlCol="0">
+            <a:spAutoFit/>
+          </a:bodyPr>
+          <a:lstStyle/>
+          <a:p>
+            <a:r>
+              <a:rPr lang="zh-CN" altLang="en-US" sz="2400">
+                <a:latin typeface="+mn-ea"/>
+              </a:rPr>
+              <a:t>对于这个节点来说</a:t>
+            </a:r>
+            <a:r>
+              <a:rPr lang="en-US" altLang="zh-CN" sz="2400">
+                <a:latin typeface="+mn-ea"/>
+              </a:rPr>
+              <a:t>MethodInvoc[args]</a:t>
+            </a:r>
+            <a:endParaRPr lang="zh-CN" altLang="en-US" sz="2400">
+              <a:latin typeface="+mn-ea"/>
+            </a:endParaRPr>
+          </a:p>
+        </p:txBody>
+      </p:sp>
+      <p:sp>
+        <p:nvSpPr>
+          <p:cNvPr id="19" name="文本框 18">
+            <a:extLst>
+              <a:ext uri="{FF2B5EF4-FFF2-40B4-BE49-F238E27FC236}">
+                <a16:creationId xmlns:a16="http://schemas.microsoft.com/office/drawing/2014/main" id="{EFCDCDB1-4CE2-4D00-A46D-FA291A3D21DA}"/>
+              </a:ext>
+            </a:extLst>
+          </p:cNvPr>
+          <p:cNvSpPr txBox="1"/>
+          <p:nvPr/>
+        </p:nvSpPr>
+        <p:spPr>
+          <a:xfrm>
+            <a:off x="6227468" y="3974895"/>
+            <a:ext cx="2916532" cy="1200329"/>
+          </a:xfrm>
+          <a:prstGeom prst="rect">
+            <a:avLst/>
+          </a:prstGeom>
+          <a:noFill/>
+        </p:spPr>
+        <p:txBody>
+          <a:bodyPr wrap="square" rtlCol="0">
+            <a:spAutoFit/>
+          </a:bodyPr>
+          <a:lstStyle/>
+          <a:p>
+            <a:r>
+              <a:rPr lang="zh-CN" altLang="en-US" sz="2400">
+                <a:latin typeface="+mn-ea"/>
+              </a:rPr>
+              <a:t>这条语句针对</a:t>
+            </a:r>
+            <a:r>
+              <a:rPr lang="en-US" altLang="zh-CN" sz="2400">
+                <a:latin typeface="+mn-ea"/>
+              </a:rPr>
+              <a:t>ppt5~6</a:t>
+            </a:r>
+            <a:r>
+              <a:rPr lang="zh-CN" altLang="en-US" sz="2400">
+                <a:latin typeface="+mn-ea"/>
+              </a:rPr>
+              <a:t>页的</a:t>
+            </a:r>
+            <a:r>
+              <a:rPr lang="en-US" altLang="zh-CN" sz="2400">
+                <a:latin typeface="+mn-ea"/>
+              </a:rPr>
+              <a:t>change</a:t>
+            </a:r>
+            <a:endParaRPr lang="zh-CN" altLang="en-US" sz="2400">
+              <a:latin typeface="+mn-ea"/>
+            </a:endParaRPr>
           </a:p>
         </p:txBody>
       </p:sp>
     </p:spTree>
     <p:extLst>
       <p:ext uri="{BB962C8B-B14F-4D97-AF65-F5344CB8AC3E}">
-        <p14:creationId xmlns:p14="http://schemas.microsoft.com/office/powerpoint/2010/main" val="3415316646"/>
+        <p14:creationId xmlns:p14="http://schemas.microsoft.com/office/powerpoint/2010/main" val="1437072944"/>
       </p:ext>
     </p:extLst>
   </p:cSld>
@@ -13069,7 +16530,7 @@
       </p:sp>
       <p:sp>
         <p:nvSpPr>
-          <p:cNvPr id="31" name="文本框 9"/>
+          <p:cNvPr id="10" name="文本框 9"/>
           <p:cNvSpPr txBox="1"/>
           <p:nvPr/>
         </p:nvSpPr>
@@ -13099,7 +16560,7 @@
                 <a:latin typeface="微软雅黑" panose="020B0503020204020204" pitchFamily="34" charset="-122"/>
                 <a:ea typeface="微软雅黑" panose="020B0503020204020204" pitchFamily="34" charset="-122"/>
               </a:rPr>
-              <a:t>四、不足和展望</a:t>
+              <a:t>二、研究方法</a:t>
             </a:r>
             <a:endParaRPr lang="zh-CN" altLang="en-US" sz="2400" b="1" dirty="0">
               <a:solidFill>
@@ -13115,123 +16576,250 @@
       </p:sp>
       <p:sp>
         <p:nvSpPr>
-          <p:cNvPr id="2" name="文本框 1">
+          <p:cNvPr id="11" name="Rectangle 1">
             <a:extLst>
               <a:ext uri="{FF2B5EF4-FFF2-40B4-BE49-F238E27FC236}">
-                <a16:creationId xmlns:a16="http://schemas.microsoft.com/office/drawing/2014/main" id="{37D45E43-93EA-4893-AE8A-4F0F0054E919}"/>
+                <a16:creationId xmlns:a16="http://schemas.microsoft.com/office/drawing/2014/main" id="{24CC76D5-6A15-4AE8-95F0-E6569B1DCF72}"/>
               </a:ext>
             </a:extLst>
           </p:cNvPr>
-          <p:cNvSpPr txBox="1"/>
+          <p:cNvSpPr>
+            <a:spLocks noChangeArrowheads="1"/>
+          </p:cNvSpPr>
           <p:nvPr/>
         </p:nvSpPr>
-        <p:spPr>
+        <p:spPr bwMode="auto">
           <a:xfrm>
-            <a:off x="1544558" y="1754947"/>
-            <a:ext cx="6664722" cy="830997"/>
+            <a:off x="0" y="-115641"/>
+            <a:ext cx="10004654" cy="276999"/>
           </a:xfrm>
           <a:prstGeom prst="rect">
             <a:avLst/>
           </a:prstGeom>
           <a:noFill/>
+          <a:ln>
+            <a:noFill/>
+          </a:ln>
+          <a:effectLst/>
+          <a:extLst>
+            <a:ext uri="{909E8E84-426E-40DD-AFC4-6F175D3DCCD1}">
+              <a14:hiddenFill xmlns:a14="http://schemas.microsoft.com/office/drawing/2010/main">
+                <a:solidFill>
+                  <a:schemeClr val="accent1"/>
+                </a:solidFill>
+              </a14:hiddenFill>
+            </a:ext>
+            <a:ext uri="{91240B29-F687-4F45-9708-019B960494DF}">
+              <a14:hiddenLine xmlns:a14="http://schemas.microsoft.com/office/drawing/2010/main" w="9525">
+                <a:solidFill>
+                  <a:schemeClr val="tx1"/>
+                </a:solidFill>
+                <a:miter lim="800000"/>
+                <a:headEnd/>
+                <a:tailEnd/>
+              </a14:hiddenLine>
+            </a:ext>
+            <a:ext uri="{AF507438-7753-43E0-B8FC-AC1667EBCBE1}">
+              <a14:hiddenEffects xmlns:a14="http://schemas.microsoft.com/office/drawing/2010/main">
+                <a:effectLst>
+                  <a:outerShdw dist="35921" dir="2700000" algn="ctr" rotWithShape="0">
+                    <a:schemeClr val="bg2"/>
+                  </a:outerShdw>
+                </a:effectLst>
+              </a14:hiddenEffects>
+            </a:ext>
+          </a:extLst>
         </p:spPr>
         <p:txBody>
-          <a:bodyPr wrap="square" rtlCol="0">
+          <a:bodyPr vert="horz" wrap="square" lIns="91440" tIns="45720" rIns="91440" bIns="45720" numCol="1" anchor="ctr" anchorCtr="0" compatLnSpc="1">
+            <a:prstTxWarp prst="textNoShape">
+              <a:avLst/>
+            </a:prstTxWarp>
             <a:spAutoFit/>
           </a:bodyPr>
           <a:lstStyle/>
           <a:p>
-            <a:pPr marL="285750" indent="-285750">
-              <a:buFont typeface="Arial" panose="020B0604020202020204" pitchFamily="34" charset="0"/>
-              <a:buChar char="•"/>
+            <a:pPr marL="0" marR="0" lvl="0" indent="0" algn="l" defTabSz="914400" rtl="0" eaLnBrk="0" fontAlgn="base" latinLnBrk="0" hangingPunct="0">
+              <a:lnSpc>
+                <a:spcPct val="100000"/>
+              </a:lnSpc>
+              <a:spcBef>
+                <a:spcPct val="0"/>
+              </a:spcBef>
+              <a:spcAft>
+                <a:spcPct val="0"/>
+              </a:spcAft>
+              <a:buClrTx/>
+              <a:buSzTx/>
+              <a:buFontTx/>
+              <a:buNone/>
+              <a:tabLst/>
             </a:pPr>
             <a:r>
-              <a:rPr lang="zh-CN" altLang="en-US" sz="2400">
-                <a:latin typeface="+mn-ea"/>
+              <a:rPr kumimoji="0" lang="zh-CN" altLang="zh-CN" sz="1200" b="0" i="0" u="none" strike="noStrike" cap="none" normalizeH="0" baseline="0">
+                <a:ln>
+                  <a:noFill/>
+                </a:ln>
+                <a:solidFill>
+                  <a:srgbClr val="333333"/>
+                </a:solidFill>
+                <a:effectLst/>
+                <a:latin typeface="Arial" panose="020B0604020202020204" pitchFamily="34" charset="0"/>
+                <a:ea typeface="Open Sans" panose="020B0604020202020204" pitchFamily="34" charset="0"/>
               </a:rPr>
-              <a:t>可能性：将正确的补丁认为是错误的补丁，因为没有一个完美的</a:t>
-            </a:r>
-            <a:r>
-              <a:rPr lang="en-US" altLang="zh-CN" sz="2400">
-                <a:latin typeface="+mn-ea"/>
+              <a:t>NSGA2</a:t>
+            </a:r>
+            <a:r>
+              <a:rPr kumimoji="0" lang="zh-CN" altLang="zh-CN" sz="600" b="0" i="0" u="none" strike="noStrike" cap="none" normalizeH="0" baseline="0">
+                <a:ln>
+                  <a:noFill/>
+                </a:ln>
+                <a:solidFill>
+                  <a:schemeClr val="tx1"/>
+                </a:solidFill>
+                <a:effectLst/>
+                <a:latin typeface="Arial" panose="020B0604020202020204" pitchFamily="34" charset="0"/>
               </a:rPr>
-              <a:t>oracle</a:t>
-            </a:r>
-            <a:endParaRPr lang="zh-CN" altLang="en-US" sz="2400">
-              <a:latin typeface="+mn-ea"/>
+              <a:t> </a:t>
+            </a:r>
+            <a:endParaRPr kumimoji="0" lang="zh-CN" altLang="zh-CN" sz="1800" b="0" i="0" u="none" strike="noStrike" cap="none" normalizeH="0" baseline="0">
+              <a:ln>
+                <a:noFill/>
+              </a:ln>
+              <a:solidFill>
+                <a:schemeClr val="tx1"/>
+              </a:solidFill>
+              <a:effectLst/>
+              <a:latin typeface="Arial" panose="020B0604020202020204" pitchFamily="34" charset="0"/>
             </a:endParaRPr>
           </a:p>
         </p:txBody>
       </p:sp>
       <p:sp>
         <p:nvSpPr>
-          <p:cNvPr id="4" name="文本框 3">
+          <p:cNvPr id="12" name="Rectangle 2">
             <a:extLst>
               <a:ext uri="{FF2B5EF4-FFF2-40B4-BE49-F238E27FC236}">
-                <a16:creationId xmlns:a16="http://schemas.microsoft.com/office/drawing/2014/main" id="{7484FD07-FE6B-42B6-ABD0-00C060B0FBE0}"/>
+                <a16:creationId xmlns:a16="http://schemas.microsoft.com/office/drawing/2014/main" id="{B1B8B220-95C5-4587-A3CC-01E0311D113C}"/>
               </a:ext>
             </a:extLst>
           </p:cNvPr>
-          <p:cNvSpPr txBox="1"/>
+          <p:cNvSpPr>
+            <a:spLocks noChangeArrowheads="1"/>
+          </p:cNvSpPr>
           <p:nvPr/>
         </p:nvSpPr>
-        <p:spPr>
+        <p:spPr bwMode="auto">
           <a:xfrm>
-            <a:off x="1574598" y="3068320"/>
-            <a:ext cx="6339840" cy="1569660"/>
+            <a:off x="0" y="0"/>
+            <a:ext cx="9144000" cy="0"/>
           </a:xfrm>
           <a:prstGeom prst="rect">
             <a:avLst/>
           </a:prstGeom>
           <a:noFill/>
+          <a:ln>
+            <a:noFill/>
+          </a:ln>
+          <a:effectLst/>
+          <a:extLst>
+            <a:ext uri="{909E8E84-426E-40DD-AFC4-6F175D3DCCD1}">
+              <a14:hiddenFill xmlns:a14="http://schemas.microsoft.com/office/drawing/2010/main">
+                <a:solidFill>
+                  <a:schemeClr val="accent1"/>
+                </a:solidFill>
+              </a14:hiddenFill>
+            </a:ext>
+            <a:ext uri="{91240B29-F687-4F45-9708-019B960494DF}">
+              <a14:hiddenLine xmlns:a14="http://schemas.microsoft.com/office/drawing/2010/main" w="9525">
+                <a:solidFill>
+                  <a:schemeClr val="tx1"/>
+                </a:solidFill>
+                <a:miter lim="800000"/>
+                <a:headEnd/>
+                <a:tailEnd/>
+              </a14:hiddenLine>
+            </a:ext>
+            <a:ext uri="{AF507438-7753-43E0-B8FC-AC1667EBCBE1}">
+              <a14:hiddenEffects xmlns:a14="http://schemas.microsoft.com/office/drawing/2010/main">
+                <a:effectLst>
+                  <a:outerShdw dist="35921" dir="2700000" algn="ctr" rotWithShape="0">
+                    <a:schemeClr val="bg2"/>
+                  </a:outerShdw>
+                </a:effectLst>
+              </a14:hiddenEffects>
+            </a:ext>
+          </a:extLst>
         </p:spPr>
         <p:txBody>
-          <a:bodyPr wrap="square" rtlCol="0">
+          <a:bodyPr vert="horz" wrap="none" lIns="91440" tIns="45720" rIns="91440" bIns="45720" numCol="1" anchor="ctr" anchorCtr="0" compatLnSpc="1">
+            <a:prstTxWarp prst="textNoShape">
+              <a:avLst/>
+            </a:prstTxWarp>
             <a:spAutoFit/>
           </a:bodyPr>
           <a:lstStyle/>
           <a:p>
-            <a:pPr marL="285750" indent="-285750">
-              <a:buFont typeface="Arial" panose="020B0604020202020204" pitchFamily="34" charset="0"/>
-              <a:buChar char="•"/>
+            <a:pPr marL="0" marR="0" lvl="0" indent="0" algn="l" defTabSz="914400" rtl="0" eaLnBrk="0" fontAlgn="base" latinLnBrk="0" hangingPunct="0">
+              <a:lnSpc>
+                <a:spcPct val="100000"/>
+              </a:lnSpc>
+              <a:spcBef>
+                <a:spcPct val="0"/>
+              </a:spcBef>
+              <a:spcAft>
+                <a:spcPct val="0"/>
+              </a:spcAft>
+              <a:buClrTx/>
+              <a:buSzTx/>
+              <a:buFontTx/>
+              <a:buNone/>
+              <a:tabLst/>
             </a:pPr>
             <a:r>
-              <a:rPr lang="zh-CN" altLang="en-US" sz="2400">
-                <a:latin typeface="+mn-ea"/>
+              <a:rPr kumimoji="0" lang="zh-CN" altLang="zh-CN" sz="1200" b="0" i="0" u="none" strike="noStrike" cap="none" normalizeH="0" baseline="0">
+                <a:ln>
+                  <a:noFill/>
+                </a:ln>
+                <a:solidFill>
+                  <a:srgbClr val="333333"/>
+                </a:solidFill>
+                <a:effectLst/>
+                <a:latin typeface="Arial" panose="020B0604020202020204" pitchFamily="34" charset="0"/>
+                <a:ea typeface="Open Sans" panose="020B0606030504020204" pitchFamily="34" charset="0"/>
               </a:rPr>
-              <a:t>基于突变的故障修复对</a:t>
-            </a:r>
-            <a:r>
-              <a:rPr lang="en-US" altLang="zh-CN" sz="2400">
-                <a:latin typeface="+mn-ea"/>
+              <a:t>NSGA2</a:t>
+            </a:r>
+            <a:r>
+              <a:rPr kumimoji="0" lang="zh-CN" altLang="zh-CN" sz="600" b="0" i="0" u="none" strike="noStrike" cap="none" normalizeH="0" baseline="0">
+                <a:ln>
+                  <a:noFill/>
+                </a:ln>
+                <a:solidFill>
+                  <a:schemeClr val="tx1"/>
+                </a:solidFill>
+                <a:effectLst/>
+                <a:latin typeface="Arial" panose="020B0604020202020204" pitchFamily="34" charset="0"/>
               </a:rPr>
-              <a:t>PATCH-SIM</a:t>
-            </a:r>
-            <a:r>
-              <a:rPr lang="zh-CN" altLang="en-US" sz="2400">
-                <a:latin typeface="+mn-ea"/>
-              </a:rPr>
-              <a:t>的假设有类似的结论：如果</a:t>
-            </a:r>
-            <a:r>
-              <a:rPr lang="en-US" altLang="zh-CN" sz="2400">
-                <a:latin typeface="+mn-ea"/>
-              </a:rPr>
-              <a:t>bug</a:t>
-            </a:r>
-            <a:r>
-              <a:rPr lang="zh-CN" altLang="en-US" sz="2400">
-                <a:latin typeface="+mn-ea"/>
-              </a:rPr>
-              <a:t>语句有了个基于突变的补丁，通过的测试用例在补丁使用前后的变化幅度是远小于失败的测试用例</a:t>
-            </a:r>
+              <a:t> </a:t>
+            </a:r>
+            <a:endParaRPr kumimoji="0" lang="zh-CN" altLang="zh-CN" sz="1800" b="0" i="0" u="none" strike="noStrike" cap="none" normalizeH="0" baseline="0">
+              <a:ln>
+                <a:noFill/>
+              </a:ln>
+              <a:solidFill>
+                <a:schemeClr val="tx1"/>
+              </a:solidFill>
+              <a:effectLst/>
+              <a:latin typeface="Arial" panose="020B0604020202020204" pitchFamily="34" charset="0"/>
+            </a:endParaRPr>
           </a:p>
         </p:txBody>
       </p:sp>
     </p:spTree>
     <p:extLst>
       <p:ext uri="{BB962C8B-B14F-4D97-AF65-F5344CB8AC3E}">
-        <p14:creationId xmlns:p14="http://schemas.microsoft.com/office/powerpoint/2010/main" val="2543879440"/>
+        <p14:creationId xmlns:p14="http://schemas.microsoft.com/office/powerpoint/2010/main" val="2268063230"/>
       </p:ext>
     </p:extLst>
   </p:cSld>
